--- a/课程PPT/（04）H5 Canvas动画.pptx
+++ b/课程PPT/（04）H5 Canvas动画.pptx
@@ -9,11 +9,16 @@
   </p:notesMasterIdLst>
   <p:sldIdLst>
     <p:sldId id="1152" r:id="rId3"/>
-    <p:sldId id="1153" r:id="rId5"/>
+    <p:sldId id="1169" r:id="rId5"/>
     <p:sldId id="1155" r:id="rId6"/>
     <p:sldId id="1156" r:id="rId7"/>
     <p:sldId id="1157" r:id="rId8"/>
-    <p:sldId id="1154" r:id="rId9"/>
+    <p:sldId id="1159" r:id="rId9"/>
+    <p:sldId id="1170" r:id="rId10"/>
+    <p:sldId id="1178" r:id="rId11"/>
+    <p:sldId id="1171" r:id="rId12"/>
+    <p:sldId id="1172" r:id="rId13"/>
+    <p:sldId id="1154" r:id="rId14"/>
   </p:sldIdLst>
   <p:sldSz cx="12192000" cy="6858000"/>
   <p:notesSz cx="6797675" cy="9928225"/>
@@ -2276,6 +2281,529 @@
 </p:sld>
 </file>
 
+<file path=ppt/slides/slide10.xml><?xml version="1.0" encoding="utf-8"?>
+<p:sld xmlns:a="http://schemas.openxmlformats.org/drawingml/2006/main" xmlns:r="http://schemas.openxmlformats.org/officeDocument/2006/relationships" xmlns:p="http://schemas.openxmlformats.org/presentationml/2006/main">
+  <p:cSld>
+    <p:spTree>
+      <p:nvGrpSpPr>
+        <p:cNvPr id="1" name=""/>
+        <p:cNvGrpSpPr/>
+        <p:nvPr/>
+      </p:nvGrpSpPr>
+      <p:grpSpPr>
+        <a:xfrm>
+          <a:off x="0" y="0"/>
+          <a:ext cx="0" cy="0"/>
+          <a:chOff x="0" y="0"/>
+          <a:chExt cx="0" cy="0"/>
+        </a:xfrm>
+      </p:grpSpPr>
+      <p:sp>
+        <p:nvSpPr>
+          <p:cNvPr id="5122" name="内容占位符 2"/>
+          <p:cNvSpPr>
+            <a:spLocks noGrp="1"/>
+          </p:cNvSpPr>
+          <p:nvPr>
+            <p:ph idx="1"/>
+          </p:nvPr>
+        </p:nvSpPr>
+        <p:spPr>
+          <a:xfrm>
+            <a:off x="896620" y="829945"/>
+            <a:ext cx="10385425" cy="5245100"/>
+          </a:xfrm>
+        </p:spPr>
+        <p:txBody>
+          <a:bodyPr/>
+          <a:lstStyle/>
+          <a:p>
+            <a:pPr>
+              <a:lnSpc>
+                <a:spcPct val="150000"/>
+              </a:lnSpc>
+              <a:spcBef>
+                <a:spcPts val="1000"/>
+              </a:spcBef>
+            </a:pPr>
+            <a:r>
+              <a:rPr lang="zh-CN" altLang="en-US" sz="2800" noProof="1">
+                <a:solidFill>
+                  <a:schemeClr val="tx1"/>
+                </a:solidFill>
+                <a:latin typeface="微软雅黑" panose="020B0503020204020204" pitchFamily="34" charset="-122"/>
+                <a:ea typeface="微软雅黑" panose="020B0503020204020204" pitchFamily="34" charset="-122"/>
+                <a:sym typeface="+mn-ea"/>
+              </a:rPr>
+              <a:t>实现重力加速度</a:t>
+            </a:r>
+            <a:br>
+              <a:rPr lang="zh-CN" altLang="en-US" sz="2800" noProof="1">
+                <a:solidFill>
+                  <a:schemeClr val="tx1"/>
+                </a:solidFill>
+                <a:latin typeface="微软雅黑" panose="020B0503020204020204" pitchFamily="34" charset="-122"/>
+                <a:ea typeface="微软雅黑" panose="020B0503020204020204" pitchFamily="34" charset="-122"/>
+                <a:sym typeface="+mn-ea"/>
+              </a:rPr>
+            </a:br>
+            <a:r>
+              <a:rPr lang="en-US" altLang="zh-CN" sz="2000" noProof="1">
+                <a:solidFill>
+                  <a:schemeClr val="tx1"/>
+                </a:solidFill>
+                <a:latin typeface="微软雅黑" panose="020B0503020204020204" pitchFamily="34" charset="-122"/>
+                <a:ea typeface="微软雅黑" panose="020B0503020204020204" pitchFamily="34" charset="-122"/>
+                <a:sym typeface="+mn-ea"/>
+              </a:rPr>
+              <a:t>F=ma=mg</a:t>
+            </a:r>
+            <a:br>
+              <a:rPr lang="en-US" altLang="zh-CN" sz="2000" noProof="1">
+                <a:solidFill>
+                  <a:schemeClr val="tx1"/>
+                </a:solidFill>
+                <a:latin typeface="微软雅黑" panose="020B0503020204020204" pitchFamily="34" charset="-122"/>
+                <a:ea typeface="微软雅黑" panose="020B0503020204020204" pitchFamily="34" charset="-122"/>
+                <a:sym typeface="+mn-ea"/>
+              </a:rPr>
+            </a:br>
+            <a:r>
+              <a:rPr lang="en-US" altLang="zh-CN" sz="2000" noProof="1">
+                <a:solidFill>
+                  <a:schemeClr val="tx1"/>
+                </a:solidFill>
+                <a:latin typeface="微软雅黑" panose="020B0503020204020204" pitchFamily="34" charset="-122"/>
+                <a:ea typeface="微软雅黑" panose="020B0503020204020204" pitchFamily="34" charset="-122"/>
+                <a:sym typeface="+mn-ea"/>
+              </a:rPr>
+              <a:t>标准重力加速度</a:t>
+            </a:r>
+            <a:r>
+              <a:rPr lang="zh-CN" altLang="en-US" sz="2000" noProof="1">
+                <a:solidFill>
+                  <a:schemeClr val="tx1"/>
+                </a:solidFill>
+                <a:latin typeface="微软雅黑" panose="020B0503020204020204" pitchFamily="34" charset="-122"/>
+                <a:ea typeface="微软雅黑" panose="020B0503020204020204" pitchFamily="34" charset="-122"/>
+                <a:sym typeface="+mn-ea"/>
+              </a:rPr>
+              <a:t>：</a:t>
+            </a:r>
+            <a:r>
+              <a:rPr lang="en-US" altLang="zh-CN" sz="2000" noProof="1">
+                <a:solidFill>
+                  <a:schemeClr val="tx1"/>
+                </a:solidFill>
+                <a:latin typeface="微软雅黑" panose="020B0503020204020204" pitchFamily="34" charset="-122"/>
+                <a:ea typeface="微软雅黑" panose="020B0503020204020204" pitchFamily="34" charset="-122"/>
+                <a:sym typeface="+mn-ea"/>
+              </a:rPr>
+              <a:t>9.80665 m/s^2;</a:t>
+            </a:r>
+            <a:endParaRPr lang="zh-CN" altLang="en-US" sz="2800" noProof="1">
+              <a:solidFill>
+                <a:schemeClr val="tx1"/>
+              </a:solidFill>
+              <a:latin typeface="微软雅黑" panose="020B0503020204020204" pitchFamily="34" charset="-122"/>
+              <a:ea typeface="微软雅黑" panose="020B0503020204020204" pitchFamily="34" charset="-122"/>
+              <a:sym typeface="+mn-ea"/>
+            </a:endParaRPr>
+          </a:p>
+          <a:p>
+            <a:pPr>
+              <a:lnSpc>
+                <a:spcPct val="150000"/>
+              </a:lnSpc>
+              <a:spcBef>
+                <a:spcPts val="1000"/>
+              </a:spcBef>
+            </a:pPr>
+            <a:r>
+              <a:rPr lang="zh-CN" altLang="en-US" sz="2800" noProof="1">
+                <a:solidFill>
+                  <a:schemeClr val="tx1"/>
+                </a:solidFill>
+                <a:latin typeface="微软雅黑" panose="020B0503020204020204" pitchFamily="34" charset="-122"/>
+                <a:ea typeface="微软雅黑" panose="020B0503020204020204" pitchFamily="34" charset="-122"/>
+                <a:sym typeface="+mn-ea"/>
+              </a:rPr>
+              <a:t>物体碰撞的实现</a:t>
+            </a:r>
+            <a:br>
+              <a:rPr lang="zh-CN" altLang="en-US" sz="2800" noProof="1">
+                <a:solidFill>
+                  <a:schemeClr val="tx1"/>
+                </a:solidFill>
+                <a:latin typeface="微软雅黑" panose="020B0503020204020204" pitchFamily="34" charset="-122"/>
+                <a:ea typeface="微软雅黑" panose="020B0503020204020204" pitchFamily="34" charset="-122"/>
+                <a:sym typeface="+mn-ea"/>
+              </a:rPr>
+            </a:br>
+            <a:r>
+              <a:rPr lang="en-US" altLang="zh-CN" sz="2000" noProof="1">
+                <a:solidFill>
+                  <a:schemeClr val="tx1"/>
+                </a:solidFill>
+                <a:latin typeface="微软雅黑" panose="020B0503020204020204" pitchFamily="34" charset="-122"/>
+                <a:ea typeface="微软雅黑" panose="020B0503020204020204" pitchFamily="34" charset="-122"/>
+                <a:sym typeface="+mn-ea"/>
+              </a:rPr>
+              <a:t>- </a:t>
+            </a:r>
+            <a:r>
+              <a:rPr lang="zh-CN" altLang="en-US" sz="2000" noProof="1">
+                <a:solidFill>
+                  <a:schemeClr val="tx1"/>
+                </a:solidFill>
+                <a:latin typeface="微软雅黑" panose="020B0503020204020204" pitchFamily="34" charset="-122"/>
+                <a:ea typeface="微软雅黑" panose="020B0503020204020204" pitchFamily="34" charset="-122"/>
+                <a:sym typeface="+mn-ea"/>
+              </a:rPr>
+              <a:t>平面碰撞（角度、速度）</a:t>
+            </a:r>
+            <a:br>
+              <a:rPr lang="zh-CN" altLang="en-US" sz="2000" noProof="1">
+                <a:solidFill>
+                  <a:schemeClr val="tx1"/>
+                </a:solidFill>
+                <a:latin typeface="微软雅黑" panose="020B0503020204020204" pitchFamily="34" charset="-122"/>
+                <a:ea typeface="微软雅黑" panose="020B0503020204020204" pitchFamily="34" charset="-122"/>
+                <a:sym typeface="+mn-ea"/>
+              </a:rPr>
+            </a:br>
+            <a:r>
+              <a:rPr lang="en-US" altLang="zh-CN" sz="2000" noProof="1">
+                <a:solidFill>
+                  <a:schemeClr val="tx1"/>
+                </a:solidFill>
+                <a:latin typeface="微软雅黑" panose="020B0503020204020204" pitchFamily="34" charset="-122"/>
+                <a:ea typeface="微软雅黑" panose="020B0503020204020204" pitchFamily="34" charset="-122"/>
+                <a:sym typeface="+mn-ea"/>
+              </a:rPr>
+              <a:t>- </a:t>
+            </a:r>
+            <a:r>
+              <a:rPr lang="zh-CN" altLang="en-US" sz="2000" noProof="1">
+                <a:solidFill>
+                  <a:schemeClr val="tx1"/>
+                </a:solidFill>
+                <a:latin typeface="微软雅黑" panose="020B0503020204020204" pitchFamily="34" charset="-122"/>
+                <a:ea typeface="微软雅黑" panose="020B0503020204020204" pitchFamily="34" charset="-122"/>
+                <a:sym typeface="+mn-ea"/>
+              </a:rPr>
+              <a:t>物理引擎（</a:t>
+            </a:r>
+            <a:r>
+              <a:rPr lang="en-US" altLang="zh-CN" sz="2000" noProof="1">
+                <a:solidFill>
+                  <a:schemeClr val="tx1"/>
+                </a:solidFill>
+                <a:latin typeface="微软雅黑" panose="020B0503020204020204" pitchFamily="34" charset="-122"/>
+                <a:ea typeface="微软雅黑" panose="020B0503020204020204" pitchFamily="34" charset="-122"/>
+                <a:sym typeface="+mn-ea"/>
+              </a:rPr>
+              <a:t>box2d</a:t>
+            </a:r>
+            <a:r>
+              <a:rPr lang="zh-CN" altLang="en-US" sz="2000" noProof="1">
+                <a:solidFill>
+                  <a:schemeClr val="tx1"/>
+                </a:solidFill>
+                <a:latin typeface="微软雅黑" panose="020B0503020204020204" pitchFamily="34" charset="-122"/>
+                <a:ea typeface="微软雅黑" panose="020B0503020204020204" pitchFamily="34" charset="-122"/>
+                <a:sym typeface="+mn-ea"/>
+              </a:rPr>
+              <a:t>）</a:t>
+            </a:r>
+            <a:br>
+              <a:rPr lang="zh-CN" altLang="en-US" sz="2800" noProof="1">
+                <a:solidFill>
+                  <a:schemeClr val="tx1"/>
+                </a:solidFill>
+                <a:latin typeface="微软雅黑" panose="020B0503020204020204" pitchFamily="34" charset="-122"/>
+                <a:ea typeface="微软雅黑" panose="020B0503020204020204" pitchFamily="34" charset="-122"/>
+                <a:sym typeface="+mn-ea"/>
+              </a:rPr>
+            </a:br>
+            <a:endParaRPr lang="en-US" altLang="zh-CN" sz="2400" noProof="1">
+              <a:solidFill>
+                <a:schemeClr val="tx1"/>
+              </a:solidFill>
+              <a:latin typeface="微软雅黑" panose="020B0503020204020204" pitchFamily="34" charset="-122"/>
+              <a:ea typeface="微软雅黑" panose="020B0503020204020204" pitchFamily="34" charset="-122"/>
+              <a:sym typeface="+mn-ea"/>
+            </a:endParaRPr>
+          </a:p>
+          <a:p>
+            <a:pPr>
+              <a:lnSpc>
+                <a:spcPct val="150000"/>
+              </a:lnSpc>
+              <a:spcBef>
+                <a:spcPts val="1000"/>
+              </a:spcBef>
+            </a:pPr>
+            <a:endParaRPr lang="en-US" altLang="zh-CN" sz="2800">
+              <a:solidFill>
+                <a:schemeClr val="tx1"/>
+              </a:solidFill>
+              <a:sym typeface="+mn-ea"/>
+            </a:endParaRPr>
+          </a:p>
+          <a:p>
+            <a:pPr>
+              <a:lnSpc>
+                <a:spcPct val="150000"/>
+              </a:lnSpc>
+              <a:spcBef>
+                <a:spcPts val="1000"/>
+              </a:spcBef>
+            </a:pPr>
+            <a:endParaRPr lang="en-US" altLang="zh-CN" sz="2800" noProof="1">
+              <a:solidFill>
+                <a:schemeClr val="tx1"/>
+              </a:solidFill>
+              <a:latin typeface="微软雅黑" panose="020B0503020204020204" pitchFamily="34" charset="-122"/>
+              <a:ea typeface="微软雅黑" panose="020B0503020204020204" pitchFamily="34" charset="-122"/>
+            </a:endParaRPr>
+          </a:p>
+          <a:p>
+            <a:pPr>
+              <a:lnSpc>
+                <a:spcPct val="150000"/>
+              </a:lnSpc>
+              <a:spcBef>
+                <a:spcPts val="1000"/>
+              </a:spcBef>
+            </a:pPr>
+            <a:endParaRPr lang="en-US" altLang="zh-CN" sz="2800" noProof="1">
+              <a:solidFill>
+                <a:schemeClr val="tx1"/>
+              </a:solidFill>
+              <a:latin typeface="微软雅黑" panose="020B0503020204020204" pitchFamily="34" charset="-122"/>
+              <a:ea typeface="微软雅黑" panose="020B0503020204020204" pitchFamily="34" charset="-122"/>
+            </a:endParaRPr>
+          </a:p>
+          <a:p>
+            <a:pPr marL="0" indent="0">
+              <a:buFont typeface="Wingdings 2" panose="05020102010507070707" pitchFamily="18" charset="2"/>
+              <a:buNone/>
+            </a:pPr>
+            <a:endParaRPr lang="en-US" altLang="zh-CN" noProof="1">
+              <a:solidFill>
+                <a:schemeClr val="tx1"/>
+              </a:solidFill>
+              <a:latin typeface="微软雅黑" panose="020B0503020204020204" pitchFamily="34" charset="-122"/>
+              <a:ea typeface="微软雅黑" panose="020B0503020204020204" pitchFamily="34" charset="-122"/>
+            </a:endParaRPr>
+          </a:p>
+        </p:txBody>
+      </p:sp>
+      <p:sp>
+        <p:nvSpPr>
+          <p:cNvPr id="2" name="内容占位符 1"/>
+          <p:cNvSpPr>
+            <a:spLocks noGrp="1"/>
+          </p:cNvSpPr>
+          <p:nvPr>
+            <p:ph sz="quarter" idx="11"/>
+          </p:nvPr>
+        </p:nvSpPr>
+        <p:spPr>
+          <a:xfrm>
+            <a:off x="947420" y="236855"/>
+            <a:ext cx="8415655" cy="490220"/>
+          </a:xfrm>
+        </p:spPr>
+        <p:txBody>
+          <a:bodyPr/>
+          <a:p>
+            <a:r>
+              <a:rPr kumimoji="0" lang="zh-CN" altLang="en-US" dirty="0"/>
+              <a:t>重力与碰撞</a:t>
+            </a:r>
+            <a:endParaRPr kumimoji="0" lang="zh-CN" altLang="en-US" dirty="0"/>
+          </a:p>
+        </p:txBody>
+      </p:sp>
+      <p:sp>
+        <p:nvSpPr>
+          <p:cNvPr id="16" name="文本框 15"/>
+          <p:cNvSpPr txBox="1"/>
+          <p:nvPr/>
+        </p:nvSpPr>
+        <p:spPr>
+          <a:xfrm>
+            <a:off x="6143625" y="6075045"/>
+            <a:ext cx="5433060" cy="429895"/>
+          </a:xfrm>
+          <a:prstGeom prst="rect">
+            <a:avLst/>
+          </a:prstGeom>
+          <a:noFill/>
+        </p:spPr>
+        <p:txBody>
+          <a:bodyPr wrap="square" rtlCol="0">
+            <a:spAutoFit/>
+          </a:bodyPr>
+          <a:p>
+            <a:pPr algn="l"/>
+            <a:r>
+              <a:rPr lang="zh-CN" sz="2200">
+                <a:solidFill>
+                  <a:srgbClr val="FF0000"/>
+                </a:solidFill>
+                <a:latin typeface="+mn-ea"/>
+                <a:ea typeface="+mn-ea"/>
+                <a:sym typeface="+mn-ea"/>
+              </a:rPr>
+              <a:t>参见实例：</a:t>
+            </a:r>
+            <a:endParaRPr lang="zh-CN" sz="2200">
+              <a:solidFill>
+                <a:srgbClr val="FF0000"/>
+              </a:solidFill>
+              <a:latin typeface="+mn-ea"/>
+              <a:ea typeface="+mn-ea"/>
+            </a:endParaRPr>
+          </a:p>
+        </p:txBody>
+      </p:sp>
+    </p:spTree>
+  </p:cSld>
+  <p:clrMapOvr>
+    <a:masterClrMapping/>
+  </p:clrMapOvr>
+</p:sld>
+</file>
+
+<file path=ppt/slides/slide11.xml><?xml version="1.0" encoding="utf-8"?>
+<p:sld xmlns:a="http://schemas.openxmlformats.org/drawingml/2006/main" xmlns:r="http://schemas.openxmlformats.org/officeDocument/2006/relationships" xmlns:p="http://schemas.openxmlformats.org/presentationml/2006/main">
+  <p:cSld>
+    <p:spTree>
+      <p:nvGrpSpPr>
+        <p:cNvPr id="1" name=""/>
+        <p:cNvGrpSpPr/>
+        <p:nvPr/>
+      </p:nvGrpSpPr>
+      <p:grpSpPr/>
+      <p:pic>
+        <p:nvPicPr>
+          <p:cNvPr id="73729" name="Picture 5"/>
+          <p:cNvPicPr>
+            <a:picLocks noChangeAspect="1"/>
+          </p:cNvPicPr>
+          <p:nvPr/>
+        </p:nvPicPr>
+        <p:blipFill>
+          <a:blip r:embed="rId1"/>
+          <a:stretch>
+            <a:fillRect/>
+          </a:stretch>
+        </p:blipFill>
+        <p:spPr>
+          <a:xfrm>
+            <a:off x="-8890" y="0"/>
+            <a:ext cx="12195175" cy="6858000"/>
+          </a:xfrm>
+          <a:prstGeom prst="rect">
+            <a:avLst/>
+          </a:prstGeom>
+          <a:noFill/>
+          <a:ln w="9525">
+            <a:noFill/>
+          </a:ln>
+        </p:spPr>
+      </p:pic>
+      <p:sp>
+        <p:nvSpPr>
+          <p:cNvPr id="73730" name="Rectangle 6"/>
+          <p:cNvSpPr>
+            <a:spLocks noGrp="1"/>
+          </p:cNvSpPr>
+          <p:nvPr>
+            <p:ph type="ctrTitle"/>
+          </p:nvPr>
+        </p:nvSpPr>
+        <p:spPr>
+          <a:xfrm>
+            <a:off x="2095500" y="3143250"/>
+            <a:ext cx="7362825" cy="1285875"/>
+          </a:xfrm>
+          <a:prstGeom prst="rect">
+            <a:avLst/>
+          </a:prstGeom>
+          <a:noFill/>
+          <a:ln w="9525">
+            <a:noFill/>
+          </a:ln>
+        </p:spPr>
+        <p:txBody>
+          <a:bodyPr anchor="b"/>
+          <a:lstStyle>
+            <a:lvl1pPr lvl="0">
+              <a:defRPr/>
+            </a:lvl1pPr>
+          </a:lstStyle>
+          <a:p>
+            <a:pPr lvl="0" algn="ctr" eaLnBrk="1" hangingPunct="1"/>
+            <a:r>
+              <a:rPr lang="en-US" altLang="zh-CN" sz="5400" dirty="0"/>
+              <a:t>Thank </a:t>
+            </a:r>
+            <a:r>
+              <a:rPr lang="en-US" altLang="zh-CN" sz="5400" dirty="0">
+                <a:solidFill>
+                  <a:srgbClr val="FF0000"/>
+                </a:solidFill>
+              </a:rPr>
+              <a:t>You</a:t>
+            </a:r>
+            <a:r>
+              <a:rPr lang="zh-CN" altLang="en-US" sz="5400" dirty="0"/>
+              <a:t>！</a:t>
+            </a:r>
+            <a:endParaRPr lang="zh-CN" altLang="zh-CN" sz="5400" dirty="0"/>
+          </a:p>
+        </p:txBody>
+      </p:sp>
+      <p:pic>
+        <p:nvPicPr>
+          <p:cNvPr id="73731" name="图片 3" descr="软院logo横版.png"/>
+          <p:cNvPicPr>
+            <a:picLocks noChangeAspect="1"/>
+          </p:cNvPicPr>
+          <p:nvPr/>
+        </p:nvPicPr>
+        <p:blipFill>
+          <a:blip r:embed="rId2"/>
+          <a:stretch>
+            <a:fillRect/>
+          </a:stretch>
+        </p:blipFill>
+        <p:spPr>
+          <a:xfrm>
+            <a:off x="2062163" y="5927725"/>
+            <a:ext cx="3381375" cy="527050"/>
+          </a:xfrm>
+          <a:prstGeom prst="rect">
+            <a:avLst/>
+          </a:prstGeom>
+          <a:noFill/>
+          <a:ln w="9525">
+            <a:noFill/>
+          </a:ln>
+        </p:spPr>
+      </p:pic>
+    </p:spTree>
+  </p:cSld>
+  <p:clrMapOvr>
+    <a:masterClrMapping/>
+  </p:clrMapOvr>
+</p:sld>
+</file>
+
 <file path=ppt/slides/slide2.xml><?xml version="1.0" encoding="utf-8"?>
 <p:sld xmlns:a="http://schemas.openxmlformats.org/drawingml/2006/main" xmlns:r="http://schemas.openxmlformats.org/officeDocument/2006/relationships" xmlns:p="http://schemas.openxmlformats.org/presentationml/2006/main">
   <p:cSld>
@@ -2665,7 +3193,7 @@
             <a:r>
               <a:rPr lang="zh-CN" altLang="en-US" sz="2800" b="1">
                 <a:solidFill>
-                  <a:schemeClr val="accent3"/>
+                  <a:srgbClr val="FF0000"/>
                 </a:solidFill>
               </a:rPr>
               <a:t>循环</a:t>
@@ -2673,7 +3201,7 @@
             <a:r>
               <a:rPr lang="zh-CN" altLang="en-US" sz="2800" b="1">
                 <a:solidFill>
-                  <a:schemeClr val="accent3"/>
+                  <a:srgbClr val="FF0000"/>
                 </a:solidFill>
                 <a:sym typeface="+mn-ea"/>
               </a:rPr>
@@ -2681,8 +3209,9 @@
             </a:r>
             <a:endParaRPr lang="zh-CN" altLang="en-US" sz="2800" b="1">
               <a:solidFill>
-                <a:schemeClr val="accent3"/>
+                <a:srgbClr val="FF0000"/>
               </a:solidFill>
+              <a:sym typeface="+mn-ea"/>
             </a:endParaRPr>
           </a:p>
           <a:p>
@@ -2704,16 +3233,15 @@
             </a:pPr>
             <a:r>
               <a:rPr lang="zh-CN" altLang="en-US" sz="2800" b="1">
-                <a:solidFill>
-                  <a:schemeClr val="tx1"/>
-                </a:solidFill>
-              </a:rPr>
-              <a:t>基于帧速与时间的运动</a:t>
+                <a:sym typeface="+mn-ea"/>
+              </a:rPr>
+              <a:t>帧动画</a:t>
             </a:r>
             <a:endParaRPr lang="zh-CN" altLang="en-US" sz="2800" b="1">
               <a:solidFill>
-                <a:schemeClr val="tx1"/>
+                <a:schemeClr val="accent3"/>
               </a:solidFill>
+              <a:sym typeface="+mn-ea"/>
             </a:endParaRPr>
           </a:p>
           <a:p>
@@ -2734,10 +3262,20 @@
               <a:buChar char="Ø"/>
             </a:pPr>
             <a:r>
-              <a:rPr lang="zh-CN" altLang="en-US" sz="2800" b="1"/>
+              <a:rPr lang="zh-CN" altLang="en-US" sz="2800" b="1">
+                <a:solidFill>
+                  <a:schemeClr val="tx1"/>
+                </a:solidFill>
+                <a:sym typeface="+mn-ea"/>
+              </a:rPr>
               <a:t>重力与碰撞</a:t>
             </a:r>
-            <a:endParaRPr lang="zh-CN" altLang="en-US" sz="2800" b="1"/>
+            <a:endParaRPr lang="zh-CN" altLang="en-US" sz="2800" b="1">
+              <a:solidFill>
+                <a:schemeClr val="tx1"/>
+              </a:solidFill>
+              <a:sym typeface="+mn-ea"/>
+            </a:endParaRPr>
           </a:p>
         </p:txBody>
       </p:sp>
@@ -2810,7 +3348,7 @@
                 <a:ea typeface="微软雅黑" panose="020B0503020204020204" pitchFamily="34" charset="-122"/>
                 <a:sym typeface="+mn-ea"/>
               </a:rPr>
-              <a:t>循环动画基本形式</a:t>
+              <a:t>循环动画方法</a:t>
             </a:r>
             <a:br>
               <a:rPr lang="zh-CN" altLang="en-US" sz="2800" noProof="1">
@@ -2823,29 +3361,29 @@
               </a:rPr>
             </a:br>
             <a:r>
-              <a:rPr lang="en-US" altLang="zh-CN" sz="2400" noProof="1">
-                <a:solidFill>
-                  <a:schemeClr val="tx1"/>
-                </a:solidFill>
-                <a:latin typeface="微软雅黑" panose="020B0503020204020204" pitchFamily="34" charset="-122"/>
-                <a:ea typeface="微软雅黑" panose="020B0503020204020204" pitchFamily="34" charset="-122"/>
-                <a:sym typeface="+mn-ea"/>
-              </a:rPr>
-              <a:t>//	</a:t>
-            </a:r>
-            <a:r>
-              <a:rPr lang="zh-CN" altLang="en-US" sz="2400" noProof="1">
-                <a:solidFill>
-                  <a:schemeClr val="tx1"/>
-                </a:solidFill>
-                <a:latin typeface="微软雅黑" panose="020B0503020204020204" pitchFamily="34" charset="-122"/>
-                <a:ea typeface="微软雅黑" panose="020B0503020204020204" pitchFamily="34" charset="-122"/>
-                <a:sym typeface="+mn-ea"/>
-              </a:rPr>
-              <a:t>启动动画循环</a:t>
+              <a:rPr lang="en-US" altLang="zh-CN" sz="2000" noProof="1">
+                <a:solidFill>
+                  <a:schemeClr val="tx1"/>
+                </a:solidFill>
+                <a:latin typeface="微软雅黑" panose="020B0503020204020204" pitchFamily="34" charset="-122"/>
+                <a:ea typeface="微软雅黑" panose="020B0503020204020204" pitchFamily="34" charset="-122"/>
+                <a:sym typeface="+mn-ea"/>
+              </a:rPr>
+              <a:t>- window.setTimeOut()   //	</a:t>
+            </a:r>
+            <a:r>
+              <a:rPr lang="zh-CN" altLang="en-US" sz="2000" noProof="1">
+                <a:solidFill>
+                  <a:schemeClr val="tx1"/>
+                </a:solidFill>
+                <a:latin typeface="微软雅黑" panose="020B0503020204020204" pitchFamily="34" charset="-122"/>
+                <a:ea typeface="微软雅黑" panose="020B0503020204020204" pitchFamily="34" charset="-122"/>
+                <a:sym typeface="+mn-ea"/>
+              </a:rPr>
+              <a:t>缺点：不准确，不适合用于动画</a:t>
             </a:r>
             <a:br>
-              <a:rPr lang="zh-CN" altLang="en-US" sz="2800" noProof="1">
+              <a:rPr lang="en-US" altLang="zh-CN" sz="2000" noProof="1">
                 <a:solidFill>
                   <a:schemeClr val="tx1"/>
                 </a:solidFill>
@@ -2855,18 +3393,29 @@
               </a:rPr>
             </a:br>
             <a:r>
-              <a:rPr sz="2400" noProof="1">
-                <a:solidFill>
-                  <a:schemeClr val="tx1"/>
-                </a:solidFill>
-                <a:latin typeface="微软雅黑" panose="020B0503020204020204" pitchFamily="34" charset="-122"/>
-                <a:ea typeface="微软雅黑" panose="020B0503020204020204" pitchFamily="34" charset="-122"/>
-                <a:sym typeface="+mn-ea"/>
-              </a:rPr>
-              <a:t>var anim = function(){</a:t>
+              <a:rPr lang="en-US" altLang="zh-CN" sz="2000" noProof="1">
+                <a:solidFill>
+                  <a:schemeClr val="tx1"/>
+                </a:solidFill>
+                <a:latin typeface="微软雅黑" panose="020B0503020204020204" pitchFamily="34" charset="-122"/>
+                <a:ea typeface="微软雅黑" panose="020B0503020204020204" pitchFamily="34" charset="-122"/>
+                <a:sym typeface="+mn-ea"/>
+              </a:rPr>
+              <a:t>- window.setInterval()    //</a:t>
+            </a:r>
+            <a:r>
+              <a:rPr lang="zh-CN" altLang="en-US" sz="2000" noProof="1">
+                <a:solidFill>
+                  <a:schemeClr val="tx1"/>
+                </a:solidFill>
+                <a:latin typeface="微软雅黑" panose="020B0503020204020204" pitchFamily="34" charset="-122"/>
+                <a:ea typeface="微软雅黑" panose="020B0503020204020204" pitchFamily="34" charset="-122"/>
+                <a:sym typeface="+mn-ea"/>
+              </a:rPr>
+              <a:t>同上</a:t>
             </a:r>
             <a:br>
-              <a:rPr sz="2400" noProof="1">
+              <a:rPr lang="en-US" altLang="zh-CN" sz="2000" noProof="1">
                 <a:solidFill>
                   <a:schemeClr val="tx1"/>
                 </a:solidFill>
@@ -2876,166 +3425,28 @@
               </a:rPr>
             </a:br>
             <a:r>
-              <a:rPr lang="en-US" sz="2400" noProof="1">
-                <a:solidFill>
-                  <a:schemeClr val="tx1"/>
-                </a:solidFill>
-                <a:latin typeface="微软雅黑" panose="020B0503020204020204" pitchFamily="34" charset="-122"/>
-                <a:ea typeface="微软雅黑" panose="020B0503020204020204" pitchFamily="34" charset="-122"/>
-                <a:sym typeface="+mn-ea"/>
-              </a:rPr>
-              <a:t>	    </a:t>
-            </a:r>
-            <a:r>
-              <a:rPr sz="2400" noProof="1">
-                <a:solidFill>
-                  <a:schemeClr val="tx1"/>
-                </a:solidFill>
-                <a:latin typeface="微软雅黑" panose="020B0503020204020204" pitchFamily="34" charset="-122"/>
-                <a:ea typeface="微软雅黑" panose="020B0503020204020204" pitchFamily="34" charset="-122"/>
-                <a:sym typeface="+mn-ea"/>
-              </a:rPr>
-              <a:t>console.log("xx");</a:t>
-            </a:r>
-            <a:br>
-              <a:rPr sz="2400" noProof="1">
-                <a:solidFill>
-                  <a:schemeClr val="tx1"/>
-                </a:solidFill>
-                <a:latin typeface="微软雅黑" panose="020B0503020204020204" pitchFamily="34" charset="-122"/>
-                <a:ea typeface="微软雅黑" panose="020B0503020204020204" pitchFamily="34" charset="-122"/>
-                <a:sym typeface="+mn-ea"/>
-              </a:rPr>
-            </a:br>
-            <a:r>
-              <a:rPr sz="2400" noProof="1">
-                <a:solidFill>
-                  <a:schemeClr val="tx1"/>
-                </a:solidFill>
-                <a:latin typeface="微软雅黑" panose="020B0503020204020204" pitchFamily="34" charset="-122"/>
-                <a:ea typeface="微软雅黑" panose="020B0503020204020204" pitchFamily="34" charset="-122"/>
-                <a:sym typeface="+mn-ea"/>
-              </a:rPr>
-              <a:t>    animHandle=requestAnimationFrame(anim);</a:t>
-            </a:r>
-            <a:br>
-              <a:rPr sz="2400" noProof="1">
-                <a:solidFill>
-                  <a:schemeClr val="tx1"/>
-                </a:solidFill>
-                <a:latin typeface="微软雅黑" panose="020B0503020204020204" pitchFamily="34" charset="-122"/>
-                <a:ea typeface="微软雅黑" panose="020B0503020204020204" pitchFamily="34" charset="-122"/>
-                <a:sym typeface="+mn-ea"/>
-              </a:rPr>
-            </a:br>
-            <a:r>
-              <a:rPr sz="2400" noProof="1">
-                <a:solidFill>
-                  <a:schemeClr val="tx1"/>
-                </a:solidFill>
-                <a:latin typeface="微软雅黑" panose="020B0503020204020204" pitchFamily="34" charset="-122"/>
-                <a:ea typeface="微软雅黑" panose="020B0503020204020204" pitchFamily="34" charset="-122"/>
-                <a:sym typeface="+mn-ea"/>
-              </a:rPr>
-              <a:t>};</a:t>
-            </a:r>
-            <a:br>
-              <a:rPr sz="2400" noProof="1">
-                <a:solidFill>
-                  <a:schemeClr val="tx1"/>
-                </a:solidFill>
-                <a:latin typeface="微软雅黑" panose="020B0503020204020204" pitchFamily="34" charset="-122"/>
-                <a:ea typeface="微软雅黑" panose="020B0503020204020204" pitchFamily="34" charset="-122"/>
-                <a:sym typeface="+mn-ea"/>
-              </a:rPr>
-            </a:br>
-            <a:r>
-              <a:rPr sz="2400" noProof="1">
-                <a:solidFill>
-                  <a:schemeClr val="tx1"/>
-                </a:solidFill>
-                <a:latin typeface="微软雅黑" panose="020B0503020204020204" pitchFamily="34" charset="-122"/>
-                <a:ea typeface="微软雅黑" panose="020B0503020204020204" pitchFamily="34" charset="-122"/>
-                <a:sym typeface="+mn-ea"/>
-              </a:rPr>
-              <a:t>var animHandle = requestAnimationFrame(anim);</a:t>
-            </a:r>
-            <a:br>
-              <a:rPr sz="2400" noProof="1">
-                <a:solidFill>
-                  <a:schemeClr val="tx1"/>
-                </a:solidFill>
-                <a:latin typeface="微软雅黑" panose="020B0503020204020204" pitchFamily="34" charset="-122"/>
-                <a:ea typeface="微软雅黑" panose="020B0503020204020204" pitchFamily="34" charset="-122"/>
-                <a:sym typeface="+mn-ea"/>
-              </a:rPr>
-            </a:br>
-            <a:r>
-              <a:rPr lang="en-US" altLang="zh-CN" sz="2400" noProof="1">
-                <a:solidFill>
-                  <a:schemeClr val="tx1"/>
-                </a:solidFill>
-                <a:latin typeface="微软雅黑" panose="020B0503020204020204" pitchFamily="34" charset="-122"/>
-                <a:ea typeface="微软雅黑" panose="020B0503020204020204" pitchFamily="34" charset="-122"/>
-                <a:sym typeface="+mn-ea"/>
-              </a:rPr>
-              <a:t>// </a:t>
-            </a:r>
-            <a:r>
-              <a:rPr lang="zh-CN" altLang="en-US" sz="2400" noProof="1">
-                <a:solidFill>
-                  <a:schemeClr val="tx1"/>
-                </a:solidFill>
-                <a:latin typeface="微软雅黑" panose="020B0503020204020204" pitchFamily="34" charset="-122"/>
-                <a:ea typeface="微软雅黑" panose="020B0503020204020204" pitchFamily="34" charset="-122"/>
-                <a:sym typeface="+mn-ea"/>
-              </a:rPr>
-              <a:t>停止动画循环</a:t>
-            </a:r>
-            <a:br>
-              <a:rPr lang="zh-CN" altLang="en-US" sz="2400" noProof="1">
-                <a:solidFill>
-                  <a:schemeClr val="tx1"/>
-                </a:solidFill>
-                <a:latin typeface="微软雅黑" panose="020B0503020204020204" pitchFamily="34" charset="-122"/>
-                <a:ea typeface="微软雅黑" panose="020B0503020204020204" pitchFamily="34" charset="-122"/>
-                <a:sym typeface="+mn-ea"/>
-              </a:rPr>
-            </a:br>
-            <a:r>
-              <a:rPr lang="zh-CN" altLang="en-US" sz="2400" noProof="1">
-                <a:solidFill>
-                  <a:schemeClr val="tx1"/>
-                </a:solidFill>
-                <a:latin typeface="微软雅黑" panose="020B0503020204020204" pitchFamily="34" charset="-122"/>
-                <a:ea typeface="微软雅黑" panose="020B0503020204020204" pitchFamily="34" charset="-122"/>
-                <a:sym typeface="+mn-ea"/>
-              </a:rPr>
-              <a:t>/</a:t>
-            </a:r>
-            <a:r>
-              <a:rPr lang="en-US" altLang="zh-CN" sz="2400" noProof="1">
-                <a:solidFill>
-                  <a:schemeClr val="tx1"/>
-                </a:solidFill>
-                <a:latin typeface="微软雅黑" panose="020B0503020204020204" pitchFamily="34" charset="-122"/>
-                <a:ea typeface="微软雅黑" panose="020B0503020204020204" pitchFamily="34" charset="-122"/>
-                <a:sym typeface="+mn-ea"/>
-              </a:rPr>
-              <a:t>/ </a:t>
-            </a:r>
-            <a:r>
-              <a:rPr lang="en-US" altLang="zh-CN" sz="2400" noProof="1">
-                <a:solidFill>
-                  <a:schemeClr val="tx1"/>
-                </a:solidFill>
-                <a:latin typeface="微软雅黑" panose="020B0503020204020204" pitchFamily="34" charset="-122"/>
-                <a:ea typeface="微软雅黑" panose="020B0503020204020204" pitchFamily="34" charset="-122"/>
-                <a:sym typeface="+mn-ea"/>
-              </a:rPr>
-              <a:t>cancelAnimationFrame(animHandle);</a:t>
-            </a:r>
-            <a:endParaRPr lang="en-US" altLang="zh-CN" sz="2400" noProof="1">
+              <a:rPr lang="en-US" altLang="zh-CN" sz="2000" noProof="1">
+                <a:solidFill>
+                  <a:schemeClr val="tx1"/>
+                </a:solidFill>
+                <a:latin typeface="微软雅黑" panose="020B0503020204020204" pitchFamily="34" charset="-122"/>
+                <a:ea typeface="微软雅黑" panose="020B0503020204020204" pitchFamily="34" charset="-122"/>
+                <a:sym typeface="+mn-ea"/>
+              </a:rPr>
+              <a:t>- window.requestAnimationFrame() //</a:t>
+            </a:r>
+            <a:r>
+              <a:rPr lang="zh-CN" altLang="en-US" sz="2000" noProof="1">
+                <a:solidFill>
+                  <a:schemeClr val="tx1"/>
+                </a:solidFill>
+                <a:latin typeface="微软雅黑" panose="020B0503020204020204" pitchFamily="34" charset="-122"/>
+                <a:ea typeface="微软雅黑" panose="020B0503020204020204" pitchFamily="34" charset="-122"/>
+                <a:sym typeface="+mn-ea"/>
+              </a:rPr>
+              <a:t>适合动画实现</a:t>
+            </a:r>
+            <a:endParaRPr lang="zh-CN" altLang="en-US" sz="2000" noProof="1">
               <a:solidFill>
                 <a:schemeClr val="tx1"/>
               </a:solidFill>
@@ -3053,22 +3464,83 @@
                 <a:spcPts val="1000"/>
               </a:spcBef>
             </a:pPr>
-            <a:endParaRPr lang="en-US" altLang="zh-CN" sz="2800">
-              <a:solidFill>
-                <a:schemeClr val="tx1"/>
-              </a:solidFill>
-              <a:sym typeface="+mn-ea"/>
-            </a:endParaRPr>
-          </a:p>
-          <a:p>
-            <a:pPr>
-              <a:lnSpc>
-                <a:spcPct val="150000"/>
-              </a:lnSpc>
-              <a:spcBef>
-                <a:spcPts val="1000"/>
-              </a:spcBef>
-            </a:pPr>
+            <a:r>
+              <a:rPr lang="zh-CN" altLang="en-US" sz="2800">
+                <a:solidFill>
+                  <a:schemeClr val="tx1"/>
+                </a:solidFill>
+                <a:sym typeface="+mn-ea"/>
+              </a:rPr>
+              <a:t>requestAnimationFrame兼容性问题</a:t>
+            </a:r>
+            <a:br>
+              <a:rPr lang="zh-CN" altLang="en-US" sz="2800">
+                <a:solidFill>
+                  <a:schemeClr val="tx1"/>
+                </a:solidFill>
+                <a:sym typeface="+mn-ea"/>
+              </a:rPr>
+            </a:br>
+            <a:r>
+              <a:rPr lang="en-US" altLang="zh-CN" sz="2000">
+                <a:solidFill>
+                  <a:schemeClr val="tx1"/>
+                </a:solidFill>
+                <a:sym typeface="+mn-ea"/>
+              </a:rPr>
+              <a:t>- webkitRequestAnimationFrame</a:t>
+            </a:r>
+            <a:br>
+              <a:rPr lang="en-US" altLang="zh-CN" sz="2000">
+                <a:solidFill>
+                  <a:schemeClr val="tx1"/>
+                </a:solidFill>
+                <a:sym typeface="+mn-ea"/>
+              </a:rPr>
+            </a:br>
+            <a:r>
+              <a:rPr lang="en-US" altLang="zh-CN" sz="2000">
+                <a:solidFill>
+                  <a:schemeClr val="tx1"/>
+                </a:solidFill>
+                <a:sym typeface="+mn-ea"/>
+              </a:rPr>
+              <a:t>- mozRequestAnimationFrame</a:t>
+            </a:r>
+            <a:br>
+              <a:rPr lang="en-US" altLang="zh-CN" sz="2000">
+                <a:solidFill>
+                  <a:schemeClr val="tx1"/>
+                </a:solidFill>
+                <a:sym typeface="+mn-ea"/>
+              </a:rPr>
+            </a:br>
+            <a:r>
+              <a:rPr lang="en-US" altLang="zh-CN" sz="2000">
+                <a:solidFill>
+                  <a:schemeClr val="tx1"/>
+                </a:solidFill>
+                <a:sym typeface="+mn-ea"/>
+              </a:rPr>
+              <a:t>- oRequestAnimationFrame</a:t>
+            </a:r>
+            <a:br>
+              <a:rPr lang="en-US" altLang="zh-CN" sz="2000">
+                <a:solidFill>
+                  <a:schemeClr val="tx1"/>
+                </a:solidFill>
+                <a:sym typeface="+mn-ea"/>
+              </a:rPr>
+            </a:br>
+            <a:r>
+              <a:rPr lang="en-US" altLang="zh-CN" sz="2000">
+                <a:solidFill>
+                  <a:schemeClr val="tx1"/>
+                </a:solidFill>
+                <a:sym typeface="+mn-ea"/>
+              </a:rPr>
+              <a:t>- msRequestAnimationFrame</a:t>
+            </a:r>
             <a:endParaRPr lang="en-US" altLang="zh-CN" sz="2800" noProof="1">
               <a:solidFill>
                 <a:schemeClr val="tx1"/>
@@ -3133,49 +3605,6 @@
               <a:t>循环动画</a:t>
             </a:r>
             <a:endParaRPr kumimoji="0" lang="zh-CN" altLang="en-US" dirty="0"/>
-          </a:p>
-        </p:txBody>
-      </p:sp>
-      <p:sp>
-        <p:nvSpPr>
-          <p:cNvPr id="16" name="文本框 15"/>
-          <p:cNvSpPr txBox="1"/>
-          <p:nvPr/>
-        </p:nvSpPr>
-        <p:spPr>
-          <a:xfrm>
-            <a:off x="6143625" y="6075045"/>
-            <a:ext cx="5433060" cy="429895"/>
-          </a:xfrm>
-          <a:prstGeom prst="rect">
-            <a:avLst/>
-          </a:prstGeom>
-          <a:noFill/>
-        </p:spPr>
-        <p:txBody>
-          <a:bodyPr wrap="square" rtlCol="0">
-            <a:spAutoFit/>
-          </a:bodyPr>
-          <a:p>
-            <a:pPr algn="l"/>
-            <a:r>
-              <a:rPr lang="zh-CN" sz="2200">
-                <a:solidFill>
-                  <a:srgbClr val="FF0000"/>
-                </a:solidFill>
-                <a:latin typeface="+mn-ea"/>
-                <a:ea typeface="+mn-ea"/>
-                <a:sym typeface="+mn-ea"/>
-              </a:rPr>
-              <a:t>参见实例：</a:t>
-            </a:r>
-            <a:endParaRPr lang="zh-CN" sz="2200">
-              <a:solidFill>
-                <a:srgbClr val="FF0000"/>
-              </a:solidFill>
-              <a:latin typeface="+mn-ea"/>
-              <a:ea typeface="+mn-ea"/>
-            </a:endParaRPr>
           </a:p>
         </p:txBody>
       </p:sp>
@@ -3362,49 +3791,6 @@
               <a:t>循环动画</a:t>
             </a:r>
             <a:endParaRPr kumimoji="0" lang="zh-CN" altLang="en-US" dirty="0"/>
-          </a:p>
-        </p:txBody>
-      </p:sp>
-      <p:sp>
-        <p:nvSpPr>
-          <p:cNvPr id="16" name="文本框 15"/>
-          <p:cNvSpPr txBox="1"/>
-          <p:nvPr/>
-        </p:nvSpPr>
-        <p:spPr>
-          <a:xfrm>
-            <a:off x="6143625" y="6075045"/>
-            <a:ext cx="5433060" cy="429895"/>
-          </a:xfrm>
-          <a:prstGeom prst="rect">
-            <a:avLst/>
-          </a:prstGeom>
-          <a:noFill/>
-        </p:spPr>
-        <p:txBody>
-          <a:bodyPr wrap="square" rtlCol="0">
-            <a:spAutoFit/>
-          </a:bodyPr>
-          <a:p>
-            <a:pPr algn="l"/>
-            <a:r>
-              <a:rPr lang="zh-CN" sz="2200">
-                <a:solidFill>
-                  <a:srgbClr val="FF0000"/>
-                </a:solidFill>
-                <a:latin typeface="+mn-ea"/>
-                <a:ea typeface="+mn-ea"/>
-                <a:sym typeface="+mn-ea"/>
-              </a:rPr>
-              <a:t>参见实例：</a:t>
-            </a:r>
-            <a:endParaRPr lang="zh-CN" sz="2200">
-              <a:solidFill>
-                <a:srgbClr val="FF0000"/>
-              </a:solidFill>
-              <a:latin typeface="+mn-ea"/>
-              <a:ea typeface="+mn-ea"/>
-            </a:endParaRPr>
           </a:p>
         </p:txBody>
       </p:sp>
@@ -3618,49 +4004,6 @@
           </a:p>
         </p:txBody>
       </p:sp>
-      <p:sp>
-        <p:nvSpPr>
-          <p:cNvPr id="16" name="文本框 15"/>
-          <p:cNvSpPr txBox="1"/>
-          <p:nvPr/>
-        </p:nvSpPr>
-        <p:spPr>
-          <a:xfrm>
-            <a:off x="6143625" y="6075045"/>
-            <a:ext cx="5433060" cy="429895"/>
-          </a:xfrm>
-          <a:prstGeom prst="rect">
-            <a:avLst/>
-          </a:prstGeom>
-          <a:noFill/>
-        </p:spPr>
-        <p:txBody>
-          <a:bodyPr wrap="square" rtlCol="0">
-            <a:spAutoFit/>
-          </a:bodyPr>
-          <a:p>
-            <a:pPr algn="l"/>
-            <a:r>
-              <a:rPr lang="zh-CN" sz="2200">
-                <a:solidFill>
-                  <a:srgbClr val="FF0000"/>
-                </a:solidFill>
-                <a:latin typeface="+mn-ea"/>
-                <a:ea typeface="+mn-ea"/>
-                <a:sym typeface="+mn-ea"/>
-              </a:rPr>
-              <a:t>参见实例：</a:t>
-            </a:r>
-            <a:endParaRPr lang="zh-CN" sz="2200">
-              <a:solidFill>
-                <a:srgbClr val="FF0000"/>
-              </a:solidFill>
-              <a:latin typeface="+mn-ea"/>
-              <a:ea typeface="+mn-ea"/>
-            </a:endParaRPr>
-          </a:p>
-        </p:txBody>
-      </p:sp>
       <p:pic>
         <p:nvPicPr>
           <p:cNvPr id="5" name="图片 4" descr="]IOMUSKK`37R`D5Y(9NM956"/>
@@ -3702,10 +4045,1101 @@
         <p:cNvGrpSpPr/>
         <p:nvPr/>
       </p:nvGrpSpPr>
-      <p:grpSpPr/>
+      <p:grpSpPr>
+        <a:xfrm>
+          <a:off x="0" y="0"/>
+          <a:ext cx="0" cy="0"/>
+          <a:chOff x="0" y="0"/>
+          <a:chExt cx="0" cy="0"/>
+        </a:xfrm>
+      </p:grpSpPr>
+      <p:sp>
+        <p:nvSpPr>
+          <p:cNvPr id="5122" name="内容占位符 2"/>
+          <p:cNvSpPr>
+            <a:spLocks noGrp="1"/>
+          </p:cNvSpPr>
+          <p:nvPr>
+            <p:ph idx="1"/>
+          </p:nvPr>
+        </p:nvSpPr>
+        <p:spPr>
+          <a:xfrm>
+            <a:off x="896620" y="829945"/>
+            <a:ext cx="10385425" cy="5245100"/>
+          </a:xfrm>
+        </p:spPr>
+        <p:txBody>
+          <a:bodyPr/>
+          <a:lstStyle/>
+          <a:p>
+            <a:pPr>
+              <a:lnSpc>
+                <a:spcPct val="150000"/>
+              </a:lnSpc>
+              <a:spcBef>
+                <a:spcPts val="1000"/>
+              </a:spcBef>
+            </a:pPr>
+            <a:r>
+              <a:rPr lang="zh-CN" altLang="en-US" sz="2800" noProof="1">
+                <a:solidFill>
+                  <a:schemeClr val="tx1"/>
+                </a:solidFill>
+                <a:latin typeface="微软雅黑" panose="020B0503020204020204" pitchFamily="34" charset="-122"/>
+                <a:ea typeface="微软雅黑" panose="020B0503020204020204" pitchFamily="34" charset="-122"/>
+                <a:sym typeface="+mn-ea"/>
+              </a:rPr>
+              <a:t>循环动画基本形式</a:t>
+            </a:r>
+            <a:br>
+              <a:rPr lang="zh-CN" altLang="en-US" sz="2800" noProof="1">
+                <a:solidFill>
+                  <a:schemeClr val="tx1"/>
+                </a:solidFill>
+                <a:latin typeface="微软雅黑" panose="020B0503020204020204" pitchFamily="34" charset="-122"/>
+                <a:ea typeface="微软雅黑" panose="020B0503020204020204" pitchFamily="34" charset="-122"/>
+                <a:sym typeface="+mn-ea"/>
+              </a:rPr>
+            </a:br>
+            <a:r>
+              <a:rPr lang="en-US" altLang="zh-CN" sz="2400" noProof="1">
+                <a:solidFill>
+                  <a:schemeClr val="accent1">
+                    <a:lumMod val="90000"/>
+                    <a:lumOff val="10000"/>
+                  </a:schemeClr>
+                </a:solidFill>
+                <a:latin typeface="微软雅黑" panose="020B0503020204020204" pitchFamily="34" charset="-122"/>
+                <a:ea typeface="微软雅黑" panose="020B0503020204020204" pitchFamily="34" charset="-122"/>
+                <a:sym typeface="+mn-ea"/>
+              </a:rPr>
+              <a:t>//	</a:t>
+            </a:r>
+            <a:r>
+              <a:rPr lang="zh-CN" altLang="en-US" sz="2400" noProof="1">
+                <a:solidFill>
+                  <a:schemeClr val="accent1">
+                    <a:lumMod val="90000"/>
+                    <a:lumOff val="10000"/>
+                  </a:schemeClr>
+                </a:solidFill>
+                <a:latin typeface="微软雅黑" panose="020B0503020204020204" pitchFamily="34" charset="-122"/>
+                <a:ea typeface="微软雅黑" panose="020B0503020204020204" pitchFamily="34" charset="-122"/>
+                <a:sym typeface="+mn-ea"/>
+              </a:rPr>
+              <a:t>启动动画循环</a:t>
+            </a:r>
+            <a:br>
+              <a:rPr lang="zh-CN" altLang="en-US" sz="2800" noProof="1">
+                <a:solidFill>
+                  <a:schemeClr val="tx1"/>
+                </a:solidFill>
+                <a:latin typeface="微软雅黑" panose="020B0503020204020204" pitchFamily="34" charset="-122"/>
+                <a:ea typeface="微软雅黑" panose="020B0503020204020204" pitchFamily="34" charset="-122"/>
+                <a:sym typeface="+mn-ea"/>
+              </a:rPr>
+            </a:br>
+            <a:r>
+              <a:rPr sz="2400" noProof="1">
+                <a:solidFill>
+                  <a:schemeClr val="tx1"/>
+                </a:solidFill>
+                <a:latin typeface="微软雅黑" panose="020B0503020204020204" pitchFamily="34" charset="-122"/>
+                <a:ea typeface="微软雅黑" panose="020B0503020204020204" pitchFamily="34" charset="-122"/>
+                <a:sym typeface="+mn-ea"/>
+              </a:rPr>
+              <a:t>var anim = function(){</a:t>
+            </a:r>
+            <a:br>
+              <a:rPr sz="2400" noProof="1">
+                <a:solidFill>
+                  <a:schemeClr val="tx1"/>
+                </a:solidFill>
+                <a:latin typeface="微软雅黑" panose="020B0503020204020204" pitchFamily="34" charset="-122"/>
+                <a:ea typeface="微软雅黑" panose="020B0503020204020204" pitchFamily="34" charset="-122"/>
+                <a:sym typeface="+mn-ea"/>
+              </a:rPr>
+            </a:br>
+            <a:r>
+              <a:rPr lang="en-US" sz="2400" noProof="1">
+                <a:solidFill>
+                  <a:schemeClr val="tx1"/>
+                </a:solidFill>
+                <a:latin typeface="微软雅黑" panose="020B0503020204020204" pitchFamily="34" charset="-122"/>
+                <a:ea typeface="微软雅黑" panose="020B0503020204020204" pitchFamily="34" charset="-122"/>
+                <a:sym typeface="+mn-ea"/>
+              </a:rPr>
+              <a:t>	    </a:t>
+            </a:r>
+            <a:r>
+              <a:rPr sz="2400" noProof="1">
+                <a:solidFill>
+                  <a:schemeClr val="tx1"/>
+                </a:solidFill>
+                <a:latin typeface="微软雅黑" panose="020B0503020204020204" pitchFamily="34" charset="-122"/>
+                <a:ea typeface="微软雅黑" panose="020B0503020204020204" pitchFamily="34" charset="-122"/>
+                <a:sym typeface="+mn-ea"/>
+              </a:rPr>
+              <a:t>console.log("xx");</a:t>
+            </a:r>
+            <a:br>
+              <a:rPr sz="2400" noProof="1">
+                <a:solidFill>
+                  <a:schemeClr val="tx1"/>
+                </a:solidFill>
+                <a:latin typeface="微软雅黑" panose="020B0503020204020204" pitchFamily="34" charset="-122"/>
+                <a:ea typeface="微软雅黑" panose="020B0503020204020204" pitchFamily="34" charset="-122"/>
+                <a:sym typeface="+mn-ea"/>
+              </a:rPr>
+            </a:br>
+            <a:r>
+              <a:rPr sz="2400" noProof="1">
+                <a:solidFill>
+                  <a:schemeClr val="tx1"/>
+                </a:solidFill>
+                <a:latin typeface="微软雅黑" panose="020B0503020204020204" pitchFamily="34" charset="-122"/>
+                <a:ea typeface="微软雅黑" panose="020B0503020204020204" pitchFamily="34" charset="-122"/>
+                <a:sym typeface="+mn-ea"/>
+              </a:rPr>
+              <a:t>    animHandle=requestAnimationFrame(anim);</a:t>
+            </a:r>
+            <a:br>
+              <a:rPr sz="2400" noProof="1">
+                <a:solidFill>
+                  <a:schemeClr val="tx1"/>
+                </a:solidFill>
+                <a:latin typeface="微软雅黑" panose="020B0503020204020204" pitchFamily="34" charset="-122"/>
+                <a:ea typeface="微软雅黑" panose="020B0503020204020204" pitchFamily="34" charset="-122"/>
+                <a:sym typeface="+mn-ea"/>
+              </a:rPr>
+            </a:br>
+            <a:r>
+              <a:rPr sz="2400" noProof="1">
+                <a:solidFill>
+                  <a:schemeClr val="tx1"/>
+                </a:solidFill>
+                <a:latin typeface="微软雅黑" panose="020B0503020204020204" pitchFamily="34" charset="-122"/>
+                <a:ea typeface="微软雅黑" panose="020B0503020204020204" pitchFamily="34" charset="-122"/>
+                <a:sym typeface="+mn-ea"/>
+              </a:rPr>
+              <a:t>};</a:t>
+            </a:r>
+            <a:br>
+              <a:rPr sz="2400" noProof="1">
+                <a:solidFill>
+                  <a:schemeClr val="tx1"/>
+                </a:solidFill>
+                <a:latin typeface="微软雅黑" panose="020B0503020204020204" pitchFamily="34" charset="-122"/>
+                <a:ea typeface="微软雅黑" panose="020B0503020204020204" pitchFamily="34" charset="-122"/>
+                <a:sym typeface="+mn-ea"/>
+              </a:rPr>
+            </a:br>
+            <a:r>
+              <a:rPr sz="2400" noProof="1">
+                <a:solidFill>
+                  <a:schemeClr val="tx1"/>
+                </a:solidFill>
+                <a:latin typeface="微软雅黑" panose="020B0503020204020204" pitchFamily="34" charset="-122"/>
+                <a:ea typeface="微软雅黑" panose="020B0503020204020204" pitchFamily="34" charset="-122"/>
+                <a:sym typeface="+mn-ea"/>
+              </a:rPr>
+              <a:t>var animHandle = requestAnimationFrame(anim);</a:t>
+            </a:r>
+            <a:br>
+              <a:rPr sz="2400" noProof="1">
+                <a:solidFill>
+                  <a:schemeClr val="tx1"/>
+                </a:solidFill>
+                <a:latin typeface="微软雅黑" panose="020B0503020204020204" pitchFamily="34" charset="-122"/>
+                <a:ea typeface="微软雅黑" panose="020B0503020204020204" pitchFamily="34" charset="-122"/>
+                <a:sym typeface="+mn-ea"/>
+              </a:rPr>
+            </a:br>
+            <a:r>
+              <a:rPr lang="en-US" altLang="zh-CN" sz="2400" noProof="1">
+                <a:solidFill>
+                  <a:schemeClr val="accent1">
+                    <a:lumMod val="90000"/>
+                    <a:lumOff val="10000"/>
+                  </a:schemeClr>
+                </a:solidFill>
+                <a:latin typeface="微软雅黑" panose="020B0503020204020204" pitchFamily="34" charset="-122"/>
+                <a:ea typeface="微软雅黑" panose="020B0503020204020204" pitchFamily="34" charset="-122"/>
+                <a:sym typeface="+mn-ea"/>
+              </a:rPr>
+              <a:t>// </a:t>
+            </a:r>
+            <a:r>
+              <a:rPr lang="zh-CN" altLang="en-US" sz="2400" noProof="1">
+                <a:solidFill>
+                  <a:schemeClr val="accent1">
+                    <a:lumMod val="90000"/>
+                    <a:lumOff val="10000"/>
+                  </a:schemeClr>
+                </a:solidFill>
+                <a:latin typeface="微软雅黑" panose="020B0503020204020204" pitchFamily="34" charset="-122"/>
+                <a:ea typeface="微软雅黑" panose="020B0503020204020204" pitchFamily="34" charset="-122"/>
+                <a:sym typeface="+mn-ea"/>
+              </a:rPr>
+              <a:t>停止动画循环</a:t>
+            </a:r>
+            <a:br>
+              <a:rPr lang="zh-CN" altLang="en-US" sz="2400" noProof="1">
+                <a:solidFill>
+                  <a:schemeClr val="tx1"/>
+                </a:solidFill>
+                <a:latin typeface="微软雅黑" panose="020B0503020204020204" pitchFamily="34" charset="-122"/>
+                <a:ea typeface="微软雅黑" panose="020B0503020204020204" pitchFamily="34" charset="-122"/>
+                <a:sym typeface="+mn-ea"/>
+              </a:rPr>
+            </a:br>
+            <a:r>
+              <a:rPr lang="zh-CN" altLang="en-US" sz="2400" noProof="1">
+                <a:solidFill>
+                  <a:schemeClr val="tx1"/>
+                </a:solidFill>
+                <a:latin typeface="微软雅黑" panose="020B0503020204020204" pitchFamily="34" charset="-122"/>
+                <a:ea typeface="微软雅黑" panose="020B0503020204020204" pitchFamily="34" charset="-122"/>
+                <a:sym typeface="+mn-ea"/>
+              </a:rPr>
+              <a:t>/</a:t>
+            </a:r>
+            <a:r>
+              <a:rPr lang="en-US" altLang="zh-CN" sz="2400" noProof="1">
+                <a:solidFill>
+                  <a:schemeClr val="tx1"/>
+                </a:solidFill>
+                <a:latin typeface="微软雅黑" panose="020B0503020204020204" pitchFamily="34" charset="-122"/>
+                <a:ea typeface="微软雅黑" panose="020B0503020204020204" pitchFamily="34" charset="-122"/>
+                <a:sym typeface="+mn-ea"/>
+              </a:rPr>
+              <a:t>/ cancelAnimationFrame(animHandle);</a:t>
+            </a:r>
+            <a:endParaRPr lang="en-US" altLang="zh-CN" sz="2800" noProof="1">
+              <a:solidFill>
+                <a:schemeClr val="tx1"/>
+              </a:solidFill>
+              <a:latin typeface="微软雅黑" panose="020B0503020204020204" pitchFamily="34" charset="-122"/>
+              <a:ea typeface="微软雅黑" panose="020B0503020204020204" pitchFamily="34" charset="-122"/>
+            </a:endParaRPr>
+          </a:p>
+          <a:p>
+            <a:pPr>
+              <a:lnSpc>
+                <a:spcPct val="150000"/>
+              </a:lnSpc>
+              <a:spcBef>
+                <a:spcPts val="1000"/>
+              </a:spcBef>
+            </a:pPr>
+            <a:endParaRPr lang="en-US" altLang="zh-CN" sz="2800" noProof="1">
+              <a:solidFill>
+                <a:schemeClr val="tx1"/>
+              </a:solidFill>
+              <a:latin typeface="微软雅黑" panose="020B0503020204020204" pitchFamily="34" charset="-122"/>
+              <a:ea typeface="微软雅黑" panose="020B0503020204020204" pitchFamily="34" charset="-122"/>
+            </a:endParaRPr>
+          </a:p>
+          <a:p>
+            <a:pPr marL="0" indent="0">
+              <a:buFont typeface="Wingdings 2" panose="05020102010507070707" pitchFamily="18" charset="2"/>
+              <a:buNone/>
+            </a:pPr>
+            <a:endParaRPr lang="en-US" altLang="zh-CN" noProof="1">
+              <a:solidFill>
+                <a:schemeClr val="tx1"/>
+              </a:solidFill>
+              <a:latin typeface="微软雅黑" panose="020B0503020204020204" pitchFamily="34" charset="-122"/>
+              <a:ea typeface="微软雅黑" panose="020B0503020204020204" pitchFamily="34" charset="-122"/>
+            </a:endParaRPr>
+          </a:p>
+        </p:txBody>
+      </p:sp>
+      <p:sp>
+        <p:nvSpPr>
+          <p:cNvPr id="2" name="内容占位符 1"/>
+          <p:cNvSpPr>
+            <a:spLocks noGrp="1"/>
+          </p:cNvSpPr>
+          <p:nvPr>
+            <p:ph sz="quarter" idx="11"/>
+          </p:nvPr>
+        </p:nvSpPr>
+        <p:spPr>
+          <a:xfrm>
+            <a:off x="947420" y="236855"/>
+            <a:ext cx="8415655" cy="490220"/>
+          </a:xfrm>
+        </p:spPr>
+        <p:txBody>
+          <a:bodyPr/>
+          <a:p>
+            <a:r>
+              <a:rPr kumimoji="0" lang="zh-CN" altLang="en-US" dirty="0"/>
+              <a:t>循环动画</a:t>
+            </a:r>
+            <a:endParaRPr kumimoji="0" lang="zh-CN" altLang="en-US" dirty="0"/>
+          </a:p>
+        </p:txBody>
+      </p:sp>
+      <p:sp>
+        <p:nvSpPr>
+          <p:cNvPr id="16" name="文本框 15"/>
+          <p:cNvSpPr txBox="1"/>
+          <p:nvPr/>
+        </p:nvSpPr>
+        <p:spPr>
+          <a:xfrm>
+            <a:off x="6143625" y="6075045"/>
+            <a:ext cx="5433060" cy="429895"/>
+          </a:xfrm>
+          <a:prstGeom prst="rect">
+            <a:avLst/>
+          </a:prstGeom>
+          <a:noFill/>
+        </p:spPr>
+        <p:txBody>
+          <a:bodyPr wrap="square" rtlCol="0">
+            <a:spAutoFit/>
+          </a:bodyPr>
+          <a:p>
+            <a:pPr algn="l"/>
+            <a:r>
+              <a:rPr lang="zh-CN" sz="2200">
+                <a:solidFill>
+                  <a:srgbClr val="FF0000"/>
+                </a:solidFill>
+                <a:latin typeface="+mn-ea"/>
+                <a:ea typeface="+mn-ea"/>
+                <a:sym typeface="+mn-ea"/>
+              </a:rPr>
+              <a:t>参见实例：</a:t>
+            </a:r>
+            <a:endParaRPr lang="zh-CN" sz="2200">
+              <a:solidFill>
+                <a:srgbClr val="FF0000"/>
+              </a:solidFill>
+              <a:latin typeface="+mn-ea"/>
+              <a:ea typeface="+mn-ea"/>
+            </a:endParaRPr>
+          </a:p>
+        </p:txBody>
+      </p:sp>
+    </p:spTree>
+  </p:cSld>
+  <p:clrMapOvr>
+    <a:masterClrMapping/>
+  </p:clrMapOvr>
+</p:sld>
+</file>
+
+<file path=ppt/slides/slide7.xml><?xml version="1.0" encoding="utf-8"?>
+<p:sld xmlns:a="http://schemas.openxmlformats.org/drawingml/2006/main" xmlns:r="http://schemas.openxmlformats.org/officeDocument/2006/relationships" xmlns:p="http://schemas.openxmlformats.org/presentationml/2006/main">
+  <p:cSld>
+    <p:spTree>
+      <p:nvGrpSpPr>
+        <p:cNvPr id="1" name=""/>
+        <p:cNvGrpSpPr/>
+        <p:nvPr/>
+      </p:nvGrpSpPr>
+      <p:grpSpPr>
+        <a:xfrm>
+          <a:off x="0" y="0"/>
+          <a:ext cx="0" cy="0"/>
+          <a:chOff x="0" y="0"/>
+          <a:chExt cx="0" cy="0"/>
+        </a:xfrm>
+      </p:grpSpPr>
+      <p:sp>
+        <p:nvSpPr>
+          <p:cNvPr id="3" name="内容占位符 2"/>
+          <p:cNvSpPr>
+            <a:spLocks noGrp="1"/>
+          </p:cNvSpPr>
+          <p:nvPr/>
+        </p:nvSpPr>
+        <p:spPr>
+          <a:xfrm>
+            <a:off x="947204" y="236943"/>
+            <a:ext cx="8191557" cy="490476"/>
+          </a:xfrm>
+          <a:prstGeom prst="rect">
+            <a:avLst/>
+          </a:prstGeom>
+        </p:spPr>
+        <p:txBody>
+          <a:bodyPr/>
+          <a:lstStyle>
+            <a:lvl1pPr marL="167005" indent="-167005" algn="l" defTabSz="0" rtl="0" eaLnBrk="0" fontAlgn="base" hangingPunct="0">
+              <a:spcBef>
+                <a:spcPct val="0"/>
+              </a:spcBef>
+              <a:spcAft>
+                <a:spcPct val="15000"/>
+              </a:spcAft>
+              <a:buClr>
+                <a:schemeClr val="tx2"/>
+              </a:buClr>
+              <a:buFont typeface="Arial" panose="020B0604020202020204" pitchFamily="34" charset="0"/>
+              <a:buNone/>
+              <a:defRPr sz="3200" b="0">
+                <a:solidFill>
+                  <a:srgbClr val="C00000"/>
+                </a:solidFill>
+                <a:latin typeface="微软雅黑" panose="020B0503020204020204" pitchFamily="34" charset="-122"/>
+                <a:ea typeface="微软雅黑" panose="020B0503020204020204" pitchFamily="34" charset="-122"/>
+                <a:cs typeface="+mn-cs"/>
+              </a:defRPr>
+            </a:lvl1pPr>
+            <a:lvl2pPr marL="398780" indent="-230505" algn="l" defTabSz="0" rtl="0" eaLnBrk="0" fontAlgn="base" hangingPunct="0">
+              <a:spcBef>
+                <a:spcPct val="0"/>
+              </a:spcBef>
+              <a:spcAft>
+                <a:spcPct val="15000"/>
+              </a:spcAft>
+              <a:buClr>
+                <a:schemeClr val="tx2"/>
+              </a:buClr>
+              <a:buFont typeface="Arial" panose="020B0604020202020204" pitchFamily="34" charset="0"/>
+              <a:buChar char="–"/>
+              <a:defRPr sz="2000">
+                <a:solidFill>
+                  <a:schemeClr val="tx1"/>
+                </a:solidFill>
+                <a:latin typeface="微软雅黑" panose="020B0503020204020204" pitchFamily="34" charset="-122"/>
+                <a:ea typeface="微软雅黑" panose="020B0503020204020204" pitchFamily="34" charset="-122"/>
+              </a:defRPr>
+            </a:lvl2pPr>
+            <a:lvl3pPr marL="400050" indent="182880" algn="l" defTabSz="0" rtl="0" eaLnBrk="0" fontAlgn="base" hangingPunct="0">
+              <a:spcBef>
+                <a:spcPct val="0"/>
+              </a:spcBef>
+              <a:spcAft>
+                <a:spcPct val="15000"/>
+              </a:spcAft>
+              <a:buClr>
+                <a:schemeClr val="tx2"/>
+              </a:buClr>
+              <a:buFont typeface="Arial" panose="020B0604020202020204" pitchFamily="34" charset="0"/>
+              <a:buChar char="•"/>
+              <a:defRPr sz="1600">
+                <a:solidFill>
+                  <a:schemeClr val="tx1"/>
+                </a:solidFill>
+                <a:latin typeface="微软雅黑" panose="020B0503020204020204" pitchFamily="34" charset="-122"/>
+                <a:ea typeface="微软雅黑" panose="020B0503020204020204" pitchFamily="34" charset="-122"/>
+              </a:defRPr>
+            </a:lvl3pPr>
+            <a:lvl4pPr marL="825500" indent="-241300" algn="l" defTabSz="0" rtl="0" eaLnBrk="0" fontAlgn="base" hangingPunct="0">
+              <a:spcBef>
+                <a:spcPct val="0"/>
+              </a:spcBef>
+              <a:spcAft>
+                <a:spcPct val="15000"/>
+              </a:spcAft>
+              <a:buClr>
+                <a:schemeClr val="tx2"/>
+              </a:buClr>
+              <a:buFont typeface="Arial" panose="020B0604020202020204" pitchFamily="34" charset="0"/>
+              <a:buChar char="–"/>
+              <a:defRPr sz="1600">
+                <a:solidFill>
+                  <a:schemeClr val="tx1"/>
+                </a:solidFill>
+                <a:latin typeface="微软雅黑" panose="020B0503020204020204" pitchFamily="34" charset="-122"/>
+                <a:ea typeface="微软雅黑" panose="020B0503020204020204" pitchFamily="34" charset="-122"/>
+              </a:defRPr>
+            </a:lvl4pPr>
+            <a:lvl5pPr marL="2057400" indent="-228600" algn="l" defTabSz="0" rtl="0" eaLnBrk="0" fontAlgn="base" hangingPunct="0">
+              <a:spcBef>
+                <a:spcPct val="0"/>
+              </a:spcBef>
+              <a:spcAft>
+                <a:spcPct val="25000"/>
+              </a:spcAft>
+              <a:buClr>
+                <a:schemeClr val="tx2"/>
+              </a:buClr>
+              <a:buFont typeface="Arial" panose="020B0604020202020204" pitchFamily="34" charset="0"/>
+              <a:buChar char="–"/>
+              <a:defRPr sz="2000">
+                <a:solidFill>
+                  <a:schemeClr val="tx1"/>
+                </a:solidFill>
+                <a:latin typeface="+mn-lt"/>
+                <a:ea typeface="微软雅黑" panose="020B0503020204020204" pitchFamily="34" charset="-122"/>
+              </a:defRPr>
+            </a:lvl5pPr>
+            <a:lvl6pPr marL="2514600" indent="-228600" algn="l" defTabSz="0" rtl="0" eaLnBrk="0" fontAlgn="base" hangingPunct="0">
+              <a:spcBef>
+                <a:spcPct val="0"/>
+              </a:spcBef>
+              <a:spcAft>
+                <a:spcPct val="25000"/>
+              </a:spcAft>
+              <a:buClr>
+                <a:schemeClr val="tx2"/>
+              </a:buClr>
+              <a:buFont typeface="Arial" panose="020B0604020202020204" pitchFamily="34" charset="0"/>
+              <a:buChar char="–"/>
+              <a:defRPr>
+                <a:solidFill>
+                  <a:schemeClr val="tx1"/>
+                </a:solidFill>
+                <a:latin typeface="+mn-lt"/>
+              </a:defRPr>
+            </a:lvl6pPr>
+            <a:lvl7pPr marL="2971800" indent="-228600" algn="l" defTabSz="0" rtl="0" eaLnBrk="0" fontAlgn="base" hangingPunct="0">
+              <a:spcBef>
+                <a:spcPct val="0"/>
+              </a:spcBef>
+              <a:spcAft>
+                <a:spcPct val="25000"/>
+              </a:spcAft>
+              <a:buClr>
+                <a:schemeClr val="tx2"/>
+              </a:buClr>
+              <a:buFont typeface="Arial" panose="020B0604020202020204" pitchFamily="34" charset="0"/>
+              <a:buChar char="–"/>
+              <a:defRPr>
+                <a:solidFill>
+                  <a:schemeClr val="tx1"/>
+                </a:solidFill>
+                <a:latin typeface="+mn-lt"/>
+              </a:defRPr>
+            </a:lvl7pPr>
+            <a:lvl8pPr marL="3429000" indent="-228600" algn="l" defTabSz="0" rtl="0" eaLnBrk="0" fontAlgn="base" hangingPunct="0">
+              <a:spcBef>
+                <a:spcPct val="0"/>
+              </a:spcBef>
+              <a:spcAft>
+                <a:spcPct val="25000"/>
+              </a:spcAft>
+              <a:buClr>
+                <a:schemeClr val="tx2"/>
+              </a:buClr>
+              <a:buFont typeface="Arial" panose="020B0604020202020204" pitchFamily="34" charset="0"/>
+              <a:buChar char="–"/>
+              <a:defRPr>
+                <a:solidFill>
+                  <a:schemeClr val="tx1"/>
+                </a:solidFill>
+                <a:latin typeface="+mn-lt"/>
+              </a:defRPr>
+            </a:lvl8pPr>
+            <a:lvl9pPr marL="3886200" indent="-228600" algn="l" defTabSz="0" rtl="0" eaLnBrk="0" fontAlgn="base" hangingPunct="0">
+              <a:spcBef>
+                <a:spcPct val="0"/>
+              </a:spcBef>
+              <a:spcAft>
+                <a:spcPct val="25000"/>
+              </a:spcAft>
+              <a:buClr>
+                <a:schemeClr val="tx2"/>
+              </a:buClr>
+              <a:buFont typeface="Arial" panose="020B0604020202020204" pitchFamily="34" charset="0"/>
+              <a:buChar char="–"/>
+              <a:defRPr>
+                <a:solidFill>
+                  <a:schemeClr val="tx1"/>
+                </a:solidFill>
+                <a:latin typeface="+mn-lt"/>
+              </a:defRPr>
+            </a:lvl9pPr>
+          </a:lstStyle>
+          <a:p>
+            <a:r>
+              <a:rPr lang="zh-CN" dirty="0" smtClean="0"/>
+              <a:t>内容刚要</a:t>
+            </a:r>
+            <a:endParaRPr lang="zh-CN" dirty="0" smtClean="0"/>
+          </a:p>
+        </p:txBody>
+      </p:sp>
+      <p:sp>
+        <p:nvSpPr>
+          <p:cNvPr id="4" name="AutoShape 6"/>
+          <p:cNvSpPr>
+            <a:spLocks noChangeArrowheads="1"/>
+          </p:cNvSpPr>
+          <p:nvPr/>
+        </p:nvSpPr>
+        <p:spPr bwMode="auto">
+          <a:xfrm>
+            <a:off x="2739708" y="1261111"/>
+            <a:ext cx="6711950" cy="4214813"/>
+          </a:xfrm>
+          <a:prstGeom prst="roundRect">
+            <a:avLst>
+              <a:gd name="adj" fmla="val 16667"/>
+            </a:avLst>
+          </a:prstGeom>
+          <a:noFill/>
+          <a:ln w="28575">
+            <a:solidFill>
+              <a:srgbClr val="C0C0C0"/>
+            </a:solidFill>
+            <a:prstDash val="sysDot"/>
+            <a:round/>
+          </a:ln>
+          <a:extLst>
+            <a:ext uri="{909E8E84-426E-40DD-AFC4-6F175D3DCCD1}">
+              <a14:hiddenFill xmlns:a14="http://schemas.microsoft.com/office/drawing/2010/main">
+                <a:solidFill>
+                  <a:srgbClr val="FFFFFF"/>
+                </a:solidFill>
+              </a14:hiddenFill>
+            </a:ext>
+          </a:extLst>
+        </p:spPr>
+        <p:txBody>
+          <a:bodyPr wrap="none" anchor="ctr"/>
+          <a:lstStyle>
+            <a:lvl1pPr marL="457200" indent="-457200">
+              <a:defRPr sz="3200">
+                <a:solidFill>
+                  <a:schemeClr val="tx1"/>
+                </a:solidFill>
+                <a:latin typeface="Arial" panose="020B0604020202020204" pitchFamily="34" charset="0"/>
+                <a:ea typeface="微软雅黑" panose="020B0503020204020204" pitchFamily="34" charset="-122"/>
+              </a:defRPr>
+            </a:lvl1pPr>
+            <a:lvl2pPr marL="742950" indent="-285750">
+              <a:defRPr sz="3200">
+                <a:solidFill>
+                  <a:schemeClr val="tx1"/>
+                </a:solidFill>
+                <a:latin typeface="Arial" panose="020B0604020202020204" pitchFamily="34" charset="0"/>
+                <a:ea typeface="微软雅黑" panose="020B0503020204020204" pitchFamily="34" charset="-122"/>
+              </a:defRPr>
+            </a:lvl2pPr>
+            <a:lvl3pPr marL="1143000" indent="-228600">
+              <a:defRPr sz="3200">
+                <a:solidFill>
+                  <a:schemeClr val="tx1"/>
+                </a:solidFill>
+                <a:latin typeface="Arial" panose="020B0604020202020204" pitchFamily="34" charset="0"/>
+                <a:ea typeface="微软雅黑" panose="020B0503020204020204" pitchFamily="34" charset="-122"/>
+              </a:defRPr>
+            </a:lvl3pPr>
+            <a:lvl4pPr marL="1600200" indent="-228600">
+              <a:defRPr sz="3200">
+                <a:solidFill>
+                  <a:schemeClr val="tx1"/>
+                </a:solidFill>
+                <a:latin typeface="Arial" panose="020B0604020202020204" pitchFamily="34" charset="0"/>
+                <a:ea typeface="微软雅黑" panose="020B0503020204020204" pitchFamily="34" charset="-122"/>
+              </a:defRPr>
+            </a:lvl4pPr>
+            <a:lvl5pPr marL="2057400" indent="-228600">
+              <a:defRPr sz="3200">
+                <a:solidFill>
+                  <a:schemeClr val="tx1"/>
+                </a:solidFill>
+                <a:latin typeface="Arial" panose="020B0604020202020204" pitchFamily="34" charset="0"/>
+                <a:ea typeface="微软雅黑" panose="020B0503020204020204" pitchFamily="34" charset="-122"/>
+              </a:defRPr>
+            </a:lvl5pPr>
+            <a:lvl6pPr marL="2514600" indent="-228600" eaLnBrk="0" fontAlgn="base" hangingPunct="0">
+              <a:spcBef>
+                <a:spcPct val="0"/>
+              </a:spcBef>
+              <a:spcAft>
+                <a:spcPct val="0"/>
+              </a:spcAft>
+              <a:defRPr sz="3200">
+                <a:solidFill>
+                  <a:schemeClr val="tx1"/>
+                </a:solidFill>
+                <a:latin typeface="Arial" panose="020B0604020202020204" pitchFamily="34" charset="0"/>
+                <a:ea typeface="微软雅黑" panose="020B0503020204020204" pitchFamily="34" charset="-122"/>
+              </a:defRPr>
+            </a:lvl6pPr>
+            <a:lvl7pPr marL="2971800" indent="-228600" eaLnBrk="0" fontAlgn="base" hangingPunct="0">
+              <a:spcBef>
+                <a:spcPct val="0"/>
+              </a:spcBef>
+              <a:spcAft>
+                <a:spcPct val="0"/>
+              </a:spcAft>
+              <a:defRPr sz="3200">
+                <a:solidFill>
+                  <a:schemeClr val="tx1"/>
+                </a:solidFill>
+                <a:latin typeface="Arial" panose="020B0604020202020204" pitchFamily="34" charset="0"/>
+                <a:ea typeface="微软雅黑" panose="020B0503020204020204" pitchFamily="34" charset="-122"/>
+              </a:defRPr>
+            </a:lvl7pPr>
+            <a:lvl8pPr marL="3429000" indent="-228600" eaLnBrk="0" fontAlgn="base" hangingPunct="0">
+              <a:spcBef>
+                <a:spcPct val="0"/>
+              </a:spcBef>
+              <a:spcAft>
+                <a:spcPct val="0"/>
+              </a:spcAft>
+              <a:defRPr sz="3200">
+                <a:solidFill>
+                  <a:schemeClr val="tx1"/>
+                </a:solidFill>
+                <a:latin typeface="Arial" panose="020B0604020202020204" pitchFamily="34" charset="0"/>
+                <a:ea typeface="微软雅黑" panose="020B0503020204020204" pitchFamily="34" charset="-122"/>
+              </a:defRPr>
+            </a:lvl8pPr>
+            <a:lvl9pPr marL="3886200" indent="-228600" eaLnBrk="0" fontAlgn="base" hangingPunct="0">
+              <a:spcBef>
+                <a:spcPct val="0"/>
+              </a:spcBef>
+              <a:spcAft>
+                <a:spcPct val="0"/>
+              </a:spcAft>
+              <a:defRPr sz="3200">
+                <a:solidFill>
+                  <a:schemeClr val="tx1"/>
+                </a:solidFill>
+                <a:latin typeface="Arial" panose="020B0604020202020204" pitchFamily="34" charset="0"/>
+                <a:ea typeface="微软雅黑" panose="020B0503020204020204" pitchFamily="34" charset="-122"/>
+              </a:defRPr>
+            </a:lvl9pPr>
+          </a:lstStyle>
+          <a:p>
+            <a:pPr algn="l">
+              <a:lnSpc>
+                <a:spcPct val="150000"/>
+              </a:lnSpc>
+              <a:spcBef>
+                <a:spcPts val="1200"/>
+              </a:spcBef>
+              <a:spcAft>
+                <a:spcPts val="1200"/>
+              </a:spcAft>
+              <a:buClr>
+                <a:srgbClr val="92D050"/>
+              </a:buClr>
+              <a:buFont typeface="Wingdings" panose="05000000000000000000" pitchFamily="2" charset="2"/>
+              <a:buChar char="Ø"/>
+            </a:pPr>
+            <a:r>
+              <a:rPr lang="zh-CN" altLang="en-US" sz="2800" b="1">
+                <a:solidFill>
+                  <a:schemeClr val="tx1"/>
+                </a:solidFill>
+              </a:rPr>
+              <a:t>循环</a:t>
+            </a:r>
+            <a:r>
+              <a:rPr lang="zh-CN" altLang="en-US" sz="2800" b="1">
+                <a:solidFill>
+                  <a:schemeClr val="tx1"/>
+                </a:solidFill>
+                <a:sym typeface="+mn-ea"/>
+              </a:rPr>
+              <a:t>动画</a:t>
+            </a:r>
+            <a:endParaRPr lang="zh-CN" altLang="en-US" sz="2800" b="1">
+              <a:solidFill>
+                <a:schemeClr val="tx1"/>
+              </a:solidFill>
+              <a:sym typeface="+mn-ea"/>
+            </a:endParaRPr>
+          </a:p>
+          <a:p>
+            <a:pPr algn="l">
+              <a:lnSpc>
+                <a:spcPct val="150000"/>
+              </a:lnSpc>
+              <a:spcBef>
+                <a:spcPts val="1200"/>
+              </a:spcBef>
+              <a:spcAft>
+                <a:spcPts val="1200"/>
+              </a:spcAft>
+              <a:buClr>
+                <a:srgbClr val="92D050"/>
+              </a:buClr>
+              <a:buFont typeface="Wingdings" panose="05000000000000000000" pitchFamily="2" charset="2"/>
+              <a:buChar char="Ø"/>
+            </a:pPr>
+            <a:r>
+              <a:rPr lang="zh-CN" altLang="en-US" sz="2800" b="1">
+                <a:solidFill>
+                  <a:schemeClr val="accent3"/>
+                </a:solidFill>
+                <a:sym typeface="+mn-ea"/>
+              </a:rPr>
+              <a:t>帧动画</a:t>
+            </a:r>
+            <a:endParaRPr lang="zh-CN" altLang="en-US" sz="2800" b="1">
+              <a:solidFill>
+                <a:schemeClr val="accent3"/>
+              </a:solidFill>
+              <a:sym typeface="+mn-ea"/>
+            </a:endParaRPr>
+          </a:p>
+          <a:p>
+            <a:pPr algn="l">
+              <a:lnSpc>
+                <a:spcPct val="150000"/>
+              </a:lnSpc>
+              <a:spcBef>
+                <a:spcPts val="1200"/>
+              </a:spcBef>
+              <a:spcAft>
+                <a:spcPts val="1200"/>
+              </a:spcAft>
+              <a:buClr>
+                <a:srgbClr val="92D050"/>
+              </a:buClr>
+              <a:buFont typeface="Wingdings" panose="05000000000000000000" pitchFamily="2" charset="2"/>
+              <a:buChar char="Ø"/>
+            </a:pPr>
+            <a:r>
+              <a:rPr lang="zh-CN" altLang="en-US" sz="2800" b="1">
+                <a:solidFill>
+                  <a:schemeClr val="tx1"/>
+                </a:solidFill>
+                <a:sym typeface="+mn-ea"/>
+              </a:rPr>
+              <a:t>重力与碰撞</a:t>
+            </a:r>
+            <a:endParaRPr lang="zh-CN" altLang="en-US" sz="2800" b="1">
+              <a:solidFill>
+                <a:schemeClr val="tx1"/>
+              </a:solidFill>
+              <a:sym typeface="+mn-ea"/>
+            </a:endParaRPr>
+          </a:p>
+        </p:txBody>
+      </p:sp>
+    </p:spTree>
+  </p:cSld>
+  <p:clrMapOvr>
+    <a:masterClrMapping/>
+  </p:clrMapOvr>
+  <p:timing>
+    <p:tnLst>
+      <p:par>
+        <p:cTn id="1" dur="indefinite" restart="never" nodeType="tmRoot"/>
+      </p:par>
+    </p:tnLst>
+  </p:timing>
+</p:sld>
+</file>
+
+<file path=ppt/slides/slide8.xml><?xml version="1.0" encoding="utf-8"?>
+<p:sld xmlns:a="http://schemas.openxmlformats.org/drawingml/2006/main" xmlns:r="http://schemas.openxmlformats.org/officeDocument/2006/relationships" xmlns:p="http://schemas.openxmlformats.org/presentationml/2006/main">
+  <p:cSld>
+    <p:spTree>
+      <p:nvGrpSpPr>
+        <p:cNvPr id="1" name=""/>
+        <p:cNvGrpSpPr/>
+        <p:nvPr/>
+      </p:nvGrpSpPr>
+      <p:grpSpPr>
+        <a:xfrm>
+          <a:off x="0" y="0"/>
+          <a:ext cx="0" cy="0"/>
+          <a:chOff x="0" y="0"/>
+          <a:chExt cx="0" cy="0"/>
+        </a:xfrm>
+      </p:grpSpPr>
+      <p:sp>
+        <p:nvSpPr>
+          <p:cNvPr id="5122" name="内容占位符 2"/>
+          <p:cNvSpPr>
+            <a:spLocks noGrp="1"/>
+          </p:cNvSpPr>
+          <p:nvPr>
+            <p:ph idx="1"/>
+          </p:nvPr>
+        </p:nvSpPr>
+        <p:spPr>
+          <a:xfrm>
+            <a:off x="896620" y="829945"/>
+            <a:ext cx="10385425" cy="5245100"/>
+          </a:xfrm>
+        </p:spPr>
+        <p:txBody>
+          <a:bodyPr/>
+          <a:lstStyle/>
+          <a:p>
+            <a:pPr>
+              <a:lnSpc>
+                <a:spcPct val="150000"/>
+              </a:lnSpc>
+              <a:spcBef>
+                <a:spcPts val="1000"/>
+              </a:spcBef>
+            </a:pPr>
+            <a:r>
+              <a:rPr lang="zh-CN" altLang="en-US" sz="2800" noProof="1">
+                <a:solidFill>
+                  <a:schemeClr val="tx1"/>
+                </a:solidFill>
+                <a:latin typeface="微软雅黑" panose="020B0503020204020204" pitchFamily="34" charset="-122"/>
+                <a:ea typeface="微软雅黑" panose="020B0503020204020204" pitchFamily="34" charset="-122"/>
+                <a:sym typeface="+mn-ea"/>
+              </a:rPr>
+              <a:t>帧动画基本形式</a:t>
+            </a:r>
+            <a:br>
+              <a:rPr lang="zh-CN" altLang="en-US" sz="2800" noProof="1">
+                <a:solidFill>
+                  <a:schemeClr val="tx1"/>
+                </a:solidFill>
+                <a:latin typeface="微软雅黑" panose="020B0503020204020204" pitchFamily="34" charset="-122"/>
+                <a:ea typeface="微软雅黑" panose="020B0503020204020204" pitchFamily="34" charset="-122"/>
+                <a:sym typeface="+mn-ea"/>
+              </a:rPr>
+            </a:br>
+            <a:endParaRPr lang="en-US" altLang="zh-CN" sz="2400" noProof="1">
+              <a:solidFill>
+                <a:schemeClr val="tx1"/>
+              </a:solidFill>
+              <a:latin typeface="微软雅黑" panose="020B0503020204020204" pitchFamily="34" charset="-122"/>
+              <a:ea typeface="微软雅黑" panose="020B0503020204020204" pitchFamily="34" charset="-122"/>
+              <a:sym typeface="+mn-ea"/>
+            </a:endParaRPr>
+          </a:p>
+          <a:p>
+            <a:pPr>
+              <a:lnSpc>
+                <a:spcPct val="150000"/>
+              </a:lnSpc>
+              <a:spcBef>
+                <a:spcPts val="1000"/>
+              </a:spcBef>
+            </a:pPr>
+            <a:endParaRPr lang="en-US" altLang="zh-CN" sz="2800">
+              <a:solidFill>
+                <a:schemeClr val="tx1"/>
+              </a:solidFill>
+              <a:sym typeface="+mn-ea"/>
+            </a:endParaRPr>
+          </a:p>
+          <a:p>
+            <a:pPr>
+              <a:lnSpc>
+                <a:spcPct val="150000"/>
+              </a:lnSpc>
+              <a:spcBef>
+                <a:spcPts val="1000"/>
+              </a:spcBef>
+            </a:pPr>
+            <a:endParaRPr lang="en-US" altLang="zh-CN" sz="2800" noProof="1">
+              <a:solidFill>
+                <a:schemeClr val="tx1"/>
+              </a:solidFill>
+              <a:latin typeface="微软雅黑" panose="020B0503020204020204" pitchFamily="34" charset="-122"/>
+              <a:ea typeface="微软雅黑" panose="020B0503020204020204" pitchFamily="34" charset="-122"/>
+            </a:endParaRPr>
+          </a:p>
+          <a:p>
+            <a:pPr>
+              <a:lnSpc>
+                <a:spcPct val="150000"/>
+              </a:lnSpc>
+              <a:spcBef>
+                <a:spcPts val="1000"/>
+              </a:spcBef>
+            </a:pPr>
+            <a:endParaRPr lang="en-US" altLang="zh-CN" sz="2800" noProof="1">
+              <a:solidFill>
+                <a:schemeClr val="tx1"/>
+              </a:solidFill>
+              <a:latin typeface="微软雅黑" panose="020B0503020204020204" pitchFamily="34" charset="-122"/>
+              <a:ea typeface="微软雅黑" panose="020B0503020204020204" pitchFamily="34" charset="-122"/>
+            </a:endParaRPr>
+          </a:p>
+          <a:p>
+            <a:pPr marL="0" indent="0">
+              <a:buFont typeface="Wingdings 2" panose="05020102010507070707" pitchFamily="18" charset="2"/>
+              <a:buNone/>
+            </a:pPr>
+            <a:endParaRPr lang="en-US" altLang="zh-CN" noProof="1">
+              <a:solidFill>
+                <a:schemeClr val="tx1"/>
+              </a:solidFill>
+              <a:latin typeface="微软雅黑" panose="020B0503020204020204" pitchFamily="34" charset="-122"/>
+              <a:ea typeface="微软雅黑" panose="020B0503020204020204" pitchFamily="34" charset="-122"/>
+            </a:endParaRPr>
+          </a:p>
+        </p:txBody>
+      </p:sp>
+      <p:sp>
+        <p:nvSpPr>
+          <p:cNvPr id="2" name="内容占位符 1"/>
+          <p:cNvSpPr>
+            <a:spLocks noGrp="1"/>
+          </p:cNvSpPr>
+          <p:nvPr>
+            <p:ph sz="quarter" idx="11"/>
+          </p:nvPr>
+        </p:nvSpPr>
+        <p:spPr>
+          <a:xfrm>
+            <a:off x="947420" y="236855"/>
+            <a:ext cx="8415655" cy="490220"/>
+          </a:xfrm>
+        </p:spPr>
+        <p:txBody>
+          <a:bodyPr/>
+          <a:p>
+            <a:r>
+              <a:rPr kumimoji="0" lang="zh-CN" altLang="en-US" dirty="0"/>
+              <a:t>帧动画</a:t>
+            </a:r>
+            <a:endParaRPr kumimoji="0" lang="zh-CN" altLang="en-US" dirty="0"/>
+          </a:p>
+        </p:txBody>
+      </p:sp>
+      <p:sp>
+        <p:nvSpPr>
+          <p:cNvPr id="16" name="文本框 15"/>
+          <p:cNvSpPr txBox="1"/>
+          <p:nvPr/>
+        </p:nvSpPr>
+        <p:spPr>
+          <a:xfrm>
+            <a:off x="6143625" y="6075045"/>
+            <a:ext cx="5433060" cy="429895"/>
+          </a:xfrm>
+          <a:prstGeom prst="rect">
+            <a:avLst/>
+          </a:prstGeom>
+          <a:noFill/>
+        </p:spPr>
+        <p:txBody>
+          <a:bodyPr wrap="square" rtlCol="0">
+            <a:spAutoFit/>
+          </a:bodyPr>
+          <a:p>
+            <a:pPr algn="l"/>
+            <a:r>
+              <a:rPr lang="zh-CN" sz="2200">
+                <a:solidFill>
+                  <a:srgbClr val="FF0000"/>
+                </a:solidFill>
+                <a:latin typeface="+mn-ea"/>
+                <a:ea typeface="+mn-ea"/>
+                <a:sym typeface="+mn-ea"/>
+              </a:rPr>
+              <a:t>参见实例：</a:t>
+            </a:r>
+            <a:endParaRPr lang="zh-CN" sz="2200">
+              <a:solidFill>
+                <a:srgbClr val="FF0000"/>
+              </a:solidFill>
+              <a:latin typeface="+mn-ea"/>
+              <a:ea typeface="+mn-ea"/>
+            </a:endParaRPr>
+          </a:p>
+        </p:txBody>
+      </p:sp>
       <p:pic>
         <p:nvPicPr>
-          <p:cNvPr id="73729" name="Picture 5"/>
+          <p:cNvPr id="29699" name="图片 1" descr="2-12031G03J3459.jpg"/>
           <p:cNvPicPr>
             <a:picLocks noChangeAspect="1"/>
           </p:cNvPicPr>
@@ -3719,88 +5153,8 @@
         </p:blipFill>
         <p:spPr>
           <a:xfrm>
-            <a:off x="-8890" y="0"/>
-            <a:ext cx="12195175" cy="6858000"/>
-          </a:xfrm>
-          <a:prstGeom prst="rect">
-            <a:avLst/>
-          </a:prstGeom>
-          <a:noFill/>
-          <a:ln w="9525">
-            <a:noFill/>
-          </a:ln>
-        </p:spPr>
-      </p:pic>
-      <p:sp>
-        <p:nvSpPr>
-          <p:cNvPr id="73730" name="Rectangle 6"/>
-          <p:cNvSpPr>
-            <a:spLocks noGrp="1"/>
-          </p:cNvSpPr>
-          <p:nvPr>
-            <p:ph type="ctrTitle"/>
-          </p:nvPr>
-        </p:nvSpPr>
-        <p:spPr>
-          <a:xfrm>
-            <a:off x="2095500" y="3143250"/>
-            <a:ext cx="7362825" cy="1285875"/>
-          </a:xfrm>
-          <a:prstGeom prst="rect">
-            <a:avLst/>
-          </a:prstGeom>
-          <a:noFill/>
-          <a:ln w="9525">
-            <a:noFill/>
-          </a:ln>
-        </p:spPr>
-        <p:txBody>
-          <a:bodyPr anchor="b"/>
-          <a:lstStyle>
-            <a:lvl1pPr lvl="0">
-              <a:defRPr/>
-            </a:lvl1pPr>
-          </a:lstStyle>
-          <a:p>
-            <a:pPr lvl="0" algn="ctr" eaLnBrk="1" hangingPunct="1"/>
-            <a:r>
-              <a:rPr lang="en-US" altLang="zh-CN" sz="5400" dirty="0"/>
-              <a:t>Thank </a:t>
-            </a:r>
-            <a:r>
-              <a:rPr lang="en-US" altLang="zh-CN" sz="5400" dirty="0">
-                <a:solidFill>
-                  <a:srgbClr val="FF0000"/>
-                </a:solidFill>
-              </a:rPr>
-              <a:t>You</a:t>
-            </a:r>
-            <a:r>
-              <a:rPr lang="zh-CN" altLang="en-US" sz="5400" dirty="0"/>
-              <a:t>！</a:t>
-            </a:r>
-            <a:endParaRPr lang="zh-CN" altLang="zh-CN" sz="5400" dirty="0"/>
-          </a:p>
-        </p:txBody>
-      </p:sp>
-      <p:pic>
-        <p:nvPicPr>
-          <p:cNvPr id="73731" name="图片 3" descr="软院logo横版.png"/>
-          <p:cNvPicPr>
-            <a:picLocks noChangeAspect="1"/>
-          </p:cNvPicPr>
-          <p:nvPr/>
-        </p:nvPicPr>
-        <p:blipFill>
-          <a:blip r:embed="rId2"/>
-          <a:stretch>
-            <a:fillRect/>
-          </a:stretch>
-        </p:blipFill>
-        <p:spPr>
-          <a:xfrm>
-            <a:off x="2062163" y="5927725"/>
-            <a:ext cx="3381375" cy="527050"/>
+            <a:off x="2043430" y="1700530"/>
+            <a:ext cx="8105140" cy="3504565"/>
           </a:xfrm>
           <a:prstGeom prst="rect">
             <a:avLst/>
@@ -3816,6 +5170,499 @@
   <p:clrMapOvr>
     <a:masterClrMapping/>
   </p:clrMapOvr>
+</p:sld>
+</file>
+
+<file path=ppt/slides/slide9.xml><?xml version="1.0" encoding="utf-8"?>
+<p:sld xmlns:a="http://schemas.openxmlformats.org/drawingml/2006/main" xmlns:r="http://schemas.openxmlformats.org/officeDocument/2006/relationships" xmlns:p="http://schemas.openxmlformats.org/presentationml/2006/main">
+  <p:cSld>
+    <p:spTree>
+      <p:nvGrpSpPr>
+        <p:cNvPr id="1" name=""/>
+        <p:cNvGrpSpPr/>
+        <p:nvPr/>
+      </p:nvGrpSpPr>
+      <p:grpSpPr>
+        <a:xfrm>
+          <a:off x="0" y="0"/>
+          <a:ext cx="0" cy="0"/>
+          <a:chOff x="0" y="0"/>
+          <a:chExt cx="0" cy="0"/>
+        </a:xfrm>
+      </p:grpSpPr>
+      <p:sp>
+        <p:nvSpPr>
+          <p:cNvPr id="3" name="内容占位符 2"/>
+          <p:cNvSpPr>
+            <a:spLocks noGrp="1"/>
+          </p:cNvSpPr>
+          <p:nvPr/>
+        </p:nvSpPr>
+        <p:spPr>
+          <a:xfrm>
+            <a:off x="947204" y="236943"/>
+            <a:ext cx="8191557" cy="490476"/>
+          </a:xfrm>
+          <a:prstGeom prst="rect">
+            <a:avLst/>
+          </a:prstGeom>
+        </p:spPr>
+        <p:txBody>
+          <a:bodyPr/>
+          <a:lstStyle>
+            <a:lvl1pPr marL="167005" indent="-167005" algn="l" defTabSz="0" rtl="0" eaLnBrk="0" fontAlgn="base" hangingPunct="0">
+              <a:spcBef>
+                <a:spcPct val="0"/>
+              </a:spcBef>
+              <a:spcAft>
+                <a:spcPct val="15000"/>
+              </a:spcAft>
+              <a:buClr>
+                <a:schemeClr val="tx2"/>
+              </a:buClr>
+              <a:buFont typeface="Arial" panose="020B0604020202020204" pitchFamily="34" charset="0"/>
+              <a:buNone/>
+              <a:defRPr sz="3200" b="0">
+                <a:solidFill>
+                  <a:srgbClr val="C00000"/>
+                </a:solidFill>
+                <a:latin typeface="微软雅黑" panose="020B0503020204020204" pitchFamily="34" charset="-122"/>
+                <a:ea typeface="微软雅黑" panose="020B0503020204020204" pitchFamily="34" charset="-122"/>
+                <a:cs typeface="+mn-cs"/>
+              </a:defRPr>
+            </a:lvl1pPr>
+            <a:lvl2pPr marL="398780" indent="-230505" algn="l" defTabSz="0" rtl="0" eaLnBrk="0" fontAlgn="base" hangingPunct="0">
+              <a:spcBef>
+                <a:spcPct val="0"/>
+              </a:spcBef>
+              <a:spcAft>
+                <a:spcPct val="15000"/>
+              </a:spcAft>
+              <a:buClr>
+                <a:schemeClr val="tx2"/>
+              </a:buClr>
+              <a:buFont typeface="Arial" panose="020B0604020202020204" pitchFamily="34" charset="0"/>
+              <a:buChar char="–"/>
+              <a:defRPr sz="2000">
+                <a:solidFill>
+                  <a:schemeClr val="tx1"/>
+                </a:solidFill>
+                <a:latin typeface="微软雅黑" panose="020B0503020204020204" pitchFamily="34" charset="-122"/>
+                <a:ea typeface="微软雅黑" panose="020B0503020204020204" pitchFamily="34" charset="-122"/>
+              </a:defRPr>
+            </a:lvl2pPr>
+            <a:lvl3pPr marL="400050" indent="182880" algn="l" defTabSz="0" rtl="0" eaLnBrk="0" fontAlgn="base" hangingPunct="0">
+              <a:spcBef>
+                <a:spcPct val="0"/>
+              </a:spcBef>
+              <a:spcAft>
+                <a:spcPct val="15000"/>
+              </a:spcAft>
+              <a:buClr>
+                <a:schemeClr val="tx2"/>
+              </a:buClr>
+              <a:buFont typeface="Arial" panose="020B0604020202020204" pitchFamily="34" charset="0"/>
+              <a:buChar char="•"/>
+              <a:defRPr sz="1600">
+                <a:solidFill>
+                  <a:schemeClr val="tx1"/>
+                </a:solidFill>
+                <a:latin typeface="微软雅黑" panose="020B0503020204020204" pitchFamily="34" charset="-122"/>
+                <a:ea typeface="微软雅黑" panose="020B0503020204020204" pitchFamily="34" charset="-122"/>
+              </a:defRPr>
+            </a:lvl3pPr>
+            <a:lvl4pPr marL="825500" indent="-241300" algn="l" defTabSz="0" rtl="0" eaLnBrk="0" fontAlgn="base" hangingPunct="0">
+              <a:spcBef>
+                <a:spcPct val="0"/>
+              </a:spcBef>
+              <a:spcAft>
+                <a:spcPct val="15000"/>
+              </a:spcAft>
+              <a:buClr>
+                <a:schemeClr val="tx2"/>
+              </a:buClr>
+              <a:buFont typeface="Arial" panose="020B0604020202020204" pitchFamily="34" charset="0"/>
+              <a:buChar char="–"/>
+              <a:defRPr sz="1600">
+                <a:solidFill>
+                  <a:schemeClr val="tx1"/>
+                </a:solidFill>
+                <a:latin typeface="微软雅黑" panose="020B0503020204020204" pitchFamily="34" charset="-122"/>
+                <a:ea typeface="微软雅黑" panose="020B0503020204020204" pitchFamily="34" charset="-122"/>
+              </a:defRPr>
+            </a:lvl4pPr>
+            <a:lvl5pPr marL="2057400" indent="-228600" algn="l" defTabSz="0" rtl="0" eaLnBrk="0" fontAlgn="base" hangingPunct="0">
+              <a:spcBef>
+                <a:spcPct val="0"/>
+              </a:spcBef>
+              <a:spcAft>
+                <a:spcPct val="25000"/>
+              </a:spcAft>
+              <a:buClr>
+                <a:schemeClr val="tx2"/>
+              </a:buClr>
+              <a:buFont typeface="Arial" panose="020B0604020202020204" pitchFamily="34" charset="0"/>
+              <a:buChar char="–"/>
+              <a:defRPr sz="2000">
+                <a:solidFill>
+                  <a:schemeClr val="tx1"/>
+                </a:solidFill>
+                <a:latin typeface="+mn-lt"/>
+                <a:ea typeface="微软雅黑" panose="020B0503020204020204" pitchFamily="34" charset="-122"/>
+              </a:defRPr>
+            </a:lvl5pPr>
+            <a:lvl6pPr marL="2514600" indent="-228600" algn="l" defTabSz="0" rtl="0" eaLnBrk="0" fontAlgn="base" hangingPunct="0">
+              <a:spcBef>
+                <a:spcPct val="0"/>
+              </a:spcBef>
+              <a:spcAft>
+                <a:spcPct val="25000"/>
+              </a:spcAft>
+              <a:buClr>
+                <a:schemeClr val="tx2"/>
+              </a:buClr>
+              <a:buFont typeface="Arial" panose="020B0604020202020204" pitchFamily="34" charset="0"/>
+              <a:buChar char="–"/>
+              <a:defRPr>
+                <a:solidFill>
+                  <a:schemeClr val="tx1"/>
+                </a:solidFill>
+                <a:latin typeface="+mn-lt"/>
+              </a:defRPr>
+            </a:lvl6pPr>
+            <a:lvl7pPr marL="2971800" indent="-228600" algn="l" defTabSz="0" rtl="0" eaLnBrk="0" fontAlgn="base" hangingPunct="0">
+              <a:spcBef>
+                <a:spcPct val="0"/>
+              </a:spcBef>
+              <a:spcAft>
+                <a:spcPct val="25000"/>
+              </a:spcAft>
+              <a:buClr>
+                <a:schemeClr val="tx2"/>
+              </a:buClr>
+              <a:buFont typeface="Arial" panose="020B0604020202020204" pitchFamily="34" charset="0"/>
+              <a:buChar char="–"/>
+              <a:defRPr>
+                <a:solidFill>
+                  <a:schemeClr val="tx1"/>
+                </a:solidFill>
+                <a:latin typeface="+mn-lt"/>
+              </a:defRPr>
+            </a:lvl7pPr>
+            <a:lvl8pPr marL="3429000" indent="-228600" algn="l" defTabSz="0" rtl="0" eaLnBrk="0" fontAlgn="base" hangingPunct="0">
+              <a:spcBef>
+                <a:spcPct val="0"/>
+              </a:spcBef>
+              <a:spcAft>
+                <a:spcPct val="25000"/>
+              </a:spcAft>
+              <a:buClr>
+                <a:schemeClr val="tx2"/>
+              </a:buClr>
+              <a:buFont typeface="Arial" panose="020B0604020202020204" pitchFamily="34" charset="0"/>
+              <a:buChar char="–"/>
+              <a:defRPr>
+                <a:solidFill>
+                  <a:schemeClr val="tx1"/>
+                </a:solidFill>
+                <a:latin typeface="+mn-lt"/>
+              </a:defRPr>
+            </a:lvl8pPr>
+            <a:lvl9pPr marL="3886200" indent="-228600" algn="l" defTabSz="0" rtl="0" eaLnBrk="0" fontAlgn="base" hangingPunct="0">
+              <a:spcBef>
+                <a:spcPct val="0"/>
+              </a:spcBef>
+              <a:spcAft>
+                <a:spcPct val="25000"/>
+              </a:spcAft>
+              <a:buClr>
+                <a:schemeClr val="tx2"/>
+              </a:buClr>
+              <a:buFont typeface="Arial" panose="020B0604020202020204" pitchFamily="34" charset="0"/>
+              <a:buChar char="–"/>
+              <a:defRPr>
+                <a:solidFill>
+                  <a:schemeClr val="tx1"/>
+                </a:solidFill>
+                <a:latin typeface="+mn-lt"/>
+              </a:defRPr>
+            </a:lvl9pPr>
+          </a:lstStyle>
+          <a:p>
+            <a:r>
+              <a:rPr lang="zh-CN" dirty="0" smtClean="0"/>
+              <a:t>内容刚要</a:t>
+            </a:r>
+            <a:endParaRPr lang="zh-CN" dirty="0" smtClean="0"/>
+          </a:p>
+        </p:txBody>
+      </p:sp>
+      <p:sp>
+        <p:nvSpPr>
+          <p:cNvPr id="4" name="AutoShape 6"/>
+          <p:cNvSpPr>
+            <a:spLocks noChangeArrowheads="1"/>
+          </p:cNvSpPr>
+          <p:nvPr/>
+        </p:nvSpPr>
+        <p:spPr bwMode="auto">
+          <a:xfrm>
+            <a:off x="2739708" y="1261111"/>
+            <a:ext cx="6711950" cy="4214813"/>
+          </a:xfrm>
+          <a:prstGeom prst="roundRect">
+            <a:avLst>
+              <a:gd name="adj" fmla="val 16667"/>
+            </a:avLst>
+          </a:prstGeom>
+          <a:noFill/>
+          <a:ln w="28575">
+            <a:solidFill>
+              <a:srgbClr val="C0C0C0"/>
+            </a:solidFill>
+            <a:prstDash val="sysDot"/>
+            <a:round/>
+          </a:ln>
+          <a:extLst>
+            <a:ext uri="{909E8E84-426E-40DD-AFC4-6F175D3DCCD1}">
+              <a14:hiddenFill xmlns:a14="http://schemas.microsoft.com/office/drawing/2010/main">
+                <a:solidFill>
+                  <a:srgbClr val="FFFFFF"/>
+                </a:solidFill>
+              </a14:hiddenFill>
+            </a:ext>
+          </a:extLst>
+        </p:spPr>
+        <p:txBody>
+          <a:bodyPr wrap="none" anchor="ctr"/>
+          <a:lstStyle>
+            <a:lvl1pPr marL="457200" indent="-457200">
+              <a:defRPr sz="3200">
+                <a:solidFill>
+                  <a:schemeClr val="tx1"/>
+                </a:solidFill>
+                <a:latin typeface="Arial" panose="020B0604020202020204" pitchFamily="34" charset="0"/>
+                <a:ea typeface="微软雅黑" panose="020B0503020204020204" pitchFamily="34" charset="-122"/>
+              </a:defRPr>
+            </a:lvl1pPr>
+            <a:lvl2pPr marL="742950" indent="-285750">
+              <a:defRPr sz="3200">
+                <a:solidFill>
+                  <a:schemeClr val="tx1"/>
+                </a:solidFill>
+                <a:latin typeface="Arial" panose="020B0604020202020204" pitchFamily="34" charset="0"/>
+                <a:ea typeface="微软雅黑" panose="020B0503020204020204" pitchFamily="34" charset="-122"/>
+              </a:defRPr>
+            </a:lvl2pPr>
+            <a:lvl3pPr marL="1143000" indent="-228600">
+              <a:defRPr sz="3200">
+                <a:solidFill>
+                  <a:schemeClr val="tx1"/>
+                </a:solidFill>
+                <a:latin typeface="Arial" panose="020B0604020202020204" pitchFamily="34" charset="0"/>
+                <a:ea typeface="微软雅黑" panose="020B0503020204020204" pitchFamily="34" charset="-122"/>
+              </a:defRPr>
+            </a:lvl3pPr>
+            <a:lvl4pPr marL="1600200" indent="-228600">
+              <a:defRPr sz="3200">
+                <a:solidFill>
+                  <a:schemeClr val="tx1"/>
+                </a:solidFill>
+                <a:latin typeface="Arial" panose="020B0604020202020204" pitchFamily="34" charset="0"/>
+                <a:ea typeface="微软雅黑" panose="020B0503020204020204" pitchFamily="34" charset="-122"/>
+              </a:defRPr>
+            </a:lvl4pPr>
+            <a:lvl5pPr marL="2057400" indent="-228600">
+              <a:defRPr sz="3200">
+                <a:solidFill>
+                  <a:schemeClr val="tx1"/>
+                </a:solidFill>
+                <a:latin typeface="Arial" panose="020B0604020202020204" pitchFamily="34" charset="0"/>
+                <a:ea typeface="微软雅黑" panose="020B0503020204020204" pitchFamily="34" charset="-122"/>
+              </a:defRPr>
+            </a:lvl5pPr>
+            <a:lvl6pPr marL="2514600" indent="-228600" eaLnBrk="0" fontAlgn="base" hangingPunct="0">
+              <a:spcBef>
+                <a:spcPct val="0"/>
+              </a:spcBef>
+              <a:spcAft>
+                <a:spcPct val="0"/>
+              </a:spcAft>
+              <a:defRPr sz="3200">
+                <a:solidFill>
+                  <a:schemeClr val="tx1"/>
+                </a:solidFill>
+                <a:latin typeface="Arial" panose="020B0604020202020204" pitchFamily="34" charset="0"/>
+                <a:ea typeface="微软雅黑" panose="020B0503020204020204" pitchFamily="34" charset="-122"/>
+              </a:defRPr>
+            </a:lvl6pPr>
+            <a:lvl7pPr marL="2971800" indent="-228600" eaLnBrk="0" fontAlgn="base" hangingPunct="0">
+              <a:spcBef>
+                <a:spcPct val="0"/>
+              </a:spcBef>
+              <a:spcAft>
+                <a:spcPct val="0"/>
+              </a:spcAft>
+              <a:defRPr sz="3200">
+                <a:solidFill>
+                  <a:schemeClr val="tx1"/>
+                </a:solidFill>
+                <a:latin typeface="Arial" panose="020B0604020202020204" pitchFamily="34" charset="0"/>
+                <a:ea typeface="微软雅黑" panose="020B0503020204020204" pitchFamily="34" charset="-122"/>
+              </a:defRPr>
+            </a:lvl7pPr>
+            <a:lvl8pPr marL="3429000" indent="-228600" eaLnBrk="0" fontAlgn="base" hangingPunct="0">
+              <a:spcBef>
+                <a:spcPct val="0"/>
+              </a:spcBef>
+              <a:spcAft>
+                <a:spcPct val="0"/>
+              </a:spcAft>
+              <a:defRPr sz="3200">
+                <a:solidFill>
+                  <a:schemeClr val="tx1"/>
+                </a:solidFill>
+                <a:latin typeface="Arial" panose="020B0604020202020204" pitchFamily="34" charset="0"/>
+                <a:ea typeface="微软雅黑" panose="020B0503020204020204" pitchFamily="34" charset="-122"/>
+              </a:defRPr>
+            </a:lvl8pPr>
+            <a:lvl9pPr marL="3886200" indent="-228600" eaLnBrk="0" fontAlgn="base" hangingPunct="0">
+              <a:spcBef>
+                <a:spcPct val="0"/>
+              </a:spcBef>
+              <a:spcAft>
+                <a:spcPct val="0"/>
+              </a:spcAft>
+              <a:defRPr sz="3200">
+                <a:solidFill>
+                  <a:schemeClr val="tx1"/>
+                </a:solidFill>
+                <a:latin typeface="Arial" panose="020B0604020202020204" pitchFamily="34" charset="0"/>
+                <a:ea typeface="微软雅黑" panose="020B0503020204020204" pitchFamily="34" charset="-122"/>
+              </a:defRPr>
+            </a:lvl9pPr>
+          </a:lstStyle>
+          <a:p>
+            <a:pPr algn="l">
+              <a:lnSpc>
+                <a:spcPct val="150000"/>
+              </a:lnSpc>
+              <a:spcBef>
+                <a:spcPts val="1200"/>
+              </a:spcBef>
+              <a:spcAft>
+                <a:spcPts val="1200"/>
+              </a:spcAft>
+              <a:buClr>
+                <a:srgbClr val="92D050"/>
+              </a:buClr>
+              <a:buFont typeface="Wingdings" panose="05000000000000000000" pitchFamily="2" charset="2"/>
+              <a:buChar char="Ø"/>
+            </a:pPr>
+            <a:r>
+              <a:rPr lang="zh-CN" altLang="en-US" sz="2800" b="1">
+                <a:solidFill>
+                  <a:schemeClr val="tx1"/>
+                </a:solidFill>
+              </a:rPr>
+              <a:t>循环</a:t>
+            </a:r>
+            <a:r>
+              <a:rPr lang="zh-CN" altLang="en-US" sz="2800" b="1">
+                <a:solidFill>
+                  <a:schemeClr val="tx1"/>
+                </a:solidFill>
+                <a:sym typeface="+mn-ea"/>
+              </a:rPr>
+              <a:t>动画</a:t>
+            </a:r>
+            <a:endParaRPr lang="zh-CN" altLang="en-US" sz="2800" b="1">
+              <a:solidFill>
+                <a:schemeClr val="tx1"/>
+              </a:solidFill>
+              <a:sym typeface="+mn-ea"/>
+            </a:endParaRPr>
+          </a:p>
+          <a:p>
+            <a:pPr algn="l">
+              <a:lnSpc>
+                <a:spcPct val="150000"/>
+              </a:lnSpc>
+              <a:spcBef>
+                <a:spcPts val="1200"/>
+              </a:spcBef>
+              <a:spcAft>
+                <a:spcPts val="1200"/>
+              </a:spcAft>
+              <a:buClr>
+                <a:srgbClr val="92D050"/>
+              </a:buClr>
+              <a:buFont typeface="Wingdings" panose="05000000000000000000" pitchFamily="2" charset="2"/>
+              <a:buChar char="Ø"/>
+            </a:pPr>
+            <a:r>
+              <a:rPr lang="zh-CN" altLang="en-US" sz="2800" b="1">
+                <a:solidFill>
+                  <a:schemeClr val="tx1"/>
+                </a:solidFill>
+                <a:sym typeface="+mn-ea"/>
+              </a:rPr>
+              <a:t>帧动画</a:t>
+            </a:r>
+            <a:endParaRPr lang="zh-CN" altLang="en-US" sz="2800" b="1">
+              <a:solidFill>
+                <a:schemeClr val="tx1"/>
+              </a:solidFill>
+              <a:sym typeface="+mn-ea"/>
+            </a:endParaRPr>
+          </a:p>
+          <a:p>
+            <a:pPr algn="l">
+              <a:lnSpc>
+                <a:spcPct val="150000"/>
+              </a:lnSpc>
+              <a:spcBef>
+                <a:spcPts val="1200"/>
+              </a:spcBef>
+              <a:spcAft>
+                <a:spcPts val="1200"/>
+              </a:spcAft>
+              <a:buClr>
+                <a:srgbClr val="92D050"/>
+              </a:buClr>
+              <a:buFont typeface="Wingdings" panose="05000000000000000000" pitchFamily="2" charset="2"/>
+              <a:buChar char="Ø"/>
+            </a:pPr>
+            <a:r>
+              <a:rPr lang="zh-CN" altLang="en-US" sz="2800" b="1">
+                <a:solidFill>
+                  <a:schemeClr val="accent3"/>
+                </a:solidFill>
+                <a:sym typeface="+mn-ea"/>
+              </a:rPr>
+              <a:t>重力与碰撞</a:t>
+            </a:r>
+            <a:endParaRPr lang="zh-CN" altLang="en-US" sz="2800" b="1">
+              <a:solidFill>
+                <a:schemeClr val="accent3"/>
+              </a:solidFill>
+              <a:sym typeface="+mn-ea"/>
+            </a:endParaRPr>
+          </a:p>
+        </p:txBody>
+      </p:sp>
+    </p:spTree>
+  </p:cSld>
+  <p:clrMapOvr>
+    <a:masterClrMapping/>
+  </p:clrMapOvr>
+  <p:timing>
+    <p:tnLst>
+      <p:par>
+        <p:cTn id="1" dur="indefinite" restart="never" nodeType="tmRoot"/>
+      </p:par>
+    </p:tnLst>
+  </p:timing>
 </p:sld>
 </file>
 

--- a/课程PPT/（04）H5 Canvas动画.pptx
+++ b/课程PPT/（04）H5 Canvas动画.pptx
@@ -2401,6 +2401,16 @@
               </a:rPr>
               <a:t>9.80665 m/s^2;</a:t>
             </a:r>
+            <a:br>
+              <a:rPr lang="en-US" altLang="zh-CN" sz="2000" noProof="1">
+                <a:solidFill>
+                  <a:schemeClr val="tx1"/>
+                </a:solidFill>
+                <a:latin typeface="微软雅黑" panose="020B0503020204020204" pitchFamily="34" charset="-122"/>
+                <a:ea typeface="微软雅黑" panose="020B0503020204020204" pitchFamily="34" charset="-122"/>
+                <a:sym typeface="+mn-ea"/>
+              </a:rPr>
+            </a:br>
             <a:endParaRPr lang="zh-CN" altLang="en-US" sz="2800" noProof="1">
               <a:solidFill>
                 <a:schemeClr val="tx1"/>
@@ -2515,6 +2525,2048 @@
                 <a:sym typeface="+mn-ea"/>
               </a:rPr>
               <a:t>）</a:t>
+            </a:r>
+            <a:br>
+              <a:rPr lang="zh-CN" altLang="en-US" sz="2800" noProof="1">
+                <a:solidFill>
+                  <a:schemeClr val="tx1"/>
+                </a:solidFill>
+                <a:latin typeface="微软雅黑" panose="020B0503020204020204" pitchFamily="34" charset="-122"/>
+                <a:ea typeface="微软雅黑" panose="020B0503020204020204" pitchFamily="34" charset="-122"/>
+                <a:sym typeface="+mn-ea"/>
+              </a:rPr>
+            </a:br>
+            <a:endParaRPr lang="en-US" altLang="zh-CN" sz="2800" noProof="1">
+              <a:solidFill>
+                <a:schemeClr val="tx1"/>
+              </a:solidFill>
+              <a:latin typeface="微软雅黑" panose="020B0503020204020204" pitchFamily="34" charset="-122"/>
+              <a:ea typeface="微软雅黑" panose="020B0503020204020204" pitchFamily="34" charset="-122"/>
+            </a:endParaRPr>
+          </a:p>
+          <a:p>
+            <a:pPr marL="0" indent="0">
+              <a:buFont typeface="Wingdings 2" panose="05020102010507070707" pitchFamily="18" charset="2"/>
+              <a:buNone/>
+            </a:pPr>
+            <a:endParaRPr lang="en-US" altLang="zh-CN" noProof="1">
+              <a:solidFill>
+                <a:schemeClr val="tx1"/>
+              </a:solidFill>
+              <a:latin typeface="微软雅黑" panose="020B0503020204020204" pitchFamily="34" charset="-122"/>
+              <a:ea typeface="微软雅黑" panose="020B0503020204020204" pitchFamily="34" charset="-122"/>
+            </a:endParaRPr>
+          </a:p>
+        </p:txBody>
+      </p:sp>
+      <p:sp>
+        <p:nvSpPr>
+          <p:cNvPr id="2" name="内容占位符 1"/>
+          <p:cNvSpPr>
+            <a:spLocks noGrp="1"/>
+          </p:cNvSpPr>
+          <p:nvPr>
+            <p:ph sz="quarter" idx="11"/>
+          </p:nvPr>
+        </p:nvSpPr>
+        <p:spPr>
+          <a:xfrm>
+            <a:off x="947420" y="236855"/>
+            <a:ext cx="8415655" cy="490220"/>
+          </a:xfrm>
+        </p:spPr>
+        <p:txBody>
+          <a:bodyPr/>
+          <a:p>
+            <a:r>
+              <a:rPr kumimoji="0" lang="zh-CN" altLang="en-US" dirty="0"/>
+              <a:t>重力与碰撞</a:t>
+            </a:r>
+            <a:endParaRPr kumimoji="0" lang="zh-CN" altLang="en-US" dirty="0"/>
+          </a:p>
+        </p:txBody>
+      </p:sp>
+      <p:sp>
+        <p:nvSpPr>
+          <p:cNvPr id="3" name="文本框 2"/>
+          <p:cNvSpPr txBox="1"/>
+          <p:nvPr/>
+        </p:nvSpPr>
+        <p:spPr>
+          <a:xfrm>
+            <a:off x="1069340" y="2806065"/>
+            <a:ext cx="5433060" cy="429895"/>
+          </a:xfrm>
+          <a:prstGeom prst="rect">
+            <a:avLst/>
+          </a:prstGeom>
+          <a:noFill/>
+        </p:spPr>
+        <p:txBody>
+          <a:bodyPr wrap="square" rtlCol="0">
+            <a:spAutoFit/>
+          </a:bodyPr>
+          <a:p>
+            <a:pPr algn="l"/>
+            <a:r>
+              <a:rPr lang="zh-CN" sz="2200">
+                <a:solidFill>
+                  <a:srgbClr val="FF0000"/>
+                </a:solidFill>
+                <a:latin typeface="+mn-ea"/>
+                <a:ea typeface="+mn-ea"/>
+                <a:sym typeface="+mn-ea"/>
+              </a:rPr>
+              <a:t>参见实例：</a:t>
+            </a:r>
+            <a:r>
+              <a:rPr lang="en-US" altLang="zh-CN" sz="2200">
+                <a:solidFill>
+                  <a:srgbClr val="FF0000"/>
+                </a:solidFill>
+                <a:latin typeface="+mn-ea"/>
+                <a:ea typeface="+mn-ea"/>
+                <a:sym typeface="+mn-ea"/>
+              </a:rPr>
+              <a:t>LS04_04.html</a:t>
+            </a:r>
+            <a:r>
+              <a:rPr lang="zh-CN" altLang="en-US" sz="2200">
+                <a:solidFill>
+                  <a:srgbClr val="FF0000"/>
+                </a:solidFill>
+                <a:latin typeface="+mn-ea"/>
+                <a:ea typeface="+mn-ea"/>
+                <a:sym typeface="+mn-ea"/>
+              </a:rPr>
+              <a:t>、</a:t>
+            </a:r>
+            <a:r>
+              <a:rPr lang="en-US" altLang="zh-CN" sz="2200">
+                <a:solidFill>
+                  <a:srgbClr val="FF0000"/>
+                </a:solidFill>
+                <a:latin typeface="+mn-ea"/>
+                <a:ea typeface="+mn-ea"/>
+                <a:sym typeface="+mn-ea"/>
+              </a:rPr>
+              <a:t>LS04_05.html</a:t>
+            </a:r>
+            <a:endParaRPr lang="zh-CN" altLang="en-US" sz="2200">
+              <a:solidFill>
+                <a:srgbClr val="FF0000"/>
+              </a:solidFill>
+              <a:latin typeface="+mn-ea"/>
+              <a:ea typeface="+mn-ea"/>
+              <a:sym typeface="+mn-ea"/>
+            </a:endParaRPr>
+          </a:p>
+        </p:txBody>
+      </p:sp>
+      <p:sp>
+        <p:nvSpPr>
+          <p:cNvPr id="6" name="文本框 5"/>
+          <p:cNvSpPr txBox="1"/>
+          <p:nvPr/>
+        </p:nvSpPr>
+        <p:spPr>
+          <a:xfrm>
+            <a:off x="1052830" y="5157470"/>
+            <a:ext cx="5433060" cy="429895"/>
+          </a:xfrm>
+          <a:prstGeom prst="rect">
+            <a:avLst/>
+          </a:prstGeom>
+          <a:noFill/>
+        </p:spPr>
+        <p:txBody>
+          <a:bodyPr wrap="square" rtlCol="0">
+            <a:spAutoFit/>
+          </a:bodyPr>
+          <a:p>
+            <a:pPr algn="l"/>
+            <a:r>
+              <a:rPr lang="zh-CN" sz="2200">
+                <a:solidFill>
+                  <a:srgbClr val="FF0000"/>
+                </a:solidFill>
+                <a:latin typeface="+mn-ea"/>
+                <a:ea typeface="+mn-ea"/>
+                <a:sym typeface="+mn-ea"/>
+              </a:rPr>
+              <a:t>参见实例：</a:t>
+            </a:r>
+            <a:r>
+              <a:rPr lang="en-US" altLang="zh-CN" sz="2200">
+                <a:solidFill>
+                  <a:srgbClr val="FF0000"/>
+                </a:solidFill>
+                <a:latin typeface="+mn-ea"/>
+                <a:ea typeface="+mn-ea"/>
+                <a:sym typeface="+mn-ea"/>
+              </a:rPr>
+              <a:t>LS04_06.html</a:t>
+            </a:r>
+            <a:r>
+              <a:rPr lang="zh-CN" altLang="en-US" sz="2200">
+                <a:solidFill>
+                  <a:srgbClr val="FF0000"/>
+                </a:solidFill>
+                <a:latin typeface="+mn-ea"/>
+                <a:ea typeface="+mn-ea"/>
+                <a:sym typeface="+mn-ea"/>
+              </a:rPr>
+              <a:t>、</a:t>
+            </a:r>
+            <a:r>
+              <a:rPr lang="en-US" altLang="zh-CN" sz="2200">
+                <a:solidFill>
+                  <a:srgbClr val="FF0000"/>
+                </a:solidFill>
+                <a:latin typeface="+mn-ea"/>
+                <a:ea typeface="+mn-ea"/>
+                <a:sym typeface="+mn-ea"/>
+              </a:rPr>
+              <a:t>LS04_07.html</a:t>
+            </a:r>
+            <a:endParaRPr lang="zh-CN" altLang="en-US" sz="2200">
+              <a:solidFill>
+                <a:srgbClr val="FF0000"/>
+              </a:solidFill>
+              <a:latin typeface="+mn-ea"/>
+              <a:ea typeface="+mn-ea"/>
+              <a:sym typeface="+mn-ea"/>
+            </a:endParaRPr>
+          </a:p>
+        </p:txBody>
+      </p:sp>
+    </p:spTree>
+  </p:cSld>
+  <p:clrMapOvr>
+    <a:masterClrMapping/>
+  </p:clrMapOvr>
+  <p:timing>
+    <p:tnLst>
+      <p:par>
+        <p:cTn id="1" dur="indefinite" restart="never" nodeType="tmRoot">
+          <p:childTnLst>
+            <p:seq concurrent="1" nextAc="seek">
+              <p:cTn id="2" dur="indefinite" nodeType="mainSeq">
+                <p:childTnLst>
+                  <p:par>
+                    <p:cTn id="3" fill="hold">
+                      <p:stCondLst>
+                        <p:cond delay="indefinite"/>
+                      </p:stCondLst>
+                      <p:childTnLst>
+                        <p:par>
+                          <p:cTn id="4" fill="hold">
+                            <p:stCondLst>
+                              <p:cond delay="0"/>
+                            </p:stCondLst>
+                            <p:childTnLst>
+                              <p:par>
+                                <p:cTn id="5" presetID="2" presetClass="entr" presetSubtype="4" fill="hold" nodeType="clickEffect">
+                                  <p:stCondLst>
+                                    <p:cond delay="0"/>
+                                  </p:stCondLst>
+                                  <p:childTnLst>
+                                    <p:set>
+                                      <p:cBhvr>
+                                        <p:cTn id="6" dur="1" fill="hold">
+                                          <p:stCondLst>
+                                            <p:cond delay="0"/>
+                                          </p:stCondLst>
+                                        </p:cTn>
+                                        <p:tgtEl>
+                                          <p:spTgt spid="5122">
+                                            <p:txEl>
+                                              <p:pRg st="0" end="0"/>
+                                            </p:txEl>
+                                          </p:spTgt>
+                                        </p:tgtEl>
+                                        <p:attrNameLst>
+                                          <p:attrName>style.visibility</p:attrName>
+                                        </p:attrNameLst>
+                                      </p:cBhvr>
+                                      <p:to>
+                                        <p:strVal val="visible"/>
+                                      </p:to>
+                                    </p:set>
+                                    <p:anim calcmode="lin" valueType="num">
+                                      <p:cBhvr additive="base">
+                                        <p:cTn id="7" dur="500" fill="hold"/>
+                                        <p:tgtEl>
+                                          <p:spTgt spid="5122">
+                                            <p:txEl>
+                                              <p:pRg st="0" end="0"/>
+                                            </p:txEl>
+                                          </p:spTgt>
+                                        </p:tgtEl>
+                                        <p:attrNameLst>
+                                          <p:attrName>ppt_x</p:attrName>
+                                        </p:attrNameLst>
+                                      </p:cBhvr>
+                                      <p:tavLst>
+                                        <p:tav tm="0">
+                                          <p:val>
+                                            <p:strVal val="#ppt_x"/>
+                                          </p:val>
+                                        </p:tav>
+                                        <p:tav tm="100000">
+                                          <p:val>
+                                            <p:strVal val="#ppt_x"/>
+                                          </p:val>
+                                        </p:tav>
+                                      </p:tavLst>
+                                    </p:anim>
+                                    <p:anim calcmode="lin" valueType="num">
+                                      <p:cBhvr additive="base">
+                                        <p:cTn id="8" dur="500" fill="hold"/>
+                                        <p:tgtEl>
+                                          <p:spTgt spid="5122">
+                                            <p:txEl>
+                                              <p:pRg st="0" end="0"/>
+                                            </p:txEl>
+                                          </p:spTgt>
+                                        </p:tgtEl>
+                                        <p:attrNameLst>
+                                          <p:attrName>ppt_y</p:attrName>
+                                        </p:attrNameLst>
+                                      </p:cBhvr>
+                                      <p:tavLst>
+                                        <p:tav tm="0">
+                                          <p:val>
+                                            <p:strVal val="1+#ppt_h/2"/>
+                                          </p:val>
+                                        </p:tav>
+                                        <p:tav tm="100000">
+                                          <p:val>
+                                            <p:strVal val="#ppt_y"/>
+                                          </p:val>
+                                        </p:tav>
+                                      </p:tavLst>
+                                    </p:anim>
+                                  </p:childTnLst>
+                                </p:cTn>
+                              </p:par>
+                            </p:childTnLst>
+                          </p:cTn>
+                        </p:par>
+                        <p:par>
+                          <p:cTn id="9" fill="hold">
+                            <p:stCondLst>
+                              <p:cond delay="500"/>
+                            </p:stCondLst>
+                            <p:childTnLst>
+                              <p:par>
+                                <p:cTn id="10" presetID="2" presetClass="entr" presetSubtype="4" fill="hold" grpId="0" nodeType="afterEffect">
+                                  <p:stCondLst>
+                                    <p:cond delay="0"/>
+                                  </p:stCondLst>
+                                  <p:childTnLst>
+                                    <p:set>
+                                      <p:cBhvr>
+                                        <p:cTn id="11" dur="1" fill="hold">
+                                          <p:stCondLst>
+                                            <p:cond delay="0"/>
+                                          </p:stCondLst>
+                                        </p:cTn>
+                                        <p:tgtEl>
+                                          <p:spTgt spid="3"/>
+                                        </p:tgtEl>
+                                        <p:attrNameLst>
+                                          <p:attrName>style.visibility</p:attrName>
+                                        </p:attrNameLst>
+                                      </p:cBhvr>
+                                      <p:to>
+                                        <p:strVal val="visible"/>
+                                      </p:to>
+                                    </p:set>
+                                    <p:anim calcmode="lin" valueType="num">
+                                      <p:cBhvr additive="base">
+                                        <p:cTn id="12" dur="500" fill="hold"/>
+                                        <p:tgtEl>
+                                          <p:spTgt spid="3"/>
+                                        </p:tgtEl>
+                                        <p:attrNameLst>
+                                          <p:attrName>ppt_x</p:attrName>
+                                        </p:attrNameLst>
+                                      </p:cBhvr>
+                                      <p:tavLst>
+                                        <p:tav tm="0">
+                                          <p:val>
+                                            <p:strVal val="#ppt_x"/>
+                                          </p:val>
+                                        </p:tav>
+                                        <p:tav tm="100000">
+                                          <p:val>
+                                            <p:strVal val="#ppt_x"/>
+                                          </p:val>
+                                        </p:tav>
+                                      </p:tavLst>
+                                    </p:anim>
+                                    <p:anim calcmode="lin" valueType="num">
+                                      <p:cBhvr additive="base">
+                                        <p:cTn id="13" dur="500" fill="hold"/>
+                                        <p:tgtEl>
+                                          <p:spTgt spid="3"/>
+                                        </p:tgtEl>
+                                        <p:attrNameLst>
+                                          <p:attrName>ppt_y</p:attrName>
+                                        </p:attrNameLst>
+                                      </p:cBhvr>
+                                      <p:tavLst>
+                                        <p:tav tm="0">
+                                          <p:val>
+                                            <p:strVal val="1+#ppt_h/2"/>
+                                          </p:val>
+                                        </p:tav>
+                                        <p:tav tm="100000">
+                                          <p:val>
+                                            <p:strVal val="#ppt_y"/>
+                                          </p:val>
+                                        </p:tav>
+                                      </p:tavLst>
+                                    </p:anim>
+                                  </p:childTnLst>
+                                </p:cTn>
+                              </p:par>
+                            </p:childTnLst>
+                          </p:cTn>
+                        </p:par>
+                      </p:childTnLst>
+                    </p:cTn>
+                  </p:par>
+                  <p:par>
+                    <p:cTn id="14" fill="hold">
+                      <p:stCondLst>
+                        <p:cond delay="indefinite"/>
+                      </p:stCondLst>
+                      <p:childTnLst>
+                        <p:par>
+                          <p:cTn id="15" fill="hold">
+                            <p:stCondLst>
+                              <p:cond delay="0"/>
+                            </p:stCondLst>
+                            <p:childTnLst>
+                              <p:par>
+                                <p:cTn id="16" presetID="2" presetClass="entr" presetSubtype="4" fill="hold" nodeType="clickEffect">
+                                  <p:stCondLst>
+                                    <p:cond delay="0"/>
+                                  </p:stCondLst>
+                                  <p:childTnLst>
+                                    <p:set>
+                                      <p:cBhvr>
+                                        <p:cTn id="17" dur="1" fill="hold">
+                                          <p:stCondLst>
+                                            <p:cond delay="0"/>
+                                          </p:stCondLst>
+                                        </p:cTn>
+                                        <p:tgtEl>
+                                          <p:spTgt spid="5122">
+                                            <p:txEl>
+                                              <p:pRg st="1" end="1"/>
+                                            </p:txEl>
+                                          </p:spTgt>
+                                        </p:tgtEl>
+                                        <p:attrNameLst>
+                                          <p:attrName>style.visibility</p:attrName>
+                                        </p:attrNameLst>
+                                      </p:cBhvr>
+                                      <p:to>
+                                        <p:strVal val="visible"/>
+                                      </p:to>
+                                    </p:set>
+                                    <p:anim calcmode="lin" valueType="num">
+                                      <p:cBhvr additive="base">
+                                        <p:cTn id="18" dur="500" fill="hold"/>
+                                        <p:tgtEl>
+                                          <p:spTgt spid="5122">
+                                            <p:txEl>
+                                              <p:pRg st="1" end="1"/>
+                                            </p:txEl>
+                                          </p:spTgt>
+                                        </p:tgtEl>
+                                        <p:attrNameLst>
+                                          <p:attrName>ppt_x</p:attrName>
+                                        </p:attrNameLst>
+                                      </p:cBhvr>
+                                      <p:tavLst>
+                                        <p:tav tm="0">
+                                          <p:val>
+                                            <p:strVal val="#ppt_x"/>
+                                          </p:val>
+                                        </p:tav>
+                                        <p:tav tm="100000">
+                                          <p:val>
+                                            <p:strVal val="#ppt_x"/>
+                                          </p:val>
+                                        </p:tav>
+                                      </p:tavLst>
+                                    </p:anim>
+                                    <p:anim calcmode="lin" valueType="num">
+                                      <p:cBhvr additive="base">
+                                        <p:cTn id="19" dur="500" fill="hold"/>
+                                        <p:tgtEl>
+                                          <p:spTgt spid="5122">
+                                            <p:txEl>
+                                              <p:pRg st="1" end="1"/>
+                                            </p:txEl>
+                                          </p:spTgt>
+                                        </p:tgtEl>
+                                        <p:attrNameLst>
+                                          <p:attrName>ppt_y</p:attrName>
+                                        </p:attrNameLst>
+                                      </p:cBhvr>
+                                      <p:tavLst>
+                                        <p:tav tm="0">
+                                          <p:val>
+                                            <p:strVal val="1+#ppt_h/2"/>
+                                          </p:val>
+                                        </p:tav>
+                                        <p:tav tm="100000">
+                                          <p:val>
+                                            <p:strVal val="#ppt_y"/>
+                                          </p:val>
+                                        </p:tav>
+                                      </p:tavLst>
+                                    </p:anim>
+                                  </p:childTnLst>
+                                </p:cTn>
+                              </p:par>
+                            </p:childTnLst>
+                          </p:cTn>
+                        </p:par>
+                        <p:par>
+                          <p:cTn id="20" fill="hold">
+                            <p:stCondLst>
+                              <p:cond delay="500"/>
+                            </p:stCondLst>
+                            <p:childTnLst>
+                              <p:par>
+                                <p:cTn id="21" presetID="2" presetClass="entr" presetSubtype="4" fill="hold" grpId="0" nodeType="afterEffect">
+                                  <p:stCondLst>
+                                    <p:cond delay="0"/>
+                                  </p:stCondLst>
+                                  <p:childTnLst>
+                                    <p:set>
+                                      <p:cBhvr>
+                                        <p:cTn id="22" dur="1" fill="hold">
+                                          <p:stCondLst>
+                                            <p:cond delay="0"/>
+                                          </p:stCondLst>
+                                        </p:cTn>
+                                        <p:tgtEl>
+                                          <p:spTgt spid="6"/>
+                                        </p:tgtEl>
+                                        <p:attrNameLst>
+                                          <p:attrName>style.visibility</p:attrName>
+                                        </p:attrNameLst>
+                                      </p:cBhvr>
+                                      <p:to>
+                                        <p:strVal val="visible"/>
+                                      </p:to>
+                                    </p:set>
+                                    <p:anim calcmode="lin" valueType="num">
+                                      <p:cBhvr additive="base">
+                                        <p:cTn id="23" dur="500" fill="hold"/>
+                                        <p:tgtEl>
+                                          <p:spTgt spid="6"/>
+                                        </p:tgtEl>
+                                        <p:attrNameLst>
+                                          <p:attrName>ppt_x</p:attrName>
+                                        </p:attrNameLst>
+                                      </p:cBhvr>
+                                      <p:tavLst>
+                                        <p:tav tm="0">
+                                          <p:val>
+                                            <p:strVal val="#ppt_x"/>
+                                          </p:val>
+                                        </p:tav>
+                                        <p:tav tm="100000">
+                                          <p:val>
+                                            <p:strVal val="#ppt_x"/>
+                                          </p:val>
+                                        </p:tav>
+                                      </p:tavLst>
+                                    </p:anim>
+                                    <p:anim calcmode="lin" valueType="num">
+                                      <p:cBhvr additive="base">
+                                        <p:cTn id="24" dur="500" fill="hold"/>
+                                        <p:tgtEl>
+                                          <p:spTgt spid="6"/>
+                                        </p:tgtEl>
+                                        <p:attrNameLst>
+                                          <p:attrName>ppt_y</p:attrName>
+                                        </p:attrNameLst>
+                                      </p:cBhvr>
+                                      <p:tavLst>
+                                        <p:tav tm="0">
+                                          <p:val>
+                                            <p:strVal val="1+#ppt_h/2"/>
+                                          </p:val>
+                                        </p:tav>
+                                        <p:tav tm="100000">
+                                          <p:val>
+                                            <p:strVal val="#ppt_y"/>
+                                          </p:val>
+                                        </p:tav>
+                                      </p:tavLst>
+                                    </p:anim>
+                                  </p:childTnLst>
+                                </p:cTn>
+                              </p:par>
+                            </p:childTnLst>
+                          </p:cTn>
+                        </p:par>
+                      </p:childTnLst>
+                    </p:cTn>
+                  </p:par>
+                </p:childTnLst>
+              </p:cTn>
+              <p:prevCondLst>
+                <p:cond evt="onPrev" delay="0">
+                  <p:tgtEl>
+                    <p:sldTgt/>
+                  </p:tgtEl>
+                </p:cond>
+              </p:prevCondLst>
+              <p:nextCondLst>
+                <p:cond evt="onNext" delay="0">
+                  <p:tgtEl>
+                    <p:sldTgt/>
+                  </p:tgtEl>
+                </p:cond>
+              </p:nextCondLst>
+            </p:seq>
+          </p:childTnLst>
+        </p:cTn>
+      </p:par>
+    </p:tnLst>
+    <p:bldLst>
+      <p:bldP spid="3" grpId="0"/>
+      <p:bldP spid="6" grpId="0"/>
+    </p:bldLst>
+  </p:timing>
+</p:sld>
+</file>
+
+<file path=ppt/slides/slide11.xml><?xml version="1.0" encoding="utf-8"?>
+<p:sld xmlns:a="http://schemas.openxmlformats.org/drawingml/2006/main" xmlns:r="http://schemas.openxmlformats.org/officeDocument/2006/relationships" xmlns:p="http://schemas.openxmlformats.org/presentationml/2006/main">
+  <p:cSld>
+    <p:spTree>
+      <p:nvGrpSpPr>
+        <p:cNvPr id="1" name=""/>
+        <p:cNvGrpSpPr/>
+        <p:nvPr/>
+      </p:nvGrpSpPr>
+      <p:grpSpPr/>
+      <p:pic>
+        <p:nvPicPr>
+          <p:cNvPr id="73729" name="Picture 5"/>
+          <p:cNvPicPr>
+            <a:picLocks noChangeAspect="1"/>
+          </p:cNvPicPr>
+          <p:nvPr/>
+        </p:nvPicPr>
+        <p:blipFill>
+          <a:blip r:embed="rId1"/>
+          <a:stretch>
+            <a:fillRect/>
+          </a:stretch>
+        </p:blipFill>
+        <p:spPr>
+          <a:xfrm>
+            <a:off x="-8890" y="0"/>
+            <a:ext cx="12195175" cy="6858000"/>
+          </a:xfrm>
+          <a:prstGeom prst="rect">
+            <a:avLst/>
+          </a:prstGeom>
+          <a:noFill/>
+          <a:ln w="9525">
+            <a:noFill/>
+          </a:ln>
+        </p:spPr>
+      </p:pic>
+      <p:sp>
+        <p:nvSpPr>
+          <p:cNvPr id="73730" name="Rectangle 6"/>
+          <p:cNvSpPr>
+            <a:spLocks noGrp="1"/>
+          </p:cNvSpPr>
+          <p:nvPr>
+            <p:ph type="ctrTitle"/>
+          </p:nvPr>
+        </p:nvSpPr>
+        <p:spPr>
+          <a:xfrm>
+            <a:off x="2095500" y="3143250"/>
+            <a:ext cx="7362825" cy="1285875"/>
+          </a:xfrm>
+          <a:prstGeom prst="rect">
+            <a:avLst/>
+          </a:prstGeom>
+          <a:noFill/>
+          <a:ln w="9525">
+            <a:noFill/>
+          </a:ln>
+        </p:spPr>
+        <p:txBody>
+          <a:bodyPr anchor="b"/>
+          <a:lstStyle>
+            <a:lvl1pPr lvl="0">
+              <a:defRPr/>
+            </a:lvl1pPr>
+          </a:lstStyle>
+          <a:p>
+            <a:pPr lvl="0" algn="ctr" eaLnBrk="1" hangingPunct="1"/>
+            <a:r>
+              <a:rPr lang="en-US" altLang="zh-CN" sz="5400" dirty="0"/>
+              <a:t>Thank </a:t>
+            </a:r>
+            <a:r>
+              <a:rPr lang="en-US" altLang="zh-CN" sz="5400" dirty="0">
+                <a:solidFill>
+                  <a:srgbClr val="FF0000"/>
+                </a:solidFill>
+              </a:rPr>
+              <a:t>You</a:t>
+            </a:r>
+            <a:r>
+              <a:rPr lang="zh-CN" altLang="en-US" sz="5400" dirty="0"/>
+              <a:t>！</a:t>
+            </a:r>
+            <a:endParaRPr lang="zh-CN" altLang="zh-CN" sz="5400" dirty="0"/>
+          </a:p>
+        </p:txBody>
+      </p:sp>
+      <p:pic>
+        <p:nvPicPr>
+          <p:cNvPr id="73731" name="图片 3" descr="软院logo横版.png"/>
+          <p:cNvPicPr>
+            <a:picLocks noChangeAspect="1"/>
+          </p:cNvPicPr>
+          <p:nvPr/>
+        </p:nvPicPr>
+        <p:blipFill>
+          <a:blip r:embed="rId2"/>
+          <a:stretch>
+            <a:fillRect/>
+          </a:stretch>
+        </p:blipFill>
+        <p:spPr>
+          <a:xfrm>
+            <a:off x="2062163" y="5927725"/>
+            <a:ext cx="3381375" cy="527050"/>
+          </a:xfrm>
+          <a:prstGeom prst="rect">
+            <a:avLst/>
+          </a:prstGeom>
+          <a:noFill/>
+          <a:ln w="9525">
+            <a:noFill/>
+          </a:ln>
+        </p:spPr>
+      </p:pic>
+    </p:spTree>
+  </p:cSld>
+  <p:clrMapOvr>
+    <a:masterClrMapping/>
+  </p:clrMapOvr>
+</p:sld>
+</file>
+
+<file path=ppt/slides/slide2.xml><?xml version="1.0" encoding="utf-8"?>
+<p:sld xmlns:a="http://schemas.openxmlformats.org/drawingml/2006/main" xmlns:r="http://schemas.openxmlformats.org/officeDocument/2006/relationships" xmlns:p="http://schemas.openxmlformats.org/presentationml/2006/main">
+  <p:cSld>
+    <p:spTree>
+      <p:nvGrpSpPr>
+        <p:cNvPr id="1" name=""/>
+        <p:cNvGrpSpPr/>
+        <p:nvPr/>
+      </p:nvGrpSpPr>
+      <p:grpSpPr>
+        <a:xfrm>
+          <a:off x="0" y="0"/>
+          <a:ext cx="0" cy="0"/>
+          <a:chOff x="0" y="0"/>
+          <a:chExt cx="0" cy="0"/>
+        </a:xfrm>
+      </p:grpSpPr>
+      <p:sp>
+        <p:nvSpPr>
+          <p:cNvPr id="3" name="内容占位符 2"/>
+          <p:cNvSpPr>
+            <a:spLocks noGrp="1"/>
+          </p:cNvSpPr>
+          <p:nvPr/>
+        </p:nvSpPr>
+        <p:spPr>
+          <a:xfrm>
+            <a:off x="947204" y="236943"/>
+            <a:ext cx="8191557" cy="490476"/>
+          </a:xfrm>
+          <a:prstGeom prst="rect">
+            <a:avLst/>
+          </a:prstGeom>
+        </p:spPr>
+        <p:txBody>
+          <a:bodyPr/>
+          <a:lstStyle>
+            <a:lvl1pPr marL="167005" indent="-167005" algn="l" defTabSz="0" rtl="0" eaLnBrk="0" fontAlgn="base" hangingPunct="0">
+              <a:spcBef>
+                <a:spcPct val="0"/>
+              </a:spcBef>
+              <a:spcAft>
+                <a:spcPct val="15000"/>
+              </a:spcAft>
+              <a:buClr>
+                <a:schemeClr val="tx2"/>
+              </a:buClr>
+              <a:buFont typeface="Arial" panose="020B0604020202020204" pitchFamily="34" charset="0"/>
+              <a:buNone/>
+              <a:defRPr sz="3200" b="0">
+                <a:solidFill>
+                  <a:srgbClr val="C00000"/>
+                </a:solidFill>
+                <a:latin typeface="微软雅黑" panose="020B0503020204020204" pitchFamily="34" charset="-122"/>
+                <a:ea typeface="微软雅黑" panose="020B0503020204020204" pitchFamily="34" charset="-122"/>
+                <a:cs typeface="+mn-cs"/>
+              </a:defRPr>
+            </a:lvl1pPr>
+            <a:lvl2pPr marL="398780" indent="-230505" algn="l" defTabSz="0" rtl="0" eaLnBrk="0" fontAlgn="base" hangingPunct="0">
+              <a:spcBef>
+                <a:spcPct val="0"/>
+              </a:spcBef>
+              <a:spcAft>
+                <a:spcPct val="15000"/>
+              </a:spcAft>
+              <a:buClr>
+                <a:schemeClr val="tx2"/>
+              </a:buClr>
+              <a:buFont typeface="Arial" panose="020B0604020202020204" pitchFamily="34" charset="0"/>
+              <a:buChar char="–"/>
+              <a:defRPr sz="2000">
+                <a:solidFill>
+                  <a:schemeClr val="tx1"/>
+                </a:solidFill>
+                <a:latin typeface="微软雅黑" panose="020B0503020204020204" pitchFamily="34" charset="-122"/>
+                <a:ea typeface="微软雅黑" panose="020B0503020204020204" pitchFamily="34" charset="-122"/>
+              </a:defRPr>
+            </a:lvl2pPr>
+            <a:lvl3pPr marL="400050" indent="182880" algn="l" defTabSz="0" rtl="0" eaLnBrk="0" fontAlgn="base" hangingPunct="0">
+              <a:spcBef>
+                <a:spcPct val="0"/>
+              </a:spcBef>
+              <a:spcAft>
+                <a:spcPct val="15000"/>
+              </a:spcAft>
+              <a:buClr>
+                <a:schemeClr val="tx2"/>
+              </a:buClr>
+              <a:buFont typeface="Arial" panose="020B0604020202020204" pitchFamily="34" charset="0"/>
+              <a:buChar char="•"/>
+              <a:defRPr sz="1600">
+                <a:solidFill>
+                  <a:schemeClr val="tx1"/>
+                </a:solidFill>
+                <a:latin typeface="微软雅黑" panose="020B0503020204020204" pitchFamily="34" charset="-122"/>
+                <a:ea typeface="微软雅黑" panose="020B0503020204020204" pitchFamily="34" charset="-122"/>
+              </a:defRPr>
+            </a:lvl3pPr>
+            <a:lvl4pPr marL="825500" indent="-241300" algn="l" defTabSz="0" rtl="0" eaLnBrk="0" fontAlgn="base" hangingPunct="0">
+              <a:spcBef>
+                <a:spcPct val="0"/>
+              </a:spcBef>
+              <a:spcAft>
+                <a:spcPct val="15000"/>
+              </a:spcAft>
+              <a:buClr>
+                <a:schemeClr val="tx2"/>
+              </a:buClr>
+              <a:buFont typeface="Arial" panose="020B0604020202020204" pitchFamily="34" charset="0"/>
+              <a:buChar char="–"/>
+              <a:defRPr sz="1600">
+                <a:solidFill>
+                  <a:schemeClr val="tx1"/>
+                </a:solidFill>
+                <a:latin typeface="微软雅黑" panose="020B0503020204020204" pitchFamily="34" charset="-122"/>
+                <a:ea typeface="微软雅黑" panose="020B0503020204020204" pitchFamily="34" charset="-122"/>
+              </a:defRPr>
+            </a:lvl4pPr>
+            <a:lvl5pPr marL="2057400" indent="-228600" algn="l" defTabSz="0" rtl="0" eaLnBrk="0" fontAlgn="base" hangingPunct="0">
+              <a:spcBef>
+                <a:spcPct val="0"/>
+              </a:spcBef>
+              <a:spcAft>
+                <a:spcPct val="25000"/>
+              </a:spcAft>
+              <a:buClr>
+                <a:schemeClr val="tx2"/>
+              </a:buClr>
+              <a:buFont typeface="Arial" panose="020B0604020202020204" pitchFamily="34" charset="0"/>
+              <a:buChar char="–"/>
+              <a:defRPr sz="2000">
+                <a:solidFill>
+                  <a:schemeClr val="tx1"/>
+                </a:solidFill>
+                <a:latin typeface="+mn-lt"/>
+                <a:ea typeface="微软雅黑" panose="020B0503020204020204" pitchFamily="34" charset="-122"/>
+              </a:defRPr>
+            </a:lvl5pPr>
+            <a:lvl6pPr marL="2514600" indent="-228600" algn="l" defTabSz="0" rtl="0" eaLnBrk="0" fontAlgn="base" hangingPunct="0">
+              <a:spcBef>
+                <a:spcPct val="0"/>
+              </a:spcBef>
+              <a:spcAft>
+                <a:spcPct val="25000"/>
+              </a:spcAft>
+              <a:buClr>
+                <a:schemeClr val="tx2"/>
+              </a:buClr>
+              <a:buFont typeface="Arial" panose="020B0604020202020204" pitchFamily="34" charset="0"/>
+              <a:buChar char="–"/>
+              <a:defRPr>
+                <a:solidFill>
+                  <a:schemeClr val="tx1"/>
+                </a:solidFill>
+                <a:latin typeface="+mn-lt"/>
+              </a:defRPr>
+            </a:lvl6pPr>
+            <a:lvl7pPr marL="2971800" indent="-228600" algn="l" defTabSz="0" rtl="0" eaLnBrk="0" fontAlgn="base" hangingPunct="0">
+              <a:spcBef>
+                <a:spcPct val="0"/>
+              </a:spcBef>
+              <a:spcAft>
+                <a:spcPct val="25000"/>
+              </a:spcAft>
+              <a:buClr>
+                <a:schemeClr val="tx2"/>
+              </a:buClr>
+              <a:buFont typeface="Arial" panose="020B0604020202020204" pitchFamily="34" charset="0"/>
+              <a:buChar char="–"/>
+              <a:defRPr>
+                <a:solidFill>
+                  <a:schemeClr val="tx1"/>
+                </a:solidFill>
+                <a:latin typeface="+mn-lt"/>
+              </a:defRPr>
+            </a:lvl7pPr>
+            <a:lvl8pPr marL="3429000" indent="-228600" algn="l" defTabSz="0" rtl="0" eaLnBrk="0" fontAlgn="base" hangingPunct="0">
+              <a:spcBef>
+                <a:spcPct val="0"/>
+              </a:spcBef>
+              <a:spcAft>
+                <a:spcPct val="25000"/>
+              </a:spcAft>
+              <a:buClr>
+                <a:schemeClr val="tx2"/>
+              </a:buClr>
+              <a:buFont typeface="Arial" panose="020B0604020202020204" pitchFamily="34" charset="0"/>
+              <a:buChar char="–"/>
+              <a:defRPr>
+                <a:solidFill>
+                  <a:schemeClr val="tx1"/>
+                </a:solidFill>
+                <a:latin typeface="+mn-lt"/>
+              </a:defRPr>
+            </a:lvl8pPr>
+            <a:lvl9pPr marL="3886200" indent="-228600" algn="l" defTabSz="0" rtl="0" eaLnBrk="0" fontAlgn="base" hangingPunct="0">
+              <a:spcBef>
+                <a:spcPct val="0"/>
+              </a:spcBef>
+              <a:spcAft>
+                <a:spcPct val="25000"/>
+              </a:spcAft>
+              <a:buClr>
+                <a:schemeClr val="tx2"/>
+              </a:buClr>
+              <a:buFont typeface="Arial" panose="020B0604020202020204" pitchFamily="34" charset="0"/>
+              <a:buChar char="–"/>
+              <a:defRPr>
+                <a:solidFill>
+                  <a:schemeClr val="tx1"/>
+                </a:solidFill>
+                <a:latin typeface="+mn-lt"/>
+              </a:defRPr>
+            </a:lvl9pPr>
+          </a:lstStyle>
+          <a:p>
+            <a:r>
+              <a:rPr lang="zh-CN" dirty="0" smtClean="0"/>
+              <a:t>内容刚要</a:t>
+            </a:r>
+            <a:endParaRPr lang="zh-CN" dirty="0" smtClean="0"/>
+          </a:p>
+        </p:txBody>
+      </p:sp>
+      <p:sp>
+        <p:nvSpPr>
+          <p:cNvPr id="4" name="AutoShape 6"/>
+          <p:cNvSpPr>
+            <a:spLocks noChangeArrowheads="1"/>
+          </p:cNvSpPr>
+          <p:nvPr/>
+        </p:nvSpPr>
+        <p:spPr bwMode="auto">
+          <a:xfrm>
+            <a:off x="2739708" y="1261111"/>
+            <a:ext cx="6711950" cy="4214813"/>
+          </a:xfrm>
+          <a:prstGeom prst="roundRect">
+            <a:avLst>
+              <a:gd name="adj" fmla="val 16667"/>
+            </a:avLst>
+          </a:prstGeom>
+          <a:noFill/>
+          <a:ln w="28575">
+            <a:solidFill>
+              <a:srgbClr val="C0C0C0"/>
+            </a:solidFill>
+            <a:prstDash val="sysDot"/>
+            <a:round/>
+          </a:ln>
+          <a:extLst>
+            <a:ext uri="{909E8E84-426E-40DD-AFC4-6F175D3DCCD1}">
+              <a14:hiddenFill xmlns:a14="http://schemas.microsoft.com/office/drawing/2010/main">
+                <a:solidFill>
+                  <a:srgbClr val="FFFFFF"/>
+                </a:solidFill>
+              </a14:hiddenFill>
+            </a:ext>
+          </a:extLst>
+        </p:spPr>
+        <p:txBody>
+          <a:bodyPr wrap="none" anchor="ctr"/>
+          <a:lstStyle>
+            <a:lvl1pPr marL="457200" indent="-457200">
+              <a:defRPr sz="3200">
+                <a:solidFill>
+                  <a:schemeClr val="tx1"/>
+                </a:solidFill>
+                <a:latin typeface="Arial" panose="020B0604020202020204" pitchFamily="34" charset="0"/>
+                <a:ea typeface="微软雅黑" panose="020B0503020204020204" pitchFamily="34" charset="-122"/>
+              </a:defRPr>
+            </a:lvl1pPr>
+            <a:lvl2pPr marL="742950" indent="-285750">
+              <a:defRPr sz="3200">
+                <a:solidFill>
+                  <a:schemeClr val="tx1"/>
+                </a:solidFill>
+                <a:latin typeface="Arial" panose="020B0604020202020204" pitchFamily="34" charset="0"/>
+                <a:ea typeface="微软雅黑" panose="020B0503020204020204" pitchFamily="34" charset="-122"/>
+              </a:defRPr>
+            </a:lvl2pPr>
+            <a:lvl3pPr marL="1143000" indent="-228600">
+              <a:defRPr sz="3200">
+                <a:solidFill>
+                  <a:schemeClr val="tx1"/>
+                </a:solidFill>
+                <a:latin typeface="Arial" panose="020B0604020202020204" pitchFamily="34" charset="0"/>
+                <a:ea typeface="微软雅黑" panose="020B0503020204020204" pitchFamily="34" charset="-122"/>
+              </a:defRPr>
+            </a:lvl3pPr>
+            <a:lvl4pPr marL="1600200" indent="-228600">
+              <a:defRPr sz="3200">
+                <a:solidFill>
+                  <a:schemeClr val="tx1"/>
+                </a:solidFill>
+                <a:latin typeface="Arial" panose="020B0604020202020204" pitchFamily="34" charset="0"/>
+                <a:ea typeface="微软雅黑" panose="020B0503020204020204" pitchFamily="34" charset="-122"/>
+              </a:defRPr>
+            </a:lvl4pPr>
+            <a:lvl5pPr marL="2057400" indent="-228600">
+              <a:defRPr sz="3200">
+                <a:solidFill>
+                  <a:schemeClr val="tx1"/>
+                </a:solidFill>
+                <a:latin typeface="Arial" panose="020B0604020202020204" pitchFamily="34" charset="0"/>
+                <a:ea typeface="微软雅黑" panose="020B0503020204020204" pitchFamily="34" charset="-122"/>
+              </a:defRPr>
+            </a:lvl5pPr>
+            <a:lvl6pPr marL="2514600" indent="-228600" eaLnBrk="0" fontAlgn="base" hangingPunct="0">
+              <a:spcBef>
+                <a:spcPct val="0"/>
+              </a:spcBef>
+              <a:spcAft>
+                <a:spcPct val="0"/>
+              </a:spcAft>
+              <a:defRPr sz="3200">
+                <a:solidFill>
+                  <a:schemeClr val="tx1"/>
+                </a:solidFill>
+                <a:latin typeface="Arial" panose="020B0604020202020204" pitchFamily="34" charset="0"/>
+                <a:ea typeface="微软雅黑" panose="020B0503020204020204" pitchFamily="34" charset="-122"/>
+              </a:defRPr>
+            </a:lvl6pPr>
+            <a:lvl7pPr marL="2971800" indent="-228600" eaLnBrk="0" fontAlgn="base" hangingPunct="0">
+              <a:spcBef>
+                <a:spcPct val="0"/>
+              </a:spcBef>
+              <a:spcAft>
+                <a:spcPct val="0"/>
+              </a:spcAft>
+              <a:defRPr sz="3200">
+                <a:solidFill>
+                  <a:schemeClr val="tx1"/>
+                </a:solidFill>
+                <a:latin typeface="Arial" panose="020B0604020202020204" pitchFamily="34" charset="0"/>
+                <a:ea typeface="微软雅黑" panose="020B0503020204020204" pitchFamily="34" charset="-122"/>
+              </a:defRPr>
+            </a:lvl7pPr>
+            <a:lvl8pPr marL="3429000" indent="-228600" eaLnBrk="0" fontAlgn="base" hangingPunct="0">
+              <a:spcBef>
+                <a:spcPct val="0"/>
+              </a:spcBef>
+              <a:spcAft>
+                <a:spcPct val="0"/>
+              </a:spcAft>
+              <a:defRPr sz="3200">
+                <a:solidFill>
+                  <a:schemeClr val="tx1"/>
+                </a:solidFill>
+                <a:latin typeface="Arial" panose="020B0604020202020204" pitchFamily="34" charset="0"/>
+                <a:ea typeface="微软雅黑" panose="020B0503020204020204" pitchFamily="34" charset="-122"/>
+              </a:defRPr>
+            </a:lvl8pPr>
+            <a:lvl9pPr marL="3886200" indent="-228600" eaLnBrk="0" fontAlgn="base" hangingPunct="0">
+              <a:spcBef>
+                <a:spcPct val="0"/>
+              </a:spcBef>
+              <a:spcAft>
+                <a:spcPct val="0"/>
+              </a:spcAft>
+              <a:defRPr sz="3200">
+                <a:solidFill>
+                  <a:schemeClr val="tx1"/>
+                </a:solidFill>
+                <a:latin typeface="Arial" panose="020B0604020202020204" pitchFamily="34" charset="0"/>
+                <a:ea typeface="微软雅黑" panose="020B0503020204020204" pitchFamily="34" charset="-122"/>
+              </a:defRPr>
+            </a:lvl9pPr>
+          </a:lstStyle>
+          <a:p>
+            <a:pPr algn="l">
+              <a:lnSpc>
+                <a:spcPct val="150000"/>
+              </a:lnSpc>
+              <a:spcBef>
+                <a:spcPts val="1200"/>
+              </a:spcBef>
+              <a:spcAft>
+                <a:spcPts val="1200"/>
+              </a:spcAft>
+              <a:buClr>
+                <a:srgbClr val="92D050"/>
+              </a:buClr>
+              <a:buFont typeface="Wingdings" panose="05000000000000000000" pitchFamily="2" charset="2"/>
+              <a:buChar char="Ø"/>
+            </a:pPr>
+            <a:r>
+              <a:rPr lang="zh-CN" altLang="en-US" sz="2800" b="1">
+                <a:solidFill>
+                  <a:srgbClr val="FF0000"/>
+                </a:solidFill>
+              </a:rPr>
+              <a:t>循环</a:t>
+            </a:r>
+            <a:r>
+              <a:rPr lang="zh-CN" altLang="en-US" sz="2800" b="1">
+                <a:solidFill>
+                  <a:srgbClr val="FF0000"/>
+                </a:solidFill>
+                <a:sym typeface="+mn-ea"/>
+              </a:rPr>
+              <a:t>动画</a:t>
+            </a:r>
+            <a:endParaRPr lang="zh-CN" altLang="en-US" sz="2800" b="1">
+              <a:solidFill>
+                <a:srgbClr val="FF0000"/>
+              </a:solidFill>
+              <a:sym typeface="+mn-ea"/>
+            </a:endParaRPr>
+          </a:p>
+          <a:p>
+            <a:pPr algn="l">
+              <a:lnSpc>
+                <a:spcPct val="150000"/>
+              </a:lnSpc>
+              <a:spcBef>
+                <a:spcPts val="1200"/>
+              </a:spcBef>
+              <a:spcAft>
+                <a:spcPts val="1200"/>
+              </a:spcAft>
+              <a:buClr>
+                <a:srgbClr val="92D050"/>
+              </a:buClr>
+              <a:buFont typeface="Wingdings" panose="05000000000000000000" pitchFamily="2" charset="2"/>
+              <a:buChar char="Ø"/>
+            </a:pPr>
+            <a:r>
+              <a:rPr lang="zh-CN" altLang="en-US" sz="2800" b="1">
+                <a:sym typeface="+mn-ea"/>
+              </a:rPr>
+              <a:t>帧动画</a:t>
+            </a:r>
+            <a:endParaRPr lang="zh-CN" altLang="en-US" sz="2800" b="1">
+              <a:solidFill>
+                <a:schemeClr val="accent3"/>
+              </a:solidFill>
+              <a:sym typeface="+mn-ea"/>
+            </a:endParaRPr>
+          </a:p>
+          <a:p>
+            <a:pPr algn="l">
+              <a:lnSpc>
+                <a:spcPct val="150000"/>
+              </a:lnSpc>
+              <a:spcBef>
+                <a:spcPts val="1200"/>
+              </a:spcBef>
+              <a:spcAft>
+                <a:spcPts val="1200"/>
+              </a:spcAft>
+              <a:buClr>
+                <a:srgbClr val="92D050"/>
+              </a:buClr>
+              <a:buFont typeface="Wingdings" panose="05000000000000000000" pitchFamily="2" charset="2"/>
+              <a:buChar char="Ø"/>
+            </a:pPr>
+            <a:r>
+              <a:rPr lang="zh-CN" altLang="en-US" sz="2800" b="1">
+                <a:solidFill>
+                  <a:schemeClr val="tx1"/>
+                </a:solidFill>
+                <a:sym typeface="+mn-ea"/>
+              </a:rPr>
+              <a:t>重力与碰撞</a:t>
+            </a:r>
+            <a:endParaRPr lang="zh-CN" altLang="en-US" sz="2800" b="1">
+              <a:solidFill>
+                <a:schemeClr val="tx1"/>
+              </a:solidFill>
+              <a:sym typeface="+mn-ea"/>
+            </a:endParaRPr>
+          </a:p>
+        </p:txBody>
+      </p:sp>
+    </p:spTree>
+  </p:cSld>
+  <p:clrMapOvr>
+    <a:masterClrMapping/>
+  </p:clrMapOvr>
+  <p:timing>
+    <p:tnLst>
+      <p:par>
+        <p:cTn id="1" dur="indefinite" restart="never" nodeType="tmRoot"/>
+      </p:par>
+    </p:tnLst>
+  </p:timing>
+</p:sld>
+</file>
+
+<file path=ppt/slides/slide3.xml><?xml version="1.0" encoding="utf-8"?>
+<p:sld xmlns:a="http://schemas.openxmlformats.org/drawingml/2006/main" xmlns:r="http://schemas.openxmlformats.org/officeDocument/2006/relationships" xmlns:p="http://schemas.openxmlformats.org/presentationml/2006/main">
+  <p:cSld>
+    <p:spTree>
+      <p:nvGrpSpPr>
+        <p:cNvPr id="1" name=""/>
+        <p:cNvGrpSpPr/>
+        <p:nvPr/>
+      </p:nvGrpSpPr>
+      <p:grpSpPr>
+        <a:xfrm>
+          <a:off x="0" y="0"/>
+          <a:ext cx="0" cy="0"/>
+          <a:chOff x="0" y="0"/>
+          <a:chExt cx="0" cy="0"/>
+        </a:xfrm>
+      </p:grpSpPr>
+      <p:sp>
+        <p:nvSpPr>
+          <p:cNvPr id="5122" name="内容占位符 2"/>
+          <p:cNvSpPr>
+            <a:spLocks noGrp="1"/>
+          </p:cNvSpPr>
+          <p:nvPr>
+            <p:ph idx="1"/>
+          </p:nvPr>
+        </p:nvSpPr>
+        <p:spPr>
+          <a:xfrm>
+            <a:off x="896620" y="829945"/>
+            <a:ext cx="10385425" cy="5245100"/>
+          </a:xfrm>
+        </p:spPr>
+        <p:txBody>
+          <a:bodyPr/>
+          <a:lstStyle/>
+          <a:p>
+            <a:pPr>
+              <a:lnSpc>
+                <a:spcPct val="150000"/>
+              </a:lnSpc>
+              <a:spcBef>
+                <a:spcPts val="1000"/>
+              </a:spcBef>
+            </a:pPr>
+            <a:r>
+              <a:rPr lang="zh-CN" altLang="en-US" sz="2800" noProof="1">
+                <a:solidFill>
+                  <a:schemeClr val="tx1"/>
+                </a:solidFill>
+                <a:latin typeface="微软雅黑" panose="020B0503020204020204" pitchFamily="34" charset="-122"/>
+                <a:ea typeface="微软雅黑" panose="020B0503020204020204" pitchFamily="34" charset="-122"/>
+                <a:sym typeface="+mn-ea"/>
+              </a:rPr>
+              <a:t>循环动画方法</a:t>
+            </a:r>
+            <a:br>
+              <a:rPr lang="zh-CN" altLang="en-US" sz="2800" noProof="1">
+                <a:solidFill>
+                  <a:schemeClr val="tx1"/>
+                </a:solidFill>
+                <a:latin typeface="微软雅黑" panose="020B0503020204020204" pitchFamily="34" charset="-122"/>
+                <a:ea typeface="微软雅黑" panose="020B0503020204020204" pitchFamily="34" charset="-122"/>
+                <a:sym typeface="+mn-ea"/>
+              </a:rPr>
+            </a:br>
+            <a:r>
+              <a:rPr lang="en-US" altLang="zh-CN" sz="2000" noProof="1">
+                <a:solidFill>
+                  <a:schemeClr val="tx1"/>
+                </a:solidFill>
+                <a:latin typeface="微软雅黑" panose="020B0503020204020204" pitchFamily="34" charset="-122"/>
+                <a:ea typeface="微软雅黑" panose="020B0503020204020204" pitchFamily="34" charset="-122"/>
+                <a:sym typeface="+mn-ea"/>
+              </a:rPr>
+              <a:t>- window.setTimeOut</a:t>
+            </a:r>
+            <a:r>
+              <a:rPr lang="zh-CN" altLang="en-US" sz="2000" noProof="1">
+                <a:solidFill>
+                  <a:schemeClr val="tx1"/>
+                </a:solidFill>
+                <a:latin typeface="微软雅黑" panose="020B0503020204020204" pitchFamily="34" charset="-122"/>
+                <a:ea typeface="微软雅黑" panose="020B0503020204020204" pitchFamily="34" charset="-122"/>
+                <a:sym typeface="+mn-ea"/>
+              </a:rPr>
+              <a:t>（）</a:t>
+            </a:r>
+            <a:r>
+              <a:rPr lang="en-US" altLang="zh-CN" sz="2000" noProof="1">
+                <a:solidFill>
+                  <a:schemeClr val="tx1"/>
+                </a:solidFill>
+                <a:latin typeface="微软雅黑" panose="020B0503020204020204" pitchFamily="34" charset="-122"/>
+                <a:ea typeface="微软雅黑" panose="020B0503020204020204" pitchFamily="34" charset="-122"/>
+                <a:sym typeface="+mn-ea"/>
+              </a:rPr>
+              <a:t>   //	</a:t>
+            </a:r>
+            <a:r>
+              <a:rPr lang="zh-CN" altLang="en-US" sz="2000" noProof="1">
+                <a:solidFill>
+                  <a:schemeClr val="tx1"/>
+                </a:solidFill>
+                <a:latin typeface="微软雅黑" panose="020B0503020204020204" pitchFamily="34" charset="-122"/>
+                <a:ea typeface="微软雅黑" panose="020B0503020204020204" pitchFamily="34" charset="-122"/>
+                <a:sym typeface="+mn-ea"/>
+              </a:rPr>
+              <a:t>缺点：不准确，不适合用于动画</a:t>
+            </a:r>
+            <a:br>
+              <a:rPr lang="en-US" altLang="zh-CN" sz="2000" noProof="1">
+                <a:solidFill>
+                  <a:schemeClr val="tx1"/>
+                </a:solidFill>
+                <a:latin typeface="微软雅黑" panose="020B0503020204020204" pitchFamily="34" charset="-122"/>
+                <a:ea typeface="微软雅黑" panose="020B0503020204020204" pitchFamily="34" charset="-122"/>
+                <a:sym typeface="+mn-ea"/>
+              </a:rPr>
+            </a:br>
+            <a:r>
+              <a:rPr lang="en-US" altLang="zh-CN" sz="2000" noProof="1">
+                <a:solidFill>
+                  <a:schemeClr val="tx1"/>
+                </a:solidFill>
+                <a:latin typeface="微软雅黑" panose="020B0503020204020204" pitchFamily="34" charset="-122"/>
+                <a:ea typeface="微软雅黑" panose="020B0503020204020204" pitchFamily="34" charset="-122"/>
+                <a:sym typeface="+mn-ea"/>
+              </a:rPr>
+              <a:t>- window.setInterval</a:t>
+            </a:r>
+            <a:r>
+              <a:rPr lang="zh-CN" altLang="en-US" sz="2000" noProof="1">
+                <a:solidFill>
+                  <a:schemeClr val="tx1"/>
+                </a:solidFill>
+                <a:latin typeface="微软雅黑" panose="020B0503020204020204" pitchFamily="34" charset="-122"/>
+                <a:ea typeface="微软雅黑" panose="020B0503020204020204" pitchFamily="34" charset="-122"/>
+                <a:sym typeface="+mn-ea"/>
+              </a:rPr>
+              <a:t>（）</a:t>
+            </a:r>
+            <a:r>
+              <a:rPr lang="en-US" altLang="zh-CN" sz="2000" noProof="1">
+                <a:solidFill>
+                  <a:schemeClr val="tx1"/>
+                </a:solidFill>
+                <a:latin typeface="微软雅黑" panose="020B0503020204020204" pitchFamily="34" charset="-122"/>
+                <a:ea typeface="微软雅黑" panose="020B0503020204020204" pitchFamily="34" charset="-122"/>
+                <a:sym typeface="+mn-ea"/>
+              </a:rPr>
+              <a:t>    //</a:t>
+            </a:r>
+            <a:r>
+              <a:rPr lang="zh-CN" altLang="en-US" sz="2000" noProof="1">
+                <a:solidFill>
+                  <a:schemeClr val="tx1"/>
+                </a:solidFill>
+                <a:latin typeface="微软雅黑" panose="020B0503020204020204" pitchFamily="34" charset="-122"/>
+                <a:ea typeface="微软雅黑" panose="020B0503020204020204" pitchFamily="34" charset="-122"/>
+                <a:sym typeface="+mn-ea"/>
+              </a:rPr>
+              <a:t>同上</a:t>
+            </a:r>
+            <a:br>
+              <a:rPr lang="en-US" altLang="zh-CN" sz="2000" noProof="1">
+                <a:solidFill>
+                  <a:schemeClr val="tx1"/>
+                </a:solidFill>
+                <a:latin typeface="微软雅黑" panose="020B0503020204020204" pitchFamily="34" charset="-122"/>
+                <a:ea typeface="微软雅黑" panose="020B0503020204020204" pitchFamily="34" charset="-122"/>
+                <a:sym typeface="+mn-ea"/>
+              </a:rPr>
+            </a:br>
+            <a:r>
+              <a:rPr lang="en-US" altLang="zh-CN" sz="2000" noProof="1">
+                <a:solidFill>
+                  <a:schemeClr val="tx1"/>
+                </a:solidFill>
+                <a:latin typeface="微软雅黑" panose="020B0503020204020204" pitchFamily="34" charset="-122"/>
+                <a:ea typeface="微软雅黑" panose="020B0503020204020204" pitchFamily="34" charset="-122"/>
+                <a:sym typeface="+mn-ea"/>
+              </a:rPr>
+              <a:t>- window.requestAnimationFrame</a:t>
+            </a:r>
+            <a:r>
+              <a:rPr lang="zh-CN" altLang="en-US" sz="2000" noProof="1">
+                <a:solidFill>
+                  <a:schemeClr val="tx1"/>
+                </a:solidFill>
+                <a:latin typeface="微软雅黑" panose="020B0503020204020204" pitchFamily="34" charset="-122"/>
+                <a:ea typeface="微软雅黑" panose="020B0503020204020204" pitchFamily="34" charset="-122"/>
+                <a:sym typeface="+mn-ea"/>
+              </a:rPr>
+              <a:t>（）    </a:t>
+            </a:r>
+            <a:r>
+              <a:rPr lang="en-US" altLang="zh-CN" sz="2000" noProof="1">
+                <a:solidFill>
+                  <a:schemeClr val="tx1"/>
+                </a:solidFill>
+                <a:latin typeface="微软雅黑" panose="020B0503020204020204" pitchFamily="34" charset="-122"/>
+                <a:ea typeface="微软雅黑" panose="020B0503020204020204" pitchFamily="34" charset="-122"/>
+                <a:sym typeface="+mn-ea"/>
+              </a:rPr>
+              <a:t> //</a:t>
+            </a:r>
+            <a:r>
+              <a:rPr lang="zh-CN" altLang="en-US" sz="2000" noProof="1">
+                <a:solidFill>
+                  <a:schemeClr val="tx1"/>
+                </a:solidFill>
+                <a:latin typeface="微软雅黑" panose="020B0503020204020204" pitchFamily="34" charset="-122"/>
+                <a:ea typeface="微软雅黑" panose="020B0503020204020204" pitchFamily="34" charset="-122"/>
+                <a:sym typeface="+mn-ea"/>
+              </a:rPr>
+              <a:t>适合动画实现</a:t>
+            </a:r>
+            <a:endParaRPr lang="zh-CN" altLang="en-US" sz="2000" noProof="1">
+              <a:solidFill>
+                <a:schemeClr val="tx1"/>
+              </a:solidFill>
+              <a:latin typeface="微软雅黑" panose="020B0503020204020204" pitchFamily="34" charset="-122"/>
+              <a:ea typeface="微软雅黑" panose="020B0503020204020204" pitchFamily="34" charset="-122"/>
+              <a:sym typeface="+mn-ea"/>
+            </a:endParaRPr>
+          </a:p>
+          <a:p>
+            <a:pPr>
+              <a:lnSpc>
+                <a:spcPct val="150000"/>
+              </a:lnSpc>
+              <a:spcBef>
+                <a:spcPts val="1000"/>
+              </a:spcBef>
+            </a:pPr>
+            <a:r>
+              <a:rPr lang="zh-CN" altLang="en-US" sz="2800">
+                <a:solidFill>
+                  <a:schemeClr val="tx1"/>
+                </a:solidFill>
+                <a:sym typeface="+mn-ea"/>
+              </a:rPr>
+              <a:t>requestAnimationFrame兼容性问题</a:t>
+            </a:r>
+            <a:br>
+              <a:rPr lang="zh-CN" altLang="en-US" sz="2800">
+                <a:solidFill>
+                  <a:schemeClr val="tx1"/>
+                </a:solidFill>
+                <a:sym typeface="+mn-ea"/>
+              </a:rPr>
+            </a:br>
+            <a:r>
+              <a:rPr lang="en-US" altLang="zh-CN" sz="2000">
+                <a:solidFill>
+                  <a:schemeClr val="tx1"/>
+                </a:solidFill>
+                <a:sym typeface="+mn-ea"/>
+              </a:rPr>
+              <a:t>- </a:t>
+            </a:r>
+            <a:r>
+              <a:rPr lang="en-US" altLang="zh-CN" sz="2000">
+                <a:solidFill>
+                  <a:schemeClr val="tx1"/>
+                </a:solidFill>
+                <a:sym typeface="+mn-ea"/>
+              </a:rPr>
+              <a:t>window.</a:t>
+            </a:r>
+            <a:r>
+              <a:rPr lang="en-US" altLang="zh-CN" sz="2000">
+                <a:solidFill>
+                  <a:schemeClr val="tx1"/>
+                </a:solidFill>
+                <a:sym typeface="+mn-ea"/>
+              </a:rPr>
+              <a:t>webkitRequestAnimationFrame</a:t>
+            </a:r>
+            <a:r>
+              <a:rPr lang="zh-CN" altLang="en-US" sz="2000">
+                <a:solidFill>
+                  <a:schemeClr val="tx1"/>
+                </a:solidFill>
+                <a:sym typeface="+mn-ea"/>
+              </a:rPr>
+              <a:t>（）</a:t>
+            </a:r>
+            <a:br>
+              <a:rPr lang="en-US" altLang="zh-CN" sz="2000">
+                <a:solidFill>
+                  <a:schemeClr val="tx1"/>
+                </a:solidFill>
+                <a:sym typeface="+mn-ea"/>
+              </a:rPr>
+            </a:br>
+            <a:r>
+              <a:rPr lang="en-US" altLang="zh-CN" sz="2000">
+                <a:solidFill>
+                  <a:schemeClr val="tx1"/>
+                </a:solidFill>
+                <a:sym typeface="+mn-ea"/>
+              </a:rPr>
+              <a:t>- </a:t>
+            </a:r>
+            <a:r>
+              <a:rPr lang="en-US" altLang="zh-CN" sz="2000">
+                <a:solidFill>
+                  <a:schemeClr val="tx1"/>
+                </a:solidFill>
+                <a:sym typeface="+mn-ea"/>
+              </a:rPr>
+              <a:t>window.</a:t>
+            </a:r>
+            <a:r>
+              <a:rPr lang="en-US" altLang="zh-CN" sz="2000">
+                <a:solidFill>
+                  <a:schemeClr val="tx1"/>
+                </a:solidFill>
+                <a:sym typeface="+mn-ea"/>
+              </a:rPr>
+              <a:t>mozRequestAnimationFrame</a:t>
+            </a:r>
+            <a:r>
+              <a:rPr lang="zh-CN" altLang="en-US" sz="2000">
+                <a:solidFill>
+                  <a:schemeClr val="tx1"/>
+                </a:solidFill>
+                <a:sym typeface="+mn-ea"/>
+              </a:rPr>
+              <a:t>（）</a:t>
+            </a:r>
+            <a:br>
+              <a:rPr lang="en-US" altLang="zh-CN" sz="2000">
+                <a:solidFill>
+                  <a:schemeClr val="tx1"/>
+                </a:solidFill>
+                <a:sym typeface="+mn-ea"/>
+              </a:rPr>
+            </a:br>
+            <a:r>
+              <a:rPr lang="en-US" altLang="zh-CN" sz="2000">
+                <a:solidFill>
+                  <a:schemeClr val="tx1"/>
+                </a:solidFill>
+                <a:sym typeface="+mn-ea"/>
+              </a:rPr>
+              <a:t>- </a:t>
+            </a:r>
+            <a:r>
+              <a:rPr lang="en-US" altLang="zh-CN" sz="2000">
+                <a:solidFill>
+                  <a:schemeClr val="tx1"/>
+                </a:solidFill>
+                <a:sym typeface="+mn-ea"/>
+              </a:rPr>
+              <a:t>window.</a:t>
+            </a:r>
+            <a:r>
+              <a:rPr lang="en-US" altLang="zh-CN" sz="2000">
+                <a:solidFill>
+                  <a:schemeClr val="tx1"/>
+                </a:solidFill>
+                <a:sym typeface="+mn-ea"/>
+              </a:rPr>
+              <a:t>oRequestAnimationFrame</a:t>
+            </a:r>
+            <a:r>
+              <a:rPr lang="zh-CN" altLang="en-US" sz="2000">
+                <a:solidFill>
+                  <a:schemeClr val="tx1"/>
+                </a:solidFill>
+                <a:sym typeface="+mn-ea"/>
+              </a:rPr>
+              <a:t>（）</a:t>
+            </a:r>
+            <a:br>
+              <a:rPr lang="en-US" altLang="zh-CN" sz="2000">
+                <a:solidFill>
+                  <a:schemeClr val="tx1"/>
+                </a:solidFill>
+                <a:sym typeface="+mn-ea"/>
+              </a:rPr>
+            </a:br>
+            <a:r>
+              <a:rPr lang="en-US" altLang="zh-CN" sz="2000">
+                <a:solidFill>
+                  <a:schemeClr val="tx1"/>
+                </a:solidFill>
+                <a:sym typeface="+mn-ea"/>
+              </a:rPr>
+              <a:t>- </a:t>
+            </a:r>
+            <a:r>
+              <a:rPr lang="en-US" altLang="zh-CN" sz="2000">
+                <a:solidFill>
+                  <a:schemeClr val="tx1"/>
+                </a:solidFill>
+                <a:sym typeface="+mn-ea"/>
+              </a:rPr>
+              <a:t>window.</a:t>
+            </a:r>
+            <a:r>
+              <a:rPr lang="en-US" altLang="zh-CN" sz="2000">
+                <a:solidFill>
+                  <a:schemeClr val="tx1"/>
+                </a:solidFill>
+                <a:sym typeface="+mn-ea"/>
+              </a:rPr>
+              <a:t>msRequestAnimationFrame</a:t>
+            </a:r>
+            <a:r>
+              <a:rPr lang="zh-CN" altLang="en-US" sz="2000">
+                <a:solidFill>
+                  <a:schemeClr val="tx1"/>
+                </a:solidFill>
+                <a:sym typeface="+mn-ea"/>
+              </a:rPr>
+              <a:t>（）</a:t>
+            </a:r>
+            <a:endParaRPr lang="zh-CN" altLang="en-US" sz="2000" noProof="1">
+              <a:solidFill>
+                <a:schemeClr val="tx1"/>
+              </a:solidFill>
+              <a:latin typeface="微软雅黑" panose="020B0503020204020204" pitchFamily="34" charset="-122"/>
+              <a:ea typeface="微软雅黑" panose="020B0503020204020204" pitchFamily="34" charset="-122"/>
+              <a:sym typeface="+mn-ea"/>
+            </a:endParaRPr>
+          </a:p>
+          <a:p>
+            <a:pPr>
+              <a:lnSpc>
+                <a:spcPct val="150000"/>
+              </a:lnSpc>
+              <a:spcBef>
+                <a:spcPts val="1000"/>
+              </a:spcBef>
+            </a:pPr>
+            <a:endParaRPr lang="en-US" altLang="zh-CN" sz="2800" noProof="1">
+              <a:solidFill>
+                <a:schemeClr val="tx1"/>
+              </a:solidFill>
+              <a:latin typeface="微软雅黑" panose="020B0503020204020204" pitchFamily="34" charset="-122"/>
+              <a:ea typeface="微软雅黑" panose="020B0503020204020204" pitchFamily="34" charset="-122"/>
+            </a:endParaRPr>
+          </a:p>
+          <a:p>
+            <a:pPr marL="0" indent="0">
+              <a:buFont typeface="Wingdings 2" panose="05020102010507070707" pitchFamily="18" charset="2"/>
+              <a:buNone/>
+            </a:pPr>
+            <a:endParaRPr lang="en-US" altLang="zh-CN" noProof="1">
+              <a:solidFill>
+                <a:schemeClr val="tx1"/>
+              </a:solidFill>
+              <a:latin typeface="微软雅黑" panose="020B0503020204020204" pitchFamily="34" charset="-122"/>
+              <a:ea typeface="微软雅黑" panose="020B0503020204020204" pitchFamily="34" charset="-122"/>
+            </a:endParaRPr>
+          </a:p>
+        </p:txBody>
+      </p:sp>
+      <p:sp>
+        <p:nvSpPr>
+          <p:cNvPr id="2" name="内容占位符 1"/>
+          <p:cNvSpPr>
+            <a:spLocks noGrp="1"/>
+          </p:cNvSpPr>
+          <p:nvPr>
+            <p:ph sz="quarter" idx="11"/>
+          </p:nvPr>
+        </p:nvSpPr>
+        <p:spPr>
+          <a:xfrm>
+            <a:off x="947420" y="236855"/>
+            <a:ext cx="8415655" cy="490220"/>
+          </a:xfrm>
+        </p:spPr>
+        <p:txBody>
+          <a:bodyPr/>
+          <a:p>
+            <a:r>
+              <a:rPr kumimoji="0" lang="zh-CN" altLang="en-US" dirty="0"/>
+              <a:t>循环动画</a:t>
+            </a:r>
+            <a:endParaRPr kumimoji="0" lang="zh-CN" altLang="en-US" dirty="0"/>
+          </a:p>
+        </p:txBody>
+      </p:sp>
+    </p:spTree>
+  </p:cSld>
+  <p:clrMapOvr>
+    <a:masterClrMapping/>
+  </p:clrMapOvr>
+  <p:timing>
+    <p:tnLst>
+      <p:par>
+        <p:cTn id="1" dur="indefinite" restart="never" nodeType="tmRoot">
+          <p:childTnLst>
+            <p:seq concurrent="1" nextAc="seek">
+              <p:cTn id="2" dur="indefinite" nodeType="mainSeq">
+                <p:childTnLst>
+                  <p:par>
+                    <p:cTn id="3" fill="hold">
+                      <p:stCondLst>
+                        <p:cond delay="indefinite"/>
+                      </p:stCondLst>
+                      <p:childTnLst>
+                        <p:par>
+                          <p:cTn id="4" fill="hold">
+                            <p:stCondLst>
+                              <p:cond delay="0"/>
+                            </p:stCondLst>
+                            <p:childTnLst>
+                              <p:par>
+                                <p:cTn id="5" presetID="2" presetClass="entr" presetSubtype="4" fill="hold" nodeType="clickEffect">
+                                  <p:stCondLst>
+                                    <p:cond delay="0"/>
+                                  </p:stCondLst>
+                                  <p:childTnLst>
+                                    <p:set>
+                                      <p:cBhvr>
+                                        <p:cTn id="6" dur="1" fill="hold">
+                                          <p:stCondLst>
+                                            <p:cond delay="0"/>
+                                          </p:stCondLst>
+                                        </p:cTn>
+                                        <p:tgtEl>
+                                          <p:spTgt spid="5122">
+                                            <p:txEl>
+                                              <p:pRg st="0" end="0"/>
+                                            </p:txEl>
+                                          </p:spTgt>
+                                        </p:tgtEl>
+                                        <p:attrNameLst>
+                                          <p:attrName>style.visibility</p:attrName>
+                                        </p:attrNameLst>
+                                      </p:cBhvr>
+                                      <p:to>
+                                        <p:strVal val="visible"/>
+                                      </p:to>
+                                    </p:set>
+                                    <p:anim calcmode="lin" valueType="num">
+                                      <p:cBhvr additive="base">
+                                        <p:cTn id="7" dur="500" fill="hold"/>
+                                        <p:tgtEl>
+                                          <p:spTgt spid="5122">
+                                            <p:txEl>
+                                              <p:pRg st="0" end="0"/>
+                                            </p:txEl>
+                                          </p:spTgt>
+                                        </p:tgtEl>
+                                        <p:attrNameLst>
+                                          <p:attrName>ppt_x</p:attrName>
+                                        </p:attrNameLst>
+                                      </p:cBhvr>
+                                      <p:tavLst>
+                                        <p:tav tm="0">
+                                          <p:val>
+                                            <p:strVal val="#ppt_x"/>
+                                          </p:val>
+                                        </p:tav>
+                                        <p:tav tm="100000">
+                                          <p:val>
+                                            <p:strVal val="#ppt_x"/>
+                                          </p:val>
+                                        </p:tav>
+                                      </p:tavLst>
+                                    </p:anim>
+                                    <p:anim calcmode="lin" valueType="num">
+                                      <p:cBhvr additive="base">
+                                        <p:cTn id="8" dur="500" fill="hold"/>
+                                        <p:tgtEl>
+                                          <p:spTgt spid="5122">
+                                            <p:txEl>
+                                              <p:pRg st="0" end="0"/>
+                                            </p:txEl>
+                                          </p:spTgt>
+                                        </p:tgtEl>
+                                        <p:attrNameLst>
+                                          <p:attrName>ppt_y</p:attrName>
+                                        </p:attrNameLst>
+                                      </p:cBhvr>
+                                      <p:tavLst>
+                                        <p:tav tm="0">
+                                          <p:val>
+                                            <p:strVal val="1+#ppt_h/2"/>
+                                          </p:val>
+                                        </p:tav>
+                                        <p:tav tm="100000">
+                                          <p:val>
+                                            <p:strVal val="#ppt_y"/>
+                                          </p:val>
+                                        </p:tav>
+                                      </p:tavLst>
+                                    </p:anim>
+                                  </p:childTnLst>
+                                </p:cTn>
+                              </p:par>
+                            </p:childTnLst>
+                          </p:cTn>
+                        </p:par>
+                      </p:childTnLst>
+                    </p:cTn>
+                  </p:par>
+                  <p:par>
+                    <p:cTn id="9" fill="hold">
+                      <p:stCondLst>
+                        <p:cond delay="indefinite"/>
+                      </p:stCondLst>
+                      <p:childTnLst>
+                        <p:par>
+                          <p:cTn id="10" fill="hold">
+                            <p:stCondLst>
+                              <p:cond delay="0"/>
+                            </p:stCondLst>
+                            <p:childTnLst>
+                              <p:par>
+                                <p:cTn id="11" presetID="2" presetClass="entr" presetSubtype="4" fill="hold" nodeType="clickEffect">
+                                  <p:stCondLst>
+                                    <p:cond delay="0"/>
+                                  </p:stCondLst>
+                                  <p:childTnLst>
+                                    <p:set>
+                                      <p:cBhvr>
+                                        <p:cTn id="12" dur="1" fill="hold">
+                                          <p:stCondLst>
+                                            <p:cond delay="0"/>
+                                          </p:stCondLst>
+                                        </p:cTn>
+                                        <p:tgtEl>
+                                          <p:spTgt spid="5122">
+                                            <p:txEl>
+                                              <p:pRg st="1" end="1"/>
+                                            </p:txEl>
+                                          </p:spTgt>
+                                        </p:tgtEl>
+                                        <p:attrNameLst>
+                                          <p:attrName>style.visibility</p:attrName>
+                                        </p:attrNameLst>
+                                      </p:cBhvr>
+                                      <p:to>
+                                        <p:strVal val="visible"/>
+                                      </p:to>
+                                    </p:set>
+                                    <p:anim calcmode="lin" valueType="num">
+                                      <p:cBhvr additive="base">
+                                        <p:cTn id="13" dur="500" fill="hold"/>
+                                        <p:tgtEl>
+                                          <p:spTgt spid="5122">
+                                            <p:txEl>
+                                              <p:pRg st="1" end="1"/>
+                                            </p:txEl>
+                                          </p:spTgt>
+                                        </p:tgtEl>
+                                        <p:attrNameLst>
+                                          <p:attrName>ppt_x</p:attrName>
+                                        </p:attrNameLst>
+                                      </p:cBhvr>
+                                      <p:tavLst>
+                                        <p:tav tm="0">
+                                          <p:val>
+                                            <p:strVal val="#ppt_x"/>
+                                          </p:val>
+                                        </p:tav>
+                                        <p:tav tm="100000">
+                                          <p:val>
+                                            <p:strVal val="#ppt_x"/>
+                                          </p:val>
+                                        </p:tav>
+                                      </p:tavLst>
+                                    </p:anim>
+                                    <p:anim calcmode="lin" valueType="num">
+                                      <p:cBhvr additive="base">
+                                        <p:cTn id="14" dur="500" fill="hold"/>
+                                        <p:tgtEl>
+                                          <p:spTgt spid="5122">
+                                            <p:txEl>
+                                              <p:pRg st="1" end="1"/>
+                                            </p:txEl>
+                                          </p:spTgt>
+                                        </p:tgtEl>
+                                        <p:attrNameLst>
+                                          <p:attrName>ppt_y</p:attrName>
+                                        </p:attrNameLst>
+                                      </p:cBhvr>
+                                      <p:tavLst>
+                                        <p:tav tm="0">
+                                          <p:val>
+                                            <p:strVal val="1+#ppt_h/2"/>
+                                          </p:val>
+                                        </p:tav>
+                                        <p:tav tm="100000">
+                                          <p:val>
+                                            <p:strVal val="#ppt_y"/>
+                                          </p:val>
+                                        </p:tav>
+                                      </p:tavLst>
+                                    </p:anim>
+                                  </p:childTnLst>
+                                </p:cTn>
+                              </p:par>
+                            </p:childTnLst>
+                          </p:cTn>
+                        </p:par>
+                      </p:childTnLst>
+                    </p:cTn>
+                  </p:par>
+                </p:childTnLst>
+              </p:cTn>
+              <p:prevCondLst>
+                <p:cond evt="onPrev" delay="0">
+                  <p:tgtEl>
+                    <p:sldTgt/>
+                  </p:tgtEl>
+                </p:cond>
+              </p:prevCondLst>
+              <p:nextCondLst>
+                <p:cond evt="onNext" delay="0">
+                  <p:tgtEl>
+                    <p:sldTgt/>
+                  </p:tgtEl>
+                </p:cond>
+              </p:nextCondLst>
+            </p:seq>
+          </p:childTnLst>
+        </p:cTn>
+      </p:par>
+    </p:tnLst>
+  </p:timing>
+</p:sld>
+</file>
+
+<file path=ppt/slides/slide4.xml><?xml version="1.0" encoding="utf-8"?>
+<p:sld xmlns:a="http://schemas.openxmlformats.org/drawingml/2006/main" xmlns:r="http://schemas.openxmlformats.org/officeDocument/2006/relationships" xmlns:p="http://schemas.openxmlformats.org/presentationml/2006/main">
+  <p:cSld>
+    <p:spTree>
+      <p:nvGrpSpPr>
+        <p:cNvPr id="1" name=""/>
+        <p:cNvGrpSpPr/>
+        <p:nvPr/>
+      </p:nvGrpSpPr>
+      <p:grpSpPr>
+        <a:xfrm>
+          <a:off x="0" y="0"/>
+          <a:ext cx="0" cy="0"/>
+          <a:chOff x="0" y="0"/>
+          <a:chExt cx="0" cy="0"/>
+        </a:xfrm>
+      </p:grpSpPr>
+      <p:sp>
+        <p:nvSpPr>
+          <p:cNvPr id="5122" name="内容占位符 2"/>
+          <p:cNvSpPr>
+            <a:spLocks noGrp="1"/>
+          </p:cNvSpPr>
+          <p:nvPr>
+            <p:ph idx="1"/>
+          </p:nvPr>
+        </p:nvSpPr>
+        <p:spPr>
+          <a:xfrm>
+            <a:off x="896620" y="829945"/>
+            <a:ext cx="10385425" cy="5245100"/>
+          </a:xfrm>
+        </p:spPr>
+        <p:txBody>
+          <a:bodyPr/>
+          <a:lstStyle/>
+          <a:p>
+            <a:pPr>
+              <a:lnSpc>
+                <a:spcPct val="150000"/>
+              </a:lnSpc>
+              <a:spcBef>
+                <a:spcPts val="1000"/>
+              </a:spcBef>
+            </a:pPr>
+            <a:r>
+              <a:rPr lang="en-US" altLang="zh-CN" sz="2800" noProof="1">
+                <a:solidFill>
+                  <a:schemeClr val="tx1"/>
+                </a:solidFill>
+                <a:latin typeface="微软雅黑" panose="020B0503020204020204" pitchFamily="34" charset="-122"/>
+                <a:ea typeface="微软雅黑" panose="020B0503020204020204" pitchFamily="34" charset="-122"/>
+                <a:sym typeface="+mn-ea"/>
+              </a:rPr>
+              <a:t>requestAnimationFrame</a:t>
+            </a:r>
+            <a:r>
+              <a:rPr lang="zh-CN" altLang="en-US" sz="2800" noProof="1">
+                <a:solidFill>
+                  <a:schemeClr val="tx1"/>
+                </a:solidFill>
+                <a:latin typeface="微软雅黑" panose="020B0503020204020204" pitchFamily="34" charset="-122"/>
+                <a:ea typeface="微软雅黑" panose="020B0503020204020204" pitchFamily="34" charset="-122"/>
+                <a:sym typeface="+mn-ea"/>
+              </a:rPr>
+              <a:t>兼容性问题</a:t>
             </a:r>
             <a:br>
               <a:rPr lang="zh-CN" altLang="en-US" sz="2800" noProof="1">
@@ -2621,76 +4673,15 @@
           <a:p>
             <a:r>
               <a:rPr kumimoji="0" lang="zh-CN" altLang="en-US" dirty="0"/>
-              <a:t>重力与碰撞</a:t>
+              <a:t>循环动画</a:t>
             </a:r>
             <a:endParaRPr kumimoji="0" lang="zh-CN" altLang="en-US" dirty="0"/>
           </a:p>
         </p:txBody>
       </p:sp>
-      <p:sp>
-        <p:nvSpPr>
-          <p:cNvPr id="16" name="文本框 15"/>
-          <p:cNvSpPr txBox="1"/>
-          <p:nvPr/>
-        </p:nvSpPr>
-        <p:spPr>
-          <a:xfrm>
-            <a:off x="6143625" y="6075045"/>
-            <a:ext cx="5433060" cy="429895"/>
-          </a:xfrm>
-          <a:prstGeom prst="rect">
-            <a:avLst/>
-          </a:prstGeom>
-          <a:noFill/>
-        </p:spPr>
-        <p:txBody>
-          <a:bodyPr wrap="square" rtlCol="0">
-            <a:spAutoFit/>
-          </a:bodyPr>
-          <a:p>
-            <a:pPr algn="l"/>
-            <a:r>
-              <a:rPr lang="zh-CN" sz="2200">
-                <a:solidFill>
-                  <a:srgbClr val="FF0000"/>
-                </a:solidFill>
-                <a:latin typeface="+mn-ea"/>
-                <a:ea typeface="+mn-ea"/>
-                <a:sym typeface="+mn-ea"/>
-              </a:rPr>
-              <a:t>参见实例：</a:t>
-            </a:r>
-            <a:endParaRPr lang="zh-CN" sz="2200">
-              <a:solidFill>
-                <a:srgbClr val="FF0000"/>
-              </a:solidFill>
-              <a:latin typeface="+mn-ea"/>
-              <a:ea typeface="+mn-ea"/>
-            </a:endParaRPr>
-          </a:p>
-        </p:txBody>
-      </p:sp>
-    </p:spTree>
-  </p:cSld>
-  <p:clrMapOvr>
-    <a:masterClrMapping/>
-  </p:clrMapOvr>
-</p:sld>
-</file>
-
-<file path=ppt/slides/slide11.xml><?xml version="1.0" encoding="utf-8"?>
-<p:sld xmlns:a="http://schemas.openxmlformats.org/drawingml/2006/main" xmlns:r="http://schemas.openxmlformats.org/officeDocument/2006/relationships" xmlns:p="http://schemas.openxmlformats.org/presentationml/2006/main">
-  <p:cSld>
-    <p:spTree>
-      <p:nvGrpSpPr>
-        <p:cNvPr id="1" name=""/>
-        <p:cNvGrpSpPr/>
-        <p:nvPr/>
-      </p:nvGrpSpPr>
-      <p:grpSpPr/>
       <p:pic>
         <p:nvPicPr>
-          <p:cNvPr id="73729" name="Picture 5"/>
+          <p:cNvPr id="3" name="图片 2"/>
           <p:cNvPicPr>
             <a:picLocks noChangeAspect="1"/>
           </p:cNvPicPr>
@@ -2704,581 +4695,14 @@
         </p:blipFill>
         <p:spPr>
           <a:xfrm>
-            <a:off x="-8890" y="0"/>
-            <a:ext cx="12195175" cy="6858000"/>
-          </a:xfrm>
-          <a:prstGeom prst="rect">
-            <a:avLst/>
-          </a:prstGeom>
-          <a:noFill/>
-          <a:ln w="9525">
-            <a:noFill/>
-          </a:ln>
-        </p:spPr>
-      </p:pic>
-      <p:sp>
-        <p:nvSpPr>
-          <p:cNvPr id="73730" name="Rectangle 6"/>
-          <p:cNvSpPr>
-            <a:spLocks noGrp="1"/>
-          </p:cNvSpPr>
-          <p:nvPr>
-            <p:ph type="ctrTitle"/>
-          </p:nvPr>
-        </p:nvSpPr>
-        <p:spPr>
-          <a:xfrm>
-            <a:off x="2095500" y="3143250"/>
-            <a:ext cx="7362825" cy="1285875"/>
-          </a:xfrm>
-          <a:prstGeom prst="rect">
-            <a:avLst/>
-          </a:prstGeom>
-          <a:noFill/>
-          <a:ln w="9525">
-            <a:noFill/>
-          </a:ln>
-        </p:spPr>
-        <p:txBody>
-          <a:bodyPr anchor="b"/>
-          <a:lstStyle>
-            <a:lvl1pPr lvl="0">
-              <a:defRPr/>
-            </a:lvl1pPr>
-          </a:lstStyle>
-          <a:p>
-            <a:pPr lvl="0" algn="ctr" eaLnBrk="1" hangingPunct="1"/>
-            <a:r>
-              <a:rPr lang="en-US" altLang="zh-CN" sz="5400" dirty="0"/>
-              <a:t>Thank </a:t>
-            </a:r>
-            <a:r>
-              <a:rPr lang="en-US" altLang="zh-CN" sz="5400" dirty="0">
-                <a:solidFill>
-                  <a:srgbClr val="FF0000"/>
-                </a:solidFill>
-              </a:rPr>
-              <a:t>You</a:t>
-            </a:r>
-            <a:r>
-              <a:rPr lang="zh-CN" altLang="en-US" sz="5400" dirty="0"/>
-              <a:t>！</a:t>
-            </a:r>
-            <a:endParaRPr lang="zh-CN" altLang="zh-CN" sz="5400" dirty="0"/>
-          </a:p>
-        </p:txBody>
-      </p:sp>
-      <p:pic>
-        <p:nvPicPr>
-          <p:cNvPr id="73731" name="图片 3" descr="软院logo横版.png"/>
-          <p:cNvPicPr>
-            <a:picLocks noChangeAspect="1"/>
-          </p:cNvPicPr>
-          <p:nvPr/>
-        </p:nvPicPr>
-        <p:blipFill>
-          <a:blip r:embed="rId2"/>
-          <a:stretch>
-            <a:fillRect/>
-          </a:stretch>
-        </p:blipFill>
-        <p:spPr>
-          <a:xfrm>
-            <a:off x="2062163" y="5927725"/>
-            <a:ext cx="3381375" cy="527050"/>
-          </a:xfrm>
-          <a:prstGeom prst="rect">
-            <a:avLst/>
-          </a:prstGeom>
-          <a:noFill/>
-          <a:ln w="9525">
-            <a:noFill/>
-          </a:ln>
-        </p:spPr>
-      </p:pic>
-    </p:spTree>
-  </p:cSld>
-  <p:clrMapOvr>
-    <a:masterClrMapping/>
-  </p:clrMapOvr>
-</p:sld>
-</file>
-
-<file path=ppt/slides/slide2.xml><?xml version="1.0" encoding="utf-8"?>
-<p:sld xmlns:a="http://schemas.openxmlformats.org/drawingml/2006/main" xmlns:r="http://schemas.openxmlformats.org/officeDocument/2006/relationships" xmlns:p="http://schemas.openxmlformats.org/presentationml/2006/main">
-  <p:cSld>
-    <p:spTree>
-      <p:nvGrpSpPr>
-        <p:cNvPr id="1" name=""/>
-        <p:cNvGrpSpPr/>
-        <p:nvPr/>
-      </p:nvGrpSpPr>
-      <p:grpSpPr>
-        <a:xfrm>
-          <a:off x="0" y="0"/>
-          <a:ext cx="0" cy="0"/>
-          <a:chOff x="0" y="0"/>
-          <a:chExt cx="0" cy="0"/>
-        </a:xfrm>
-      </p:grpSpPr>
-      <p:sp>
-        <p:nvSpPr>
-          <p:cNvPr id="3" name="内容占位符 2"/>
-          <p:cNvSpPr>
-            <a:spLocks noGrp="1"/>
-          </p:cNvSpPr>
-          <p:nvPr/>
-        </p:nvSpPr>
-        <p:spPr>
-          <a:xfrm>
-            <a:off x="947204" y="236943"/>
-            <a:ext cx="8191557" cy="490476"/>
+            <a:off x="1788160" y="1563370"/>
+            <a:ext cx="8615680" cy="4352290"/>
           </a:xfrm>
           <a:prstGeom prst="rect">
             <a:avLst/>
           </a:prstGeom>
         </p:spPr>
-        <p:txBody>
-          <a:bodyPr/>
-          <a:lstStyle>
-            <a:lvl1pPr marL="167005" indent="-167005" algn="l" defTabSz="0" rtl="0" eaLnBrk="0" fontAlgn="base" hangingPunct="0">
-              <a:spcBef>
-                <a:spcPct val="0"/>
-              </a:spcBef>
-              <a:spcAft>
-                <a:spcPct val="15000"/>
-              </a:spcAft>
-              <a:buClr>
-                <a:schemeClr val="tx2"/>
-              </a:buClr>
-              <a:buFont typeface="Arial" panose="020B0604020202020204" pitchFamily="34" charset="0"/>
-              <a:buNone/>
-              <a:defRPr sz="3200" b="0">
-                <a:solidFill>
-                  <a:srgbClr val="C00000"/>
-                </a:solidFill>
-                <a:latin typeface="微软雅黑" panose="020B0503020204020204" pitchFamily="34" charset="-122"/>
-                <a:ea typeface="微软雅黑" panose="020B0503020204020204" pitchFamily="34" charset="-122"/>
-                <a:cs typeface="+mn-cs"/>
-              </a:defRPr>
-            </a:lvl1pPr>
-            <a:lvl2pPr marL="398780" indent="-230505" algn="l" defTabSz="0" rtl="0" eaLnBrk="0" fontAlgn="base" hangingPunct="0">
-              <a:spcBef>
-                <a:spcPct val="0"/>
-              </a:spcBef>
-              <a:spcAft>
-                <a:spcPct val="15000"/>
-              </a:spcAft>
-              <a:buClr>
-                <a:schemeClr val="tx2"/>
-              </a:buClr>
-              <a:buFont typeface="Arial" panose="020B0604020202020204" pitchFamily="34" charset="0"/>
-              <a:buChar char="–"/>
-              <a:defRPr sz="2000">
-                <a:solidFill>
-                  <a:schemeClr val="tx1"/>
-                </a:solidFill>
-                <a:latin typeface="微软雅黑" panose="020B0503020204020204" pitchFamily="34" charset="-122"/>
-                <a:ea typeface="微软雅黑" panose="020B0503020204020204" pitchFamily="34" charset="-122"/>
-              </a:defRPr>
-            </a:lvl2pPr>
-            <a:lvl3pPr marL="400050" indent="182880" algn="l" defTabSz="0" rtl="0" eaLnBrk="0" fontAlgn="base" hangingPunct="0">
-              <a:spcBef>
-                <a:spcPct val="0"/>
-              </a:spcBef>
-              <a:spcAft>
-                <a:spcPct val="15000"/>
-              </a:spcAft>
-              <a:buClr>
-                <a:schemeClr val="tx2"/>
-              </a:buClr>
-              <a:buFont typeface="Arial" panose="020B0604020202020204" pitchFamily="34" charset="0"/>
-              <a:buChar char="•"/>
-              <a:defRPr sz="1600">
-                <a:solidFill>
-                  <a:schemeClr val="tx1"/>
-                </a:solidFill>
-                <a:latin typeface="微软雅黑" panose="020B0503020204020204" pitchFamily="34" charset="-122"/>
-                <a:ea typeface="微软雅黑" panose="020B0503020204020204" pitchFamily="34" charset="-122"/>
-              </a:defRPr>
-            </a:lvl3pPr>
-            <a:lvl4pPr marL="825500" indent="-241300" algn="l" defTabSz="0" rtl="0" eaLnBrk="0" fontAlgn="base" hangingPunct="0">
-              <a:spcBef>
-                <a:spcPct val="0"/>
-              </a:spcBef>
-              <a:spcAft>
-                <a:spcPct val="15000"/>
-              </a:spcAft>
-              <a:buClr>
-                <a:schemeClr val="tx2"/>
-              </a:buClr>
-              <a:buFont typeface="Arial" panose="020B0604020202020204" pitchFamily="34" charset="0"/>
-              <a:buChar char="–"/>
-              <a:defRPr sz="1600">
-                <a:solidFill>
-                  <a:schemeClr val="tx1"/>
-                </a:solidFill>
-                <a:latin typeface="微软雅黑" panose="020B0503020204020204" pitchFamily="34" charset="-122"/>
-                <a:ea typeface="微软雅黑" panose="020B0503020204020204" pitchFamily="34" charset="-122"/>
-              </a:defRPr>
-            </a:lvl4pPr>
-            <a:lvl5pPr marL="2057400" indent="-228600" algn="l" defTabSz="0" rtl="0" eaLnBrk="0" fontAlgn="base" hangingPunct="0">
-              <a:spcBef>
-                <a:spcPct val="0"/>
-              </a:spcBef>
-              <a:spcAft>
-                <a:spcPct val="25000"/>
-              </a:spcAft>
-              <a:buClr>
-                <a:schemeClr val="tx2"/>
-              </a:buClr>
-              <a:buFont typeface="Arial" panose="020B0604020202020204" pitchFamily="34" charset="0"/>
-              <a:buChar char="–"/>
-              <a:defRPr sz="2000">
-                <a:solidFill>
-                  <a:schemeClr val="tx1"/>
-                </a:solidFill>
-                <a:latin typeface="+mn-lt"/>
-                <a:ea typeface="微软雅黑" panose="020B0503020204020204" pitchFamily="34" charset="-122"/>
-              </a:defRPr>
-            </a:lvl5pPr>
-            <a:lvl6pPr marL="2514600" indent="-228600" algn="l" defTabSz="0" rtl="0" eaLnBrk="0" fontAlgn="base" hangingPunct="0">
-              <a:spcBef>
-                <a:spcPct val="0"/>
-              </a:spcBef>
-              <a:spcAft>
-                <a:spcPct val="25000"/>
-              </a:spcAft>
-              <a:buClr>
-                <a:schemeClr val="tx2"/>
-              </a:buClr>
-              <a:buFont typeface="Arial" panose="020B0604020202020204" pitchFamily="34" charset="0"/>
-              <a:buChar char="–"/>
-              <a:defRPr>
-                <a:solidFill>
-                  <a:schemeClr val="tx1"/>
-                </a:solidFill>
-                <a:latin typeface="+mn-lt"/>
-              </a:defRPr>
-            </a:lvl6pPr>
-            <a:lvl7pPr marL="2971800" indent="-228600" algn="l" defTabSz="0" rtl="0" eaLnBrk="0" fontAlgn="base" hangingPunct="0">
-              <a:spcBef>
-                <a:spcPct val="0"/>
-              </a:spcBef>
-              <a:spcAft>
-                <a:spcPct val="25000"/>
-              </a:spcAft>
-              <a:buClr>
-                <a:schemeClr val="tx2"/>
-              </a:buClr>
-              <a:buFont typeface="Arial" panose="020B0604020202020204" pitchFamily="34" charset="0"/>
-              <a:buChar char="–"/>
-              <a:defRPr>
-                <a:solidFill>
-                  <a:schemeClr val="tx1"/>
-                </a:solidFill>
-                <a:latin typeface="+mn-lt"/>
-              </a:defRPr>
-            </a:lvl7pPr>
-            <a:lvl8pPr marL="3429000" indent="-228600" algn="l" defTabSz="0" rtl="0" eaLnBrk="0" fontAlgn="base" hangingPunct="0">
-              <a:spcBef>
-                <a:spcPct val="0"/>
-              </a:spcBef>
-              <a:spcAft>
-                <a:spcPct val="25000"/>
-              </a:spcAft>
-              <a:buClr>
-                <a:schemeClr val="tx2"/>
-              </a:buClr>
-              <a:buFont typeface="Arial" panose="020B0604020202020204" pitchFamily="34" charset="0"/>
-              <a:buChar char="–"/>
-              <a:defRPr>
-                <a:solidFill>
-                  <a:schemeClr val="tx1"/>
-                </a:solidFill>
-                <a:latin typeface="+mn-lt"/>
-              </a:defRPr>
-            </a:lvl8pPr>
-            <a:lvl9pPr marL="3886200" indent="-228600" algn="l" defTabSz="0" rtl="0" eaLnBrk="0" fontAlgn="base" hangingPunct="0">
-              <a:spcBef>
-                <a:spcPct val="0"/>
-              </a:spcBef>
-              <a:spcAft>
-                <a:spcPct val="25000"/>
-              </a:spcAft>
-              <a:buClr>
-                <a:schemeClr val="tx2"/>
-              </a:buClr>
-              <a:buFont typeface="Arial" panose="020B0604020202020204" pitchFamily="34" charset="0"/>
-              <a:buChar char="–"/>
-              <a:defRPr>
-                <a:solidFill>
-                  <a:schemeClr val="tx1"/>
-                </a:solidFill>
-                <a:latin typeface="+mn-lt"/>
-              </a:defRPr>
-            </a:lvl9pPr>
-          </a:lstStyle>
-          <a:p>
-            <a:r>
-              <a:rPr lang="zh-CN" dirty="0" smtClean="0"/>
-              <a:t>内容刚要</a:t>
-            </a:r>
-            <a:endParaRPr lang="zh-CN" dirty="0" smtClean="0"/>
-          </a:p>
-        </p:txBody>
-      </p:sp>
-      <p:sp>
-        <p:nvSpPr>
-          <p:cNvPr id="4" name="AutoShape 6"/>
-          <p:cNvSpPr>
-            <a:spLocks noChangeArrowheads="1"/>
-          </p:cNvSpPr>
-          <p:nvPr/>
-        </p:nvSpPr>
-        <p:spPr bwMode="auto">
-          <a:xfrm>
-            <a:off x="2739708" y="1261111"/>
-            <a:ext cx="6711950" cy="4214813"/>
-          </a:xfrm>
-          <a:prstGeom prst="roundRect">
-            <a:avLst>
-              <a:gd name="adj" fmla="val 16667"/>
-            </a:avLst>
-          </a:prstGeom>
-          <a:noFill/>
-          <a:ln w="28575">
-            <a:solidFill>
-              <a:srgbClr val="C0C0C0"/>
-            </a:solidFill>
-            <a:prstDash val="sysDot"/>
-            <a:round/>
-          </a:ln>
-          <a:extLst>
-            <a:ext uri="{909E8E84-426E-40DD-AFC4-6F175D3DCCD1}">
-              <a14:hiddenFill xmlns:a14="http://schemas.microsoft.com/office/drawing/2010/main">
-                <a:solidFill>
-                  <a:srgbClr val="FFFFFF"/>
-                </a:solidFill>
-              </a14:hiddenFill>
-            </a:ext>
-          </a:extLst>
-        </p:spPr>
-        <p:txBody>
-          <a:bodyPr wrap="none" anchor="ctr"/>
-          <a:lstStyle>
-            <a:lvl1pPr marL="457200" indent="-457200">
-              <a:defRPr sz="3200">
-                <a:solidFill>
-                  <a:schemeClr val="tx1"/>
-                </a:solidFill>
-                <a:latin typeface="Arial" panose="020B0604020202020204" pitchFamily="34" charset="0"/>
-                <a:ea typeface="微软雅黑" panose="020B0503020204020204" pitchFamily="34" charset="-122"/>
-              </a:defRPr>
-            </a:lvl1pPr>
-            <a:lvl2pPr marL="742950" indent="-285750">
-              <a:defRPr sz="3200">
-                <a:solidFill>
-                  <a:schemeClr val="tx1"/>
-                </a:solidFill>
-                <a:latin typeface="Arial" panose="020B0604020202020204" pitchFamily="34" charset="0"/>
-                <a:ea typeface="微软雅黑" panose="020B0503020204020204" pitchFamily="34" charset="-122"/>
-              </a:defRPr>
-            </a:lvl2pPr>
-            <a:lvl3pPr marL="1143000" indent="-228600">
-              <a:defRPr sz="3200">
-                <a:solidFill>
-                  <a:schemeClr val="tx1"/>
-                </a:solidFill>
-                <a:latin typeface="Arial" panose="020B0604020202020204" pitchFamily="34" charset="0"/>
-                <a:ea typeface="微软雅黑" panose="020B0503020204020204" pitchFamily="34" charset="-122"/>
-              </a:defRPr>
-            </a:lvl3pPr>
-            <a:lvl4pPr marL="1600200" indent="-228600">
-              <a:defRPr sz="3200">
-                <a:solidFill>
-                  <a:schemeClr val="tx1"/>
-                </a:solidFill>
-                <a:latin typeface="Arial" panose="020B0604020202020204" pitchFamily="34" charset="0"/>
-                <a:ea typeface="微软雅黑" panose="020B0503020204020204" pitchFamily="34" charset="-122"/>
-              </a:defRPr>
-            </a:lvl4pPr>
-            <a:lvl5pPr marL="2057400" indent="-228600">
-              <a:defRPr sz="3200">
-                <a:solidFill>
-                  <a:schemeClr val="tx1"/>
-                </a:solidFill>
-                <a:latin typeface="Arial" panose="020B0604020202020204" pitchFamily="34" charset="0"/>
-                <a:ea typeface="微软雅黑" panose="020B0503020204020204" pitchFamily="34" charset="-122"/>
-              </a:defRPr>
-            </a:lvl5pPr>
-            <a:lvl6pPr marL="2514600" indent="-228600" eaLnBrk="0" fontAlgn="base" hangingPunct="0">
-              <a:spcBef>
-                <a:spcPct val="0"/>
-              </a:spcBef>
-              <a:spcAft>
-                <a:spcPct val="0"/>
-              </a:spcAft>
-              <a:defRPr sz="3200">
-                <a:solidFill>
-                  <a:schemeClr val="tx1"/>
-                </a:solidFill>
-                <a:latin typeface="Arial" panose="020B0604020202020204" pitchFamily="34" charset="0"/>
-                <a:ea typeface="微软雅黑" panose="020B0503020204020204" pitchFamily="34" charset="-122"/>
-              </a:defRPr>
-            </a:lvl6pPr>
-            <a:lvl7pPr marL="2971800" indent="-228600" eaLnBrk="0" fontAlgn="base" hangingPunct="0">
-              <a:spcBef>
-                <a:spcPct val="0"/>
-              </a:spcBef>
-              <a:spcAft>
-                <a:spcPct val="0"/>
-              </a:spcAft>
-              <a:defRPr sz="3200">
-                <a:solidFill>
-                  <a:schemeClr val="tx1"/>
-                </a:solidFill>
-                <a:latin typeface="Arial" panose="020B0604020202020204" pitchFamily="34" charset="0"/>
-                <a:ea typeface="微软雅黑" panose="020B0503020204020204" pitchFamily="34" charset="-122"/>
-              </a:defRPr>
-            </a:lvl7pPr>
-            <a:lvl8pPr marL="3429000" indent="-228600" eaLnBrk="0" fontAlgn="base" hangingPunct="0">
-              <a:spcBef>
-                <a:spcPct val="0"/>
-              </a:spcBef>
-              <a:spcAft>
-                <a:spcPct val="0"/>
-              </a:spcAft>
-              <a:defRPr sz="3200">
-                <a:solidFill>
-                  <a:schemeClr val="tx1"/>
-                </a:solidFill>
-                <a:latin typeface="Arial" panose="020B0604020202020204" pitchFamily="34" charset="0"/>
-                <a:ea typeface="微软雅黑" panose="020B0503020204020204" pitchFamily="34" charset="-122"/>
-              </a:defRPr>
-            </a:lvl8pPr>
-            <a:lvl9pPr marL="3886200" indent="-228600" eaLnBrk="0" fontAlgn="base" hangingPunct="0">
-              <a:spcBef>
-                <a:spcPct val="0"/>
-              </a:spcBef>
-              <a:spcAft>
-                <a:spcPct val="0"/>
-              </a:spcAft>
-              <a:defRPr sz="3200">
-                <a:solidFill>
-                  <a:schemeClr val="tx1"/>
-                </a:solidFill>
-                <a:latin typeface="Arial" panose="020B0604020202020204" pitchFamily="34" charset="0"/>
-                <a:ea typeface="微软雅黑" panose="020B0503020204020204" pitchFamily="34" charset="-122"/>
-              </a:defRPr>
-            </a:lvl9pPr>
-          </a:lstStyle>
-          <a:p>
-            <a:pPr algn="l">
-              <a:lnSpc>
-                <a:spcPct val="150000"/>
-              </a:lnSpc>
-              <a:spcBef>
-                <a:spcPts val="1200"/>
-              </a:spcBef>
-              <a:spcAft>
-                <a:spcPts val="1200"/>
-              </a:spcAft>
-              <a:buClr>
-                <a:srgbClr val="92D050"/>
-              </a:buClr>
-              <a:buFont typeface="Wingdings" panose="05000000000000000000" pitchFamily="2" charset="2"/>
-              <a:buChar char="Ø"/>
-            </a:pPr>
-            <a:r>
-              <a:rPr lang="zh-CN" altLang="en-US" sz="2800" b="1">
-                <a:solidFill>
-                  <a:srgbClr val="FF0000"/>
-                </a:solidFill>
-              </a:rPr>
-              <a:t>循环</a:t>
-            </a:r>
-            <a:r>
-              <a:rPr lang="zh-CN" altLang="en-US" sz="2800" b="1">
-                <a:solidFill>
-                  <a:srgbClr val="FF0000"/>
-                </a:solidFill>
-                <a:sym typeface="+mn-ea"/>
-              </a:rPr>
-              <a:t>动画</a:t>
-            </a:r>
-            <a:endParaRPr lang="zh-CN" altLang="en-US" sz="2800" b="1">
-              <a:solidFill>
-                <a:srgbClr val="FF0000"/>
-              </a:solidFill>
-              <a:sym typeface="+mn-ea"/>
-            </a:endParaRPr>
-          </a:p>
-          <a:p>
-            <a:pPr algn="l">
-              <a:lnSpc>
-                <a:spcPct val="150000"/>
-              </a:lnSpc>
-              <a:spcBef>
-                <a:spcPts val="1200"/>
-              </a:spcBef>
-              <a:spcAft>
-                <a:spcPts val="1200"/>
-              </a:spcAft>
-              <a:buClr>
-                <a:srgbClr val="92D050"/>
-              </a:buClr>
-              <a:buFont typeface="Wingdings" panose="05000000000000000000" pitchFamily="2" charset="2"/>
-              <a:buChar char="Ø"/>
-            </a:pPr>
-            <a:r>
-              <a:rPr lang="zh-CN" altLang="en-US" sz="2800" b="1">
-                <a:sym typeface="+mn-ea"/>
-              </a:rPr>
-              <a:t>帧动画</a:t>
-            </a:r>
-            <a:endParaRPr lang="zh-CN" altLang="en-US" sz="2800" b="1">
-              <a:solidFill>
-                <a:schemeClr val="accent3"/>
-              </a:solidFill>
-              <a:sym typeface="+mn-ea"/>
-            </a:endParaRPr>
-          </a:p>
-          <a:p>
-            <a:pPr algn="l">
-              <a:lnSpc>
-                <a:spcPct val="150000"/>
-              </a:lnSpc>
-              <a:spcBef>
-                <a:spcPts val="1200"/>
-              </a:spcBef>
-              <a:spcAft>
-                <a:spcPts val="1200"/>
-              </a:spcAft>
-              <a:buClr>
-                <a:srgbClr val="92D050"/>
-              </a:buClr>
-              <a:buFont typeface="Wingdings" panose="05000000000000000000" pitchFamily="2" charset="2"/>
-              <a:buChar char="Ø"/>
-            </a:pPr>
-            <a:r>
-              <a:rPr lang="zh-CN" altLang="en-US" sz="2800" b="1">
-                <a:solidFill>
-                  <a:schemeClr val="tx1"/>
-                </a:solidFill>
-                <a:sym typeface="+mn-ea"/>
-              </a:rPr>
-              <a:t>重力与碰撞</a:t>
-            </a:r>
-            <a:endParaRPr lang="zh-CN" altLang="en-US" sz="2800" b="1">
-              <a:solidFill>
-                <a:schemeClr val="tx1"/>
-              </a:solidFill>
-              <a:sym typeface="+mn-ea"/>
-            </a:endParaRPr>
-          </a:p>
-        </p:txBody>
-      </p:sp>
+      </p:pic>
     </p:spTree>
   </p:cSld>
   <p:clrMapOvr>
@@ -3287,14 +4711,128 @@
   <p:timing>
     <p:tnLst>
       <p:par>
-        <p:cTn id="1" dur="indefinite" restart="never" nodeType="tmRoot"/>
+        <p:cTn id="1" dur="indefinite" restart="never" nodeType="tmRoot">
+          <p:childTnLst>
+            <p:seq concurrent="1" nextAc="seek">
+              <p:cTn id="2" dur="indefinite" nodeType="mainSeq">
+                <p:childTnLst>
+                  <p:par>
+                    <p:cTn id="3" fill="hold">
+                      <p:stCondLst>
+                        <p:cond delay="indefinite"/>
+                      </p:stCondLst>
+                      <p:childTnLst>
+                        <p:par>
+                          <p:cTn id="4" fill="hold">
+                            <p:stCondLst>
+                              <p:cond delay="0"/>
+                            </p:stCondLst>
+                            <p:childTnLst>
+                              <p:par>
+                                <p:cTn id="5" presetID="2" presetClass="entr" presetSubtype="4" fill="hold" nodeType="clickEffect">
+                                  <p:stCondLst>
+                                    <p:cond delay="0"/>
+                                  </p:stCondLst>
+                                  <p:childTnLst>
+                                    <p:set>
+                                      <p:cBhvr>
+                                        <p:cTn id="6" dur="1" fill="hold">
+                                          <p:stCondLst>
+                                            <p:cond delay="0"/>
+                                          </p:stCondLst>
+                                        </p:cTn>
+                                        <p:tgtEl>
+                                          <p:spTgt spid="3"/>
+                                        </p:tgtEl>
+                                        <p:attrNameLst>
+                                          <p:attrName>style.visibility</p:attrName>
+                                        </p:attrNameLst>
+                                      </p:cBhvr>
+                                      <p:to>
+                                        <p:strVal val="visible"/>
+                                      </p:to>
+                                    </p:set>
+                                    <p:anim calcmode="lin" valueType="num">
+                                      <p:cBhvr additive="base">
+                                        <p:cTn id="7" dur="500" fill="hold"/>
+                                        <p:tgtEl>
+                                          <p:spTgt spid="3"/>
+                                        </p:tgtEl>
+                                        <p:attrNameLst>
+                                          <p:attrName>ppt_x</p:attrName>
+                                        </p:attrNameLst>
+                                      </p:cBhvr>
+                                      <p:tavLst>
+                                        <p:tav tm="0">
+                                          <p:val>
+                                            <p:strVal val="#ppt_x"/>
+                                          </p:val>
+                                        </p:tav>
+                                        <p:tav tm="100000">
+                                          <p:val>
+                                            <p:strVal val="#ppt_x"/>
+                                          </p:val>
+                                        </p:tav>
+                                      </p:tavLst>
+                                    </p:anim>
+                                    <p:anim calcmode="lin" valueType="num">
+                                      <p:cBhvr additive="base">
+                                        <p:cTn id="8" dur="500" fill="hold"/>
+                                        <p:tgtEl>
+                                          <p:spTgt spid="3"/>
+                                        </p:tgtEl>
+                                        <p:attrNameLst>
+                                          <p:attrName>ppt_y</p:attrName>
+                                        </p:attrNameLst>
+                                      </p:cBhvr>
+                                      <p:tavLst>
+                                        <p:tav tm="0">
+                                          <p:val>
+                                            <p:strVal val="1+#ppt_h/2"/>
+                                          </p:val>
+                                        </p:tav>
+                                        <p:tav tm="100000">
+                                          <p:val>
+                                            <p:strVal val="#ppt_y"/>
+                                          </p:val>
+                                        </p:tav>
+                                      </p:tavLst>
+                                    </p:anim>
+                                  </p:childTnLst>
+                                </p:cTn>
+                              </p:par>
+                            </p:childTnLst>
+                          </p:cTn>
+                        </p:par>
+                      </p:childTnLst>
+                    </p:cTn>
+                  </p:par>
+                </p:childTnLst>
+              </p:cTn>
+              <p:prevCondLst>
+                <p:cond evt="onPrev" delay="0">
+                  <p:tgtEl>
+                    <p:sldTgt/>
+                  </p:tgtEl>
+                </p:cond>
+              </p:prevCondLst>
+              <p:nextCondLst>
+                <p:cond evt="onNext" delay="0">
+                  <p:tgtEl>
+                    <p:sldTgt/>
+                  </p:tgtEl>
+                </p:cond>
+              </p:nextCondLst>
+            </p:seq>
+          </p:childTnLst>
+        </p:cTn>
       </p:par>
     </p:tnLst>
   </p:timing>
 </p:sld>
 </file>
 
-<file path=ppt/slides/slide3.xml><?xml version="1.0" encoding="utf-8"?>
+<file path=ppt/slides/slide5.xml><?xml version="1.0" encoding="utf-8"?>
 <p:sld xmlns:a="http://schemas.openxmlformats.org/drawingml/2006/main" xmlns:r="http://schemas.openxmlformats.org/officeDocument/2006/relationships" xmlns:p="http://schemas.openxmlformats.org/presentationml/2006/main">
   <p:cSld>
     <p:spTree>
@@ -3340,6 +4878,17 @@
               </a:spcBef>
             </a:pPr>
             <a:r>
+              <a:rPr lang="en-US" altLang="zh-CN" sz="2800" noProof="1">
+                <a:solidFill>
+                  <a:schemeClr val="tx1"/>
+                </a:solidFill>
+                <a:latin typeface="微软雅黑" panose="020B0503020204020204" pitchFamily="34" charset="-122"/>
+                <a:ea typeface="微软雅黑" panose="020B0503020204020204" pitchFamily="34" charset="-122"/>
+                <a:sym typeface="+mn-ea"/>
+              </a:rPr>
+              <a:t>requestAnimationFrame</a:t>
+            </a:r>
+            <a:r>
               <a:rPr lang="zh-CN" altLang="en-US" sz="2800" noProof="1">
                 <a:solidFill>
                   <a:schemeClr val="tx1"/>
@@ -3348,340 +4897,7 @@
                 <a:ea typeface="微软雅黑" panose="020B0503020204020204" pitchFamily="34" charset="-122"/>
                 <a:sym typeface="+mn-ea"/>
               </a:rPr>
-              <a:t>循环动画方法</a:t>
-            </a:r>
-            <a:br>
-              <a:rPr lang="zh-CN" altLang="en-US" sz="2800" noProof="1">
-                <a:solidFill>
-                  <a:schemeClr val="tx1"/>
-                </a:solidFill>
-                <a:latin typeface="微软雅黑" panose="020B0503020204020204" pitchFamily="34" charset="-122"/>
-                <a:ea typeface="微软雅黑" panose="020B0503020204020204" pitchFamily="34" charset="-122"/>
-                <a:sym typeface="+mn-ea"/>
-              </a:rPr>
-            </a:br>
-            <a:r>
-              <a:rPr lang="en-US" altLang="zh-CN" sz="2000" noProof="1">
-                <a:solidFill>
-                  <a:schemeClr val="tx1"/>
-                </a:solidFill>
-                <a:latin typeface="微软雅黑" panose="020B0503020204020204" pitchFamily="34" charset="-122"/>
-                <a:ea typeface="微软雅黑" panose="020B0503020204020204" pitchFamily="34" charset="-122"/>
-                <a:sym typeface="+mn-ea"/>
-              </a:rPr>
-              <a:t>- window.setTimeOut()   //	</a:t>
-            </a:r>
-            <a:r>
-              <a:rPr lang="zh-CN" altLang="en-US" sz="2000" noProof="1">
-                <a:solidFill>
-                  <a:schemeClr val="tx1"/>
-                </a:solidFill>
-                <a:latin typeface="微软雅黑" panose="020B0503020204020204" pitchFamily="34" charset="-122"/>
-                <a:ea typeface="微软雅黑" panose="020B0503020204020204" pitchFamily="34" charset="-122"/>
-                <a:sym typeface="+mn-ea"/>
-              </a:rPr>
-              <a:t>缺点：不准确，不适合用于动画</a:t>
-            </a:r>
-            <a:br>
-              <a:rPr lang="en-US" altLang="zh-CN" sz="2000" noProof="1">
-                <a:solidFill>
-                  <a:schemeClr val="tx1"/>
-                </a:solidFill>
-                <a:latin typeface="微软雅黑" panose="020B0503020204020204" pitchFamily="34" charset="-122"/>
-                <a:ea typeface="微软雅黑" panose="020B0503020204020204" pitchFamily="34" charset="-122"/>
-                <a:sym typeface="+mn-ea"/>
-              </a:rPr>
-            </a:br>
-            <a:r>
-              <a:rPr lang="en-US" altLang="zh-CN" sz="2000" noProof="1">
-                <a:solidFill>
-                  <a:schemeClr val="tx1"/>
-                </a:solidFill>
-                <a:latin typeface="微软雅黑" panose="020B0503020204020204" pitchFamily="34" charset="-122"/>
-                <a:ea typeface="微软雅黑" panose="020B0503020204020204" pitchFamily="34" charset="-122"/>
-                <a:sym typeface="+mn-ea"/>
-              </a:rPr>
-              <a:t>- window.setInterval()    //</a:t>
-            </a:r>
-            <a:r>
-              <a:rPr lang="zh-CN" altLang="en-US" sz="2000" noProof="1">
-                <a:solidFill>
-                  <a:schemeClr val="tx1"/>
-                </a:solidFill>
-                <a:latin typeface="微软雅黑" panose="020B0503020204020204" pitchFamily="34" charset="-122"/>
-                <a:ea typeface="微软雅黑" panose="020B0503020204020204" pitchFamily="34" charset="-122"/>
-                <a:sym typeface="+mn-ea"/>
-              </a:rPr>
-              <a:t>同上</a:t>
-            </a:r>
-            <a:br>
-              <a:rPr lang="en-US" altLang="zh-CN" sz="2000" noProof="1">
-                <a:solidFill>
-                  <a:schemeClr val="tx1"/>
-                </a:solidFill>
-                <a:latin typeface="微软雅黑" panose="020B0503020204020204" pitchFamily="34" charset="-122"/>
-                <a:ea typeface="微软雅黑" panose="020B0503020204020204" pitchFamily="34" charset="-122"/>
-                <a:sym typeface="+mn-ea"/>
-              </a:rPr>
-            </a:br>
-            <a:r>
-              <a:rPr lang="en-US" altLang="zh-CN" sz="2000" noProof="1">
-                <a:solidFill>
-                  <a:schemeClr val="tx1"/>
-                </a:solidFill>
-                <a:latin typeface="微软雅黑" panose="020B0503020204020204" pitchFamily="34" charset="-122"/>
-                <a:ea typeface="微软雅黑" panose="020B0503020204020204" pitchFamily="34" charset="-122"/>
-                <a:sym typeface="+mn-ea"/>
-              </a:rPr>
-              <a:t>- window.requestAnimationFrame() //</a:t>
-            </a:r>
-            <a:r>
-              <a:rPr lang="zh-CN" altLang="en-US" sz="2000" noProof="1">
-                <a:solidFill>
-                  <a:schemeClr val="tx1"/>
-                </a:solidFill>
-                <a:latin typeface="微软雅黑" panose="020B0503020204020204" pitchFamily="34" charset="-122"/>
-                <a:ea typeface="微软雅黑" panose="020B0503020204020204" pitchFamily="34" charset="-122"/>
-                <a:sym typeface="+mn-ea"/>
-              </a:rPr>
-              <a:t>适合动画实现</a:t>
-            </a:r>
-            <a:endParaRPr lang="zh-CN" altLang="en-US" sz="2000" noProof="1">
-              <a:solidFill>
-                <a:schemeClr val="tx1"/>
-              </a:solidFill>
-              <a:latin typeface="微软雅黑" panose="020B0503020204020204" pitchFamily="34" charset="-122"/>
-              <a:ea typeface="微软雅黑" panose="020B0503020204020204" pitchFamily="34" charset="-122"/>
-              <a:sym typeface="+mn-ea"/>
-            </a:endParaRPr>
-          </a:p>
-          <a:p>
-            <a:pPr>
-              <a:lnSpc>
-                <a:spcPct val="150000"/>
-              </a:lnSpc>
-              <a:spcBef>
-                <a:spcPts val="1000"/>
-              </a:spcBef>
-            </a:pPr>
-            <a:r>
-              <a:rPr lang="zh-CN" altLang="en-US" sz="2800">
-                <a:solidFill>
-                  <a:schemeClr val="tx1"/>
-                </a:solidFill>
-                <a:sym typeface="+mn-ea"/>
-              </a:rPr>
-              <a:t>requestAnimationFrame兼容性问题</a:t>
-            </a:r>
-            <a:br>
-              <a:rPr lang="zh-CN" altLang="en-US" sz="2800">
-                <a:solidFill>
-                  <a:schemeClr val="tx1"/>
-                </a:solidFill>
-                <a:sym typeface="+mn-ea"/>
-              </a:rPr>
-            </a:br>
-            <a:r>
-              <a:rPr lang="en-US" altLang="zh-CN" sz="2000">
-                <a:solidFill>
-                  <a:schemeClr val="tx1"/>
-                </a:solidFill>
-                <a:sym typeface="+mn-ea"/>
-              </a:rPr>
-              <a:t>- webkitRequestAnimationFrame</a:t>
-            </a:r>
-            <a:br>
-              <a:rPr lang="en-US" altLang="zh-CN" sz="2000">
-                <a:solidFill>
-                  <a:schemeClr val="tx1"/>
-                </a:solidFill>
-                <a:sym typeface="+mn-ea"/>
-              </a:rPr>
-            </a:br>
-            <a:r>
-              <a:rPr lang="en-US" altLang="zh-CN" sz="2000">
-                <a:solidFill>
-                  <a:schemeClr val="tx1"/>
-                </a:solidFill>
-                <a:sym typeface="+mn-ea"/>
-              </a:rPr>
-              <a:t>- mozRequestAnimationFrame</a:t>
-            </a:r>
-            <a:br>
-              <a:rPr lang="en-US" altLang="zh-CN" sz="2000">
-                <a:solidFill>
-                  <a:schemeClr val="tx1"/>
-                </a:solidFill>
-                <a:sym typeface="+mn-ea"/>
-              </a:rPr>
-            </a:br>
-            <a:r>
-              <a:rPr lang="en-US" altLang="zh-CN" sz="2000">
-                <a:solidFill>
-                  <a:schemeClr val="tx1"/>
-                </a:solidFill>
-                <a:sym typeface="+mn-ea"/>
-              </a:rPr>
-              <a:t>- oRequestAnimationFrame</a:t>
-            </a:r>
-            <a:br>
-              <a:rPr lang="en-US" altLang="zh-CN" sz="2000">
-                <a:solidFill>
-                  <a:schemeClr val="tx1"/>
-                </a:solidFill>
-                <a:sym typeface="+mn-ea"/>
-              </a:rPr>
-            </a:br>
-            <a:r>
-              <a:rPr lang="en-US" altLang="zh-CN" sz="2000">
-                <a:solidFill>
-                  <a:schemeClr val="tx1"/>
-                </a:solidFill>
-                <a:sym typeface="+mn-ea"/>
-              </a:rPr>
-              <a:t>- msRequestAnimationFrame</a:t>
-            </a:r>
-            <a:endParaRPr lang="en-US" altLang="zh-CN" sz="2800" noProof="1">
-              <a:solidFill>
-                <a:schemeClr val="tx1"/>
-              </a:solidFill>
-              <a:latin typeface="微软雅黑" panose="020B0503020204020204" pitchFamily="34" charset="-122"/>
-              <a:ea typeface="微软雅黑" panose="020B0503020204020204" pitchFamily="34" charset="-122"/>
-            </a:endParaRPr>
-          </a:p>
-          <a:p>
-            <a:pPr>
-              <a:lnSpc>
-                <a:spcPct val="150000"/>
-              </a:lnSpc>
-              <a:spcBef>
-                <a:spcPts val="1000"/>
-              </a:spcBef>
-            </a:pPr>
-            <a:endParaRPr lang="en-US" altLang="zh-CN" sz="2800" noProof="1">
-              <a:solidFill>
-                <a:schemeClr val="tx1"/>
-              </a:solidFill>
-              <a:latin typeface="微软雅黑" panose="020B0503020204020204" pitchFamily="34" charset="-122"/>
-              <a:ea typeface="微软雅黑" panose="020B0503020204020204" pitchFamily="34" charset="-122"/>
-            </a:endParaRPr>
-          </a:p>
-          <a:p>
-            <a:pPr marL="0" indent="0">
-              <a:buFont typeface="Wingdings 2" panose="05020102010507070707" pitchFamily="18" charset="2"/>
-              <a:buNone/>
-            </a:pPr>
-            <a:endParaRPr lang="en-US" altLang="zh-CN" noProof="1">
-              <a:solidFill>
-                <a:schemeClr val="tx1"/>
-              </a:solidFill>
-              <a:latin typeface="微软雅黑" panose="020B0503020204020204" pitchFamily="34" charset="-122"/>
-              <a:ea typeface="微软雅黑" panose="020B0503020204020204" pitchFamily="34" charset="-122"/>
-            </a:endParaRPr>
-          </a:p>
-        </p:txBody>
-      </p:sp>
-      <p:sp>
-        <p:nvSpPr>
-          <p:cNvPr id="2" name="内容占位符 1"/>
-          <p:cNvSpPr>
-            <a:spLocks noGrp="1"/>
-          </p:cNvSpPr>
-          <p:nvPr>
-            <p:ph sz="quarter" idx="11"/>
-          </p:nvPr>
-        </p:nvSpPr>
-        <p:spPr>
-          <a:xfrm>
-            <a:off x="947420" y="236855"/>
-            <a:ext cx="8415655" cy="490220"/>
-          </a:xfrm>
-        </p:spPr>
-        <p:txBody>
-          <a:bodyPr/>
-          <a:p>
-            <a:r>
-              <a:rPr kumimoji="0" lang="zh-CN" altLang="en-US" dirty="0"/>
-              <a:t>循环动画</a:t>
-            </a:r>
-            <a:endParaRPr kumimoji="0" lang="zh-CN" altLang="en-US" dirty="0"/>
-          </a:p>
-        </p:txBody>
-      </p:sp>
-    </p:spTree>
-  </p:cSld>
-  <p:clrMapOvr>
-    <a:masterClrMapping/>
-  </p:clrMapOvr>
-</p:sld>
-</file>
-
-<file path=ppt/slides/slide4.xml><?xml version="1.0" encoding="utf-8"?>
-<p:sld xmlns:a="http://schemas.openxmlformats.org/drawingml/2006/main" xmlns:r="http://schemas.openxmlformats.org/officeDocument/2006/relationships" xmlns:p="http://schemas.openxmlformats.org/presentationml/2006/main">
-  <p:cSld>
-    <p:spTree>
-      <p:nvGrpSpPr>
-        <p:cNvPr id="1" name=""/>
-        <p:cNvGrpSpPr/>
-        <p:nvPr/>
-      </p:nvGrpSpPr>
-      <p:grpSpPr>
-        <a:xfrm>
-          <a:off x="0" y="0"/>
-          <a:ext cx="0" cy="0"/>
-          <a:chOff x="0" y="0"/>
-          <a:chExt cx="0" cy="0"/>
-        </a:xfrm>
-      </p:grpSpPr>
-      <p:sp>
-        <p:nvSpPr>
-          <p:cNvPr id="5122" name="内容占位符 2"/>
-          <p:cNvSpPr>
-            <a:spLocks noGrp="1"/>
-          </p:cNvSpPr>
-          <p:nvPr>
-            <p:ph idx="1"/>
-          </p:nvPr>
-        </p:nvSpPr>
-        <p:spPr>
-          <a:xfrm>
-            <a:off x="896620" y="829945"/>
-            <a:ext cx="10385425" cy="5245100"/>
-          </a:xfrm>
-        </p:spPr>
-        <p:txBody>
-          <a:bodyPr/>
-          <a:lstStyle/>
-          <a:p>
-            <a:pPr>
-              <a:lnSpc>
-                <a:spcPct val="150000"/>
-              </a:lnSpc>
-              <a:spcBef>
-                <a:spcPts val="1000"/>
-              </a:spcBef>
-            </a:pPr>
-            <a:r>
-              <a:rPr lang="en-US" altLang="zh-CN" sz="2800" noProof="1">
-                <a:solidFill>
-                  <a:schemeClr val="tx1"/>
-                </a:solidFill>
-                <a:latin typeface="微软雅黑" panose="020B0503020204020204" pitchFamily="34" charset="-122"/>
-                <a:ea typeface="微软雅黑" panose="020B0503020204020204" pitchFamily="34" charset="-122"/>
-                <a:sym typeface="+mn-ea"/>
-              </a:rPr>
-              <a:t>requestAnimationFrame</a:t>
-            </a:r>
-            <a:r>
-              <a:rPr lang="zh-CN" altLang="en-US" sz="2800" noProof="1">
-                <a:solidFill>
-                  <a:schemeClr val="tx1"/>
-                </a:solidFill>
-                <a:latin typeface="微软雅黑" panose="020B0503020204020204" pitchFamily="34" charset="-122"/>
-                <a:ea typeface="微软雅黑" panose="020B0503020204020204" pitchFamily="34" charset="-122"/>
-                <a:sym typeface="+mn-ea"/>
-              </a:rPr>
-              <a:t>兼容性问题</a:t>
+              <a:t>兼容性解决方案</a:t>
             </a:r>
             <a:br>
               <a:rPr lang="zh-CN" altLang="en-US" sz="2800" noProof="1">
@@ -3796,7 +5012,7 @@
       </p:sp>
       <p:pic>
         <p:nvPicPr>
-          <p:cNvPr id="3" name="图片 2"/>
+          <p:cNvPr id="5" name="图片 4" descr="]IOMUSKK`37R`D5Y(9NM956"/>
           <p:cNvPicPr>
             <a:picLocks noChangeAspect="1"/>
           </p:cNvPicPr>
@@ -3810,8 +5026,8 @@
         </p:blipFill>
         <p:spPr>
           <a:xfrm>
-            <a:off x="1788160" y="1563370"/>
-            <a:ext cx="8615680" cy="4352290"/>
+            <a:off x="2045970" y="1549400"/>
+            <a:ext cx="7656195" cy="4525645"/>
           </a:xfrm>
           <a:prstGeom prst="rect">
             <a:avLst/>
@@ -3823,10 +5039,131 @@
   <p:clrMapOvr>
     <a:masterClrMapping/>
   </p:clrMapOvr>
+  <p:timing>
+    <p:tnLst>
+      <p:par>
+        <p:cTn id="1" dur="indefinite" restart="never" nodeType="tmRoot">
+          <p:childTnLst>
+            <p:seq concurrent="1" nextAc="seek">
+              <p:cTn id="2" dur="indefinite" nodeType="mainSeq">
+                <p:childTnLst>
+                  <p:par>
+                    <p:cTn id="3" fill="hold">
+                      <p:stCondLst>
+                        <p:cond delay="indefinite"/>
+                      </p:stCondLst>
+                      <p:childTnLst>
+                        <p:par>
+                          <p:cTn id="4" fill="hold">
+                            <p:stCondLst>
+                              <p:cond delay="0"/>
+                            </p:stCondLst>
+                            <p:childTnLst>
+                              <p:par>
+                                <p:cTn id="5" presetID="2" presetClass="entr" presetSubtype="4" fill="hold" nodeType="clickEffect">
+                                  <p:stCondLst>
+                                    <p:cond delay="0"/>
+                                  </p:stCondLst>
+                                  <p:childTnLst>
+                                    <p:set>
+                                      <p:cBhvr>
+                                        <p:cTn id="6" dur="1" fill="hold">
+                                          <p:stCondLst>
+                                            <p:cond delay="0"/>
+                                          </p:stCondLst>
+                                        </p:cTn>
+                                        <p:tgtEl>
+                                          <p:spTgt spid="5"/>
+                                        </p:tgtEl>
+                                        <p:attrNameLst>
+                                          <p:attrName>style.visibility</p:attrName>
+                                        </p:attrNameLst>
+                                      </p:cBhvr>
+                                      <p:to>
+                                        <p:strVal val="visible"/>
+                                      </p:to>
+                                    </p:set>
+                                    <p:anim calcmode="lin" valueType="num">
+                                      <p:cBhvr additive="base">
+                                        <p:cTn id="7" dur="500" fill="hold"/>
+                                        <p:tgtEl>
+                                          <p:spTgt spid="5"/>
+                                        </p:tgtEl>
+                                        <p:attrNameLst>
+                                          <p:attrName>ppt_x</p:attrName>
+                                        </p:attrNameLst>
+                                      </p:cBhvr>
+                                      <p:tavLst>
+                                        <p:tav tm="0">
+                                          <p:val>
+                                            <p:strVal val="#ppt_x"/>
+                                          </p:val>
+                                        </p:tav>
+                                        <p:tav tm="100000">
+                                          <p:val>
+                                            <p:strVal val="#ppt_x"/>
+                                          </p:val>
+                                        </p:tav>
+                                      </p:tavLst>
+                                    </p:anim>
+                                    <p:anim calcmode="lin" valueType="num">
+                                      <p:cBhvr additive="base">
+                                        <p:cTn id="8" dur="500" fill="hold"/>
+                                        <p:tgtEl>
+                                          <p:spTgt spid="5"/>
+                                        </p:tgtEl>
+                                        <p:attrNameLst>
+                                          <p:attrName>ppt_y</p:attrName>
+                                        </p:attrNameLst>
+                                      </p:cBhvr>
+                                      <p:tavLst>
+                                        <p:tav tm="0">
+                                          <p:val>
+                                            <p:strVal val="1+#ppt_h/2"/>
+                                          </p:val>
+                                        </p:tav>
+                                        <p:tav tm="100000">
+                                          <p:val>
+                                            <p:strVal val="#ppt_y"/>
+                                          </p:val>
+                                        </p:tav>
+                                      </p:tavLst>
+                                    </p:anim>
+                                  </p:childTnLst>
+                                </p:cTn>
+                              </p:par>
+                            </p:childTnLst>
+                          </p:cTn>
+                        </p:par>
+                      </p:childTnLst>
+                    </p:cTn>
+                  </p:par>
+                </p:childTnLst>
+              </p:cTn>
+              <p:prevCondLst>
+                <p:cond evt="onPrev" delay="0">
+                  <p:tgtEl>
+                    <p:sldTgt/>
+                  </p:tgtEl>
+                </p:cond>
+              </p:prevCondLst>
+              <p:nextCondLst>
+                <p:cond evt="onNext" delay="0">
+                  <p:tgtEl>
+                    <p:sldTgt/>
+                  </p:tgtEl>
+                </p:cond>
+              </p:nextCondLst>
+            </p:seq>
+          </p:childTnLst>
+        </p:cTn>
+      </p:par>
+    </p:tnLst>
+  </p:timing>
 </p:sld>
 </file>
 
-<file path=ppt/slides/slide5.xml><?xml version="1.0" encoding="utf-8"?>
+<file path=ppt/slides/slide6.xml><?xml version="1.0" encoding="utf-8"?>
 <p:sld xmlns:a="http://schemas.openxmlformats.org/drawingml/2006/main" xmlns:r="http://schemas.openxmlformats.org/officeDocument/2006/relationships" xmlns:p="http://schemas.openxmlformats.org/presentationml/2006/main">
   <p:cSld>
     <p:spTree>
@@ -3872,7 +5209,7 @@
               </a:spcBef>
             </a:pPr>
             <a:r>
-              <a:rPr lang="en-US" altLang="zh-CN" sz="2800" noProof="1">
+              <a:rPr lang="zh-CN" altLang="en-US" sz="2800" noProof="1">
                 <a:solidFill>
                   <a:schemeClr val="tx1"/>
                 </a:solidFill>
@@ -3880,9 +5217,9 @@
                 <a:ea typeface="微软雅黑" panose="020B0503020204020204" pitchFamily="34" charset="-122"/>
                 <a:sym typeface="+mn-ea"/>
               </a:rPr>
-              <a:t>requestAnimationFrame</a:t>
-            </a:r>
-            <a:r>
+              <a:t>循环动画基本形式</a:t>
+            </a:r>
+            <a:br>
               <a:rPr lang="zh-CN" altLang="en-US" sz="2800" noProof="1">
                 <a:solidFill>
                   <a:schemeClr val="tx1"/>
@@ -3891,7 +5228,921 @@
                 <a:ea typeface="微软雅黑" panose="020B0503020204020204" pitchFamily="34" charset="-122"/>
                 <a:sym typeface="+mn-ea"/>
               </a:rPr>
-              <a:t>兼容性解决方案</a:t>
+            </a:br>
+            <a:r>
+              <a:rPr lang="en-US" altLang="zh-CN" sz="2400" noProof="1">
+                <a:solidFill>
+                  <a:schemeClr val="accent1">
+                    <a:lumMod val="90000"/>
+                    <a:lumOff val="10000"/>
+                  </a:schemeClr>
+                </a:solidFill>
+                <a:latin typeface="微软雅黑" panose="020B0503020204020204" pitchFamily="34" charset="-122"/>
+                <a:ea typeface="微软雅黑" panose="020B0503020204020204" pitchFamily="34" charset="-122"/>
+                <a:sym typeface="+mn-ea"/>
+              </a:rPr>
+              <a:t>//	</a:t>
+            </a:r>
+            <a:r>
+              <a:rPr lang="zh-CN" altLang="en-US" sz="2400" noProof="1">
+                <a:solidFill>
+                  <a:schemeClr val="accent1">
+                    <a:lumMod val="90000"/>
+                    <a:lumOff val="10000"/>
+                  </a:schemeClr>
+                </a:solidFill>
+                <a:latin typeface="微软雅黑" panose="020B0503020204020204" pitchFamily="34" charset="-122"/>
+                <a:ea typeface="微软雅黑" panose="020B0503020204020204" pitchFamily="34" charset="-122"/>
+                <a:sym typeface="+mn-ea"/>
+              </a:rPr>
+              <a:t>启动动画循环</a:t>
+            </a:r>
+            <a:br>
+              <a:rPr lang="zh-CN" altLang="en-US" sz="2800" noProof="1">
+                <a:solidFill>
+                  <a:schemeClr val="tx1"/>
+                </a:solidFill>
+                <a:latin typeface="微软雅黑" panose="020B0503020204020204" pitchFamily="34" charset="-122"/>
+                <a:ea typeface="微软雅黑" panose="020B0503020204020204" pitchFamily="34" charset="-122"/>
+                <a:sym typeface="+mn-ea"/>
+              </a:rPr>
+            </a:br>
+            <a:r>
+              <a:rPr sz="2400" noProof="1">
+                <a:solidFill>
+                  <a:schemeClr val="tx1"/>
+                </a:solidFill>
+                <a:latin typeface="微软雅黑" panose="020B0503020204020204" pitchFamily="34" charset="-122"/>
+                <a:ea typeface="微软雅黑" panose="020B0503020204020204" pitchFamily="34" charset="-122"/>
+                <a:sym typeface="+mn-ea"/>
+              </a:rPr>
+              <a:t>var anim = function(){</a:t>
+            </a:r>
+            <a:br>
+              <a:rPr sz="2400" noProof="1">
+                <a:solidFill>
+                  <a:schemeClr val="tx1"/>
+                </a:solidFill>
+                <a:latin typeface="微软雅黑" panose="020B0503020204020204" pitchFamily="34" charset="-122"/>
+                <a:ea typeface="微软雅黑" panose="020B0503020204020204" pitchFamily="34" charset="-122"/>
+                <a:sym typeface="+mn-ea"/>
+              </a:rPr>
+            </a:br>
+            <a:r>
+              <a:rPr lang="en-US" sz="2400" noProof="1">
+                <a:solidFill>
+                  <a:schemeClr val="tx1"/>
+                </a:solidFill>
+                <a:latin typeface="微软雅黑" panose="020B0503020204020204" pitchFamily="34" charset="-122"/>
+                <a:ea typeface="微软雅黑" panose="020B0503020204020204" pitchFamily="34" charset="-122"/>
+                <a:sym typeface="+mn-ea"/>
+              </a:rPr>
+              <a:t>	    </a:t>
+            </a:r>
+            <a:r>
+              <a:rPr sz="2400" noProof="1">
+                <a:solidFill>
+                  <a:schemeClr val="tx1"/>
+                </a:solidFill>
+                <a:latin typeface="微软雅黑" panose="020B0503020204020204" pitchFamily="34" charset="-122"/>
+                <a:ea typeface="微软雅黑" panose="020B0503020204020204" pitchFamily="34" charset="-122"/>
+                <a:sym typeface="+mn-ea"/>
+              </a:rPr>
+              <a:t>console.log("xx");</a:t>
+            </a:r>
+            <a:br>
+              <a:rPr sz="2400" noProof="1">
+                <a:solidFill>
+                  <a:schemeClr val="tx1"/>
+                </a:solidFill>
+                <a:latin typeface="微软雅黑" panose="020B0503020204020204" pitchFamily="34" charset="-122"/>
+                <a:ea typeface="微软雅黑" panose="020B0503020204020204" pitchFamily="34" charset="-122"/>
+                <a:sym typeface="+mn-ea"/>
+              </a:rPr>
+            </a:br>
+            <a:r>
+              <a:rPr sz="2400" noProof="1">
+                <a:solidFill>
+                  <a:schemeClr val="tx1"/>
+                </a:solidFill>
+                <a:latin typeface="微软雅黑" panose="020B0503020204020204" pitchFamily="34" charset="-122"/>
+                <a:ea typeface="微软雅黑" panose="020B0503020204020204" pitchFamily="34" charset="-122"/>
+                <a:sym typeface="+mn-ea"/>
+              </a:rPr>
+              <a:t>    animHandle=requestAnimationFrame(anim);</a:t>
+            </a:r>
+            <a:br>
+              <a:rPr sz="2400" noProof="1">
+                <a:solidFill>
+                  <a:schemeClr val="tx1"/>
+                </a:solidFill>
+                <a:latin typeface="微软雅黑" panose="020B0503020204020204" pitchFamily="34" charset="-122"/>
+                <a:ea typeface="微软雅黑" panose="020B0503020204020204" pitchFamily="34" charset="-122"/>
+                <a:sym typeface="+mn-ea"/>
+              </a:rPr>
+            </a:br>
+            <a:r>
+              <a:rPr sz="2400" noProof="1">
+                <a:solidFill>
+                  <a:schemeClr val="tx1"/>
+                </a:solidFill>
+                <a:latin typeface="微软雅黑" panose="020B0503020204020204" pitchFamily="34" charset="-122"/>
+                <a:ea typeface="微软雅黑" panose="020B0503020204020204" pitchFamily="34" charset="-122"/>
+                <a:sym typeface="+mn-ea"/>
+              </a:rPr>
+              <a:t>};</a:t>
+            </a:r>
+            <a:br>
+              <a:rPr sz="2400" noProof="1">
+                <a:solidFill>
+                  <a:schemeClr val="tx1"/>
+                </a:solidFill>
+                <a:latin typeface="微软雅黑" panose="020B0503020204020204" pitchFamily="34" charset="-122"/>
+                <a:ea typeface="微软雅黑" panose="020B0503020204020204" pitchFamily="34" charset="-122"/>
+                <a:sym typeface="+mn-ea"/>
+              </a:rPr>
+            </a:br>
+            <a:r>
+              <a:rPr sz="2400" noProof="1">
+                <a:solidFill>
+                  <a:schemeClr val="tx1"/>
+                </a:solidFill>
+                <a:latin typeface="微软雅黑" panose="020B0503020204020204" pitchFamily="34" charset="-122"/>
+                <a:ea typeface="微软雅黑" panose="020B0503020204020204" pitchFamily="34" charset="-122"/>
+                <a:sym typeface="+mn-ea"/>
+              </a:rPr>
+              <a:t>var animHandle = requestAnimationFrame(anim);</a:t>
+            </a:r>
+            <a:br>
+              <a:rPr sz="2400" noProof="1">
+                <a:solidFill>
+                  <a:schemeClr val="tx1"/>
+                </a:solidFill>
+                <a:latin typeface="微软雅黑" panose="020B0503020204020204" pitchFamily="34" charset="-122"/>
+                <a:ea typeface="微软雅黑" panose="020B0503020204020204" pitchFamily="34" charset="-122"/>
+                <a:sym typeface="+mn-ea"/>
+              </a:rPr>
+            </a:br>
+            <a:r>
+              <a:rPr lang="en-US" altLang="zh-CN" sz="2400" noProof="1">
+                <a:solidFill>
+                  <a:schemeClr val="accent1">
+                    <a:lumMod val="90000"/>
+                    <a:lumOff val="10000"/>
+                  </a:schemeClr>
+                </a:solidFill>
+                <a:latin typeface="微软雅黑" panose="020B0503020204020204" pitchFamily="34" charset="-122"/>
+                <a:ea typeface="微软雅黑" panose="020B0503020204020204" pitchFamily="34" charset="-122"/>
+                <a:sym typeface="+mn-ea"/>
+              </a:rPr>
+              <a:t>// </a:t>
+            </a:r>
+            <a:r>
+              <a:rPr lang="zh-CN" altLang="en-US" sz="2400" noProof="1">
+                <a:solidFill>
+                  <a:schemeClr val="accent1">
+                    <a:lumMod val="90000"/>
+                    <a:lumOff val="10000"/>
+                  </a:schemeClr>
+                </a:solidFill>
+                <a:latin typeface="微软雅黑" panose="020B0503020204020204" pitchFamily="34" charset="-122"/>
+                <a:ea typeface="微软雅黑" panose="020B0503020204020204" pitchFamily="34" charset="-122"/>
+                <a:sym typeface="+mn-ea"/>
+              </a:rPr>
+              <a:t>停止动画循环</a:t>
+            </a:r>
+            <a:br>
+              <a:rPr lang="zh-CN" altLang="en-US" sz="2400" noProof="1">
+                <a:solidFill>
+                  <a:schemeClr val="tx1"/>
+                </a:solidFill>
+                <a:latin typeface="微软雅黑" panose="020B0503020204020204" pitchFamily="34" charset="-122"/>
+                <a:ea typeface="微软雅黑" panose="020B0503020204020204" pitchFamily="34" charset="-122"/>
+                <a:sym typeface="+mn-ea"/>
+              </a:rPr>
+            </a:br>
+            <a:r>
+              <a:rPr lang="zh-CN" altLang="en-US" sz="2400" noProof="1">
+                <a:solidFill>
+                  <a:schemeClr val="tx1"/>
+                </a:solidFill>
+                <a:latin typeface="微软雅黑" panose="020B0503020204020204" pitchFamily="34" charset="-122"/>
+                <a:ea typeface="微软雅黑" panose="020B0503020204020204" pitchFamily="34" charset="-122"/>
+                <a:sym typeface="+mn-ea"/>
+              </a:rPr>
+              <a:t>/</a:t>
+            </a:r>
+            <a:r>
+              <a:rPr lang="en-US" altLang="zh-CN" sz="2400" noProof="1">
+                <a:solidFill>
+                  <a:schemeClr val="tx1"/>
+                </a:solidFill>
+                <a:latin typeface="微软雅黑" panose="020B0503020204020204" pitchFamily="34" charset="-122"/>
+                <a:ea typeface="微软雅黑" panose="020B0503020204020204" pitchFamily="34" charset="-122"/>
+                <a:sym typeface="+mn-ea"/>
+              </a:rPr>
+              <a:t>/ cancelAnimationFrame(animHandle);</a:t>
+            </a:r>
+            <a:endParaRPr lang="en-US" altLang="zh-CN" sz="2800" noProof="1">
+              <a:solidFill>
+                <a:schemeClr val="tx1"/>
+              </a:solidFill>
+              <a:latin typeface="微软雅黑" panose="020B0503020204020204" pitchFamily="34" charset="-122"/>
+              <a:ea typeface="微软雅黑" panose="020B0503020204020204" pitchFamily="34" charset="-122"/>
+            </a:endParaRPr>
+          </a:p>
+          <a:p>
+            <a:pPr>
+              <a:lnSpc>
+                <a:spcPct val="150000"/>
+              </a:lnSpc>
+              <a:spcBef>
+                <a:spcPts val="1000"/>
+              </a:spcBef>
+            </a:pPr>
+            <a:endParaRPr lang="en-US" altLang="zh-CN" sz="2800" noProof="1">
+              <a:solidFill>
+                <a:schemeClr val="tx1"/>
+              </a:solidFill>
+              <a:latin typeface="微软雅黑" panose="020B0503020204020204" pitchFamily="34" charset="-122"/>
+              <a:ea typeface="微软雅黑" panose="020B0503020204020204" pitchFamily="34" charset="-122"/>
+            </a:endParaRPr>
+          </a:p>
+          <a:p>
+            <a:pPr marL="0" indent="0">
+              <a:buFont typeface="Wingdings 2" panose="05020102010507070707" pitchFamily="18" charset="2"/>
+              <a:buNone/>
+            </a:pPr>
+            <a:endParaRPr lang="en-US" altLang="zh-CN" noProof="1">
+              <a:solidFill>
+                <a:schemeClr val="tx1"/>
+              </a:solidFill>
+              <a:latin typeface="微软雅黑" panose="020B0503020204020204" pitchFamily="34" charset="-122"/>
+              <a:ea typeface="微软雅黑" panose="020B0503020204020204" pitchFamily="34" charset="-122"/>
+            </a:endParaRPr>
+          </a:p>
+        </p:txBody>
+      </p:sp>
+      <p:sp>
+        <p:nvSpPr>
+          <p:cNvPr id="2" name="内容占位符 1"/>
+          <p:cNvSpPr>
+            <a:spLocks noGrp="1"/>
+          </p:cNvSpPr>
+          <p:nvPr>
+            <p:ph sz="quarter" idx="11"/>
+          </p:nvPr>
+        </p:nvSpPr>
+        <p:spPr>
+          <a:xfrm>
+            <a:off x="947420" y="236855"/>
+            <a:ext cx="8415655" cy="490220"/>
+          </a:xfrm>
+        </p:spPr>
+        <p:txBody>
+          <a:bodyPr/>
+          <a:p>
+            <a:r>
+              <a:rPr kumimoji="0" lang="zh-CN" altLang="en-US" dirty="0"/>
+              <a:t>循环动画</a:t>
+            </a:r>
+            <a:endParaRPr kumimoji="0" lang="zh-CN" altLang="en-US" dirty="0"/>
+          </a:p>
+        </p:txBody>
+      </p:sp>
+      <p:sp>
+        <p:nvSpPr>
+          <p:cNvPr id="16" name="文本框 15"/>
+          <p:cNvSpPr txBox="1"/>
+          <p:nvPr/>
+        </p:nvSpPr>
+        <p:spPr>
+          <a:xfrm>
+            <a:off x="6143625" y="6075045"/>
+            <a:ext cx="5433060" cy="429895"/>
+          </a:xfrm>
+          <a:prstGeom prst="rect">
+            <a:avLst/>
+          </a:prstGeom>
+          <a:noFill/>
+        </p:spPr>
+        <p:txBody>
+          <a:bodyPr wrap="square" rtlCol="0">
+            <a:spAutoFit/>
+          </a:bodyPr>
+          <a:p>
+            <a:pPr algn="l"/>
+            <a:r>
+              <a:rPr lang="zh-CN" sz="2200">
+                <a:solidFill>
+                  <a:srgbClr val="FF0000"/>
+                </a:solidFill>
+                <a:latin typeface="+mn-ea"/>
+                <a:ea typeface="+mn-ea"/>
+                <a:sym typeface="+mn-ea"/>
+              </a:rPr>
+              <a:t>参见实例：</a:t>
+            </a:r>
+            <a:r>
+              <a:rPr lang="en-US" altLang="zh-CN" sz="2200">
+                <a:solidFill>
+                  <a:srgbClr val="FF0000"/>
+                </a:solidFill>
+                <a:latin typeface="+mn-ea"/>
+                <a:ea typeface="+mn-ea"/>
+                <a:sym typeface="+mn-ea"/>
+              </a:rPr>
+              <a:t>LS04_01.html</a:t>
+            </a:r>
+            <a:r>
+              <a:rPr lang="zh-CN" altLang="en-US" sz="2200">
+                <a:solidFill>
+                  <a:srgbClr val="FF0000"/>
+                </a:solidFill>
+                <a:latin typeface="+mn-ea"/>
+                <a:ea typeface="+mn-ea"/>
+                <a:sym typeface="+mn-ea"/>
+              </a:rPr>
+              <a:t>、</a:t>
+            </a:r>
+            <a:r>
+              <a:rPr lang="en-US" altLang="zh-CN" sz="2200">
+                <a:solidFill>
+                  <a:srgbClr val="FF0000"/>
+                </a:solidFill>
+                <a:latin typeface="+mn-ea"/>
+                <a:ea typeface="+mn-ea"/>
+                <a:sym typeface="+mn-ea"/>
+              </a:rPr>
+              <a:t>LS04_02.html</a:t>
+            </a:r>
+            <a:endParaRPr lang="zh-CN" altLang="en-US" sz="2200">
+              <a:solidFill>
+                <a:srgbClr val="FF0000"/>
+              </a:solidFill>
+              <a:latin typeface="+mn-ea"/>
+              <a:ea typeface="+mn-ea"/>
+              <a:sym typeface="+mn-ea"/>
+            </a:endParaRPr>
+          </a:p>
+        </p:txBody>
+      </p:sp>
+    </p:spTree>
+  </p:cSld>
+  <p:clrMapOvr>
+    <a:masterClrMapping/>
+  </p:clrMapOvr>
+</p:sld>
+</file>
+
+<file path=ppt/slides/slide7.xml><?xml version="1.0" encoding="utf-8"?>
+<p:sld xmlns:a="http://schemas.openxmlformats.org/drawingml/2006/main" xmlns:r="http://schemas.openxmlformats.org/officeDocument/2006/relationships" xmlns:p="http://schemas.openxmlformats.org/presentationml/2006/main">
+  <p:cSld>
+    <p:spTree>
+      <p:nvGrpSpPr>
+        <p:cNvPr id="1" name=""/>
+        <p:cNvGrpSpPr/>
+        <p:nvPr/>
+      </p:nvGrpSpPr>
+      <p:grpSpPr>
+        <a:xfrm>
+          <a:off x="0" y="0"/>
+          <a:ext cx="0" cy="0"/>
+          <a:chOff x="0" y="0"/>
+          <a:chExt cx="0" cy="0"/>
+        </a:xfrm>
+      </p:grpSpPr>
+      <p:sp>
+        <p:nvSpPr>
+          <p:cNvPr id="3" name="内容占位符 2"/>
+          <p:cNvSpPr>
+            <a:spLocks noGrp="1"/>
+          </p:cNvSpPr>
+          <p:nvPr/>
+        </p:nvSpPr>
+        <p:spPr>
+          <a:xfrm>
+            <a:off x="947204" y="236943"/>
+            <a:ext cx="8191557" cy="490476"/>
+          </a:xfrm>
+          <a:prstGeom prst="rect">
+            <a:avLst/>
+          </a:prstGeom>
+        </p:spPr>
+        <p:txBody>
+          <a:bodyPr/>
+          <a:lstStyle>
+            <a:lvl1pPr marL="167005" indent="-167005" algn="l" defTabSz="0" rtl="0" eaLnBrk="0" fontAlgn="base" hangingPunct="0">
+              <a:spcBef>
+                <a:spcPct val="0"/>
+              </a:spcBef>
+              <a:spcAft>
+                <a:spcPct val="15000"/>
+              </a:spcAft>
+              <a:buClr>
+                <a:schemeClr val="tx2"/>
+              </a:buClr>
+              <a:buFont typeface="Arial" panose="020B0604020202020204" pitchFamily="34" charset="0"/>
+              <a:buNone/>
+              <a:defRPr sz="3200" b="0">
+                <a:solidFill>
+                  <a:srgbClr val="C00000"/>
+                </a:solidFill>
+                <a:latin typeface="微软雅黑" panose="020B0503020204020204" pitchFamily="34" charset="-122"/>
+                <a:ea typeface="微软雅黑" panose="020B0503020204020204" pitchFamily="34" charset="-122"/>
+                <a:cs typeface="+mn-cs"/>
+              </a:defRPr>
+            </a:lvl1pPr>
+            <a:lvl2pPr marL="398780" indent="-230505" algn="l" defTabSz="0" rtl="0" eaLnBrk="0" fontAlgn="base" hangingPunct="0">
+              <a:spcBef>
+                <a:spcPct val="0"/>
+              </a:spcBef>
+              <a:spcAft>
+                <a:spcPct val="15000"/>
+              </a:spcAft>
+              <a:buClr>
+                <a:schemeClr val="tx2"/>
+              </a:buClr>
+              <a:buFont typeface="Arial" panose="020B0604020202020204" pitchFamily="34" charset="0"/>
+              <a:buChar char="–"/>
+              <a:defRPr sz="2000">
+                <a:solidFill>
+                  <a:schemeClr val="tx1"/>
+                </a:solidFill>
+                <a:latin typeface="微软雅黑" panose="020B0503020204020204" pitchFamily="34" charset="-122"/>
+                <a:ea typeface="微软雅黑" panose="020B0503020204020204" pitchFamily="34" charset="-122"/>
+              </a:defRPr>
+            </a:lvl2pPr>
+            <a:lvl3pPr marL="400050" indent="182880" algn="l" defTabSz="0" rtl="0" eaLnBrk="0" fontAlgn="base" hangingPunct="0">
+              <a:spcBef>
+                <a:spcPct val="0"/>
+              </a:spcBef>
+              <a:spcAft>
+                <a:spcPct val="15000"/>
+              </a:spcAft>
+              <a:buClr>
+                <a:schemeClr val="tx2"/>
+              </a:buClr>
+              <a:buFont typeface="Arial" panose="020B0604020202020204" pitchFamily="34" charset="0"/>
+              <a:buChar char="•"/>
+              <a:defRPr sz="1600">
+                <a:solidFill>
+                  <a:schemeClr val="tx1"/>
+                </a:solidFill>
+                <a:latin typeface="微软雅黑" panose="020B0503020204020204" pitchFamily="34" charset="-122"/>
+                <a:ea typeface="微软雅黑" panose="020B0503020204020204" pitchFamily="34" charset="-122"/>
+              </a:defRPr>
+            </a:lvl3pPr>
+            <a:lvl4pPr marL="825500" indent="-241300" algn="l" defTabSz="0" rtl="0" eaLnBrk="0" fontAlgn="base" hangingPunct="0">
+              <a:spcBef>
+                <a:spcPct val="0"/>
+              </a:spcBef>
+              <a:spcAft>
+                <a:spcPct val="15000"/>
+              </a:spcAft>
+              <a:buClr>
+                <a:schemeClr val="tx2"/>
+              </a:buClr>
+              <a:buFont typeface="Arial" panose="020B0604020202020204" pitchFamily="34" charset="0"/>
+              <a:buChar char="–"/>
+              <a:defRPr sz="1600">
+                <a:solidFill>
+                  <a:schemeClr val="tx1"/>
+                </a:solidFill>
+                <a:latin typeface="微软雅黑" panose="020B0503020204020204" pitchFamily="34" charset="-122"/>
+                <a:ea typeface="微软雅黑" panose="020B0503020204020204" pitchFamily="34" charset="-122"/>
+              </a:defRPr>
+            </a:lvl4pPr>
+            <a:lvl5pPr marL="2057400" indent="-228600" algn="l" defTabSz="0" rtl="0" eaLnBrk="0" fontAlgn="base" hangingPunct="0">
+              <a:spcBef>
+                <a:spcPct val="0"/>
+              </a:spcBef>
+              <a:spcAft>
+                <a:spcPct val="25000"/>
+              </a:spcAft>
+              <a:buClr>
+                <a:schemeClr val="tx2"/>
+              </a:buClr>
+              <a:buFont typeface="Arial" panose="020B0604020202020204" pitchFamily="34" charset="0"/>
+              <a:buChar char="–"/>
+              <a:defRPr sz="2000">
+                <a:solidFill>
+                  <a:schemeClr val="tx1"/>
+                </a:solidFill>
+                <a:latin typeface="+mn-lt"/>
+                <a:ea typeface="微软雅黑" panose="020B0503020204020204" pitchFamily="34" charset="-122"/>
+              </a:defRPr>
+            </a:lvl5pPr>
+            <a:lvl6pPr marL="2514600" indent="-228600" algn="l" defTabSz="0" rtl="0" eaLnBrk="0" fontAlgn="base" hangingPunct="0">
+              <a:spcBef>
+                <a:spcPct val="0"/>
+              </a:spcBef>
+              <a:spcAft>
+                <a:spcPct val="25000"/>
+              </a:spcAft>
+              <a:buClr>
+                <a:schemeClr val="tx2"/>
+              </a:buClr>
+              <a:buFont typeface="Arial" panose="020B0604020202020204" pitchFamily="34" charset="0"/>
+              <a:buChar char="–"/>
+              <a:defRPr>
+                <a:solidFill>
+                  <a:schemeClr val="tx1"/>
+                </a:solidFill>
+                <a:latin typeface="+mn-lt"/>
+              </a:defRPr>
+            </a:lvl6pPr>
+            <a:lvl7pPr marL="2971800" indent="-228600" algn="l" defTabSz="0" rtl="0" eaLnBrk="0" fontAlgn="base" hangingPunct="0">
+              <a:spcBef>
+                <a:spcPct val="0"/>
+              </a:spcBef>
+              <a:spcAft>
+                <a:spcPct val="25000"/>
+              </a:spcAft>
+              <a:buClr>
+                <a:schemeClr val="tx2"/>
+              </a:buClr>
+              <a:buFont typeface="Arial" panose="020B0604020202020204" pitchFamily="34" charset="0"/>
+              <a:buChar char="–"/>
+              <a:defRPr>
+                <a:solidFill>
+                  <a:schemeClr val="tx1"/>
+                </a:solidFill>
+                <a:latin typeface="+mn-lt"/>
+              </a:defRPr>
+            </a:lvl7pPr>
+            <a:lvl8pPr marL="3429000" indent="-228600" algn="l" defTabSz="0" rtl="0" eaLnBrk="0" fontAlgn="base" hangingPunct="0">
+              <a:spcBef>
+                <a:spcPct val="0"/>
+              </a:spcBef>
+              <a:spcAft>
+                <a:spcPct val="25000"/>
+              </a:spcAft>
+              <a:buClr>
+                <a:schemeClr val="tx2"/>
+              </a:buClr>
+              <a:buFont typeface="Arial" panose="020B0604020202020204" pitchFamily="34" charset="0"/>
+              <a:buChar char="–"/>
+              <a:defRPr>
+                <a:solidFill>
+                  <a:schemeClr val="tx1"/>
+                </a:solidFill>
+                <a:latin typeface="+mn-lt"/>
+              </a:defRPr>
+            </a:lvl8pPr>
+            <a:lvl9pPr marL="3886200" indent="-228600" algn="l" defTabSz="0" rtl="0" eaLnBrk="0" fontAlgn="base" hangingPunct="0">
+              <a:spcBef>
+                <a:spcPct val="0"/>
+              </a:spcBef>
+              <a:spcAft>
+                <a:spcPct val="25000"/>
+              </a:spcAft>
+              <a:buClr>
+                <a:schemeClr val="tx2"/>
+              </a:buClr>
+              <a:buFont typeface="Arial" panose="020B0604020202020204" pitchFamily="34" charset="0"/>
+              <a:buChar char="–"/>
+              <a:defRPr>
+                <a:solidFill>
+                  <a:schemeClr val="tx1"/>
+                </a:solidFill>
+                <a:latin typeface="+mn-lt"/>
+              </a:defRPr>
+            </a:lvl9pPr>
+          </a:lstStyle>
+          <a:p>
+            <a:r>
+              <a:rPr lang="zh-CN" dirty="0" smtClean="0"/>
+              <a:t>内容刚要</a:t>
+            </a:r>
+            <a:endParaRPr lang="zh-CN" dirty="0" smtClean="0"/>
+          </a:p>
+        </p:txBody>
+      </p:sp>
+      <p:sp>
+        <p:nvSpPr>
+          <p:cNvPr id="4" name="AutoShape 6"/>
+          <p:cNvSpPr>
+            <a:spLocks noChangeArrowheads="1"/>
+          </p:cNvSpPr>
+          <p:nvPr/>
+        </p:nvSpPr>
+        <p:spPr bwMode="auto">
+          <a:xfrm>
+            <a:off x="2739708" y="1261111"/>
+            <a:ext cx="6711950" cy="4214813"/>
+          </a:xfrm>
+          <a:prstGeom prst="roundRect">
+            <a:avLst>
+              <a:gd name="adj" fmla="val 16667"/>
+            </a:avLst>
+          </a:prstGeom>
+          <a:noFill/>
+          <a:ln w="28575">
+            <a:solidFill>
+              <a:srgbClr val="C0C0C0"/>
+            </a:solidFill>
+            <a:prstDash val="sysDot"/>
+            <a:round/>
+          </a:ln>
+          <a:extLst>
+            <a:ext uri="{909E8E84-426E-40DD-AFC4-6F175D3DCCD1}">
+              <a14:hiddenFill xmlns:a14="http://schemas.microsoft.com/office/drawing/2010/main">
+                <a:solidFill>
+                  <a:srgbClr val="FFFFFF"/>
+                </a:solidFill>
+              </a14:hiddenFill>
+            </a:ext>
+          </a:extLst>
+        </p:spPr>
+        <p:txBody>
+          <a:bodyPr wrap="none" anchor="ctr"/>
+          <a:lstStyle>
+            <a:lvl1pPr marL="457200" indent="-457200">
+              <a:defRPr sz="3200">
+                <a:solidFill>
+                  <a:schemeClr val="tx1"/>
+                </a:solidFill>
+                <a:latin typeface="Arial" panose="020B0604020202020204" pitchFamily="34" charset="0"/>
+                <a:ea typeface="微软雅黑" panose="020B0503020204020204" pitchFamily="34" charset="-122"/>
+              </a:defRPr>
+            </a:lvl1pPr>
+            <a:lvl2pPr marL="742950" indent="-285750">
+              <a:defRPr sz="3200">
+                <a:solidFill>
+                  <a:schemeClr val="tx1"/>
+                </a:solidFill>
+                <a:latin typeface="Arial" panose="020B0604020202020204" pitchFamily="34" charset="0"/>
+                <a:ea typeface="微软雅黑" panose="020B0503020204020204" pitchFamily="34" charset="-122"/>
+              </a:defRPr>
+            </a:lvl2pPr>
+            <a:lvl3pPr marL="1143000" indent="-228600">
+              <a:defRPr sz="3200">
+                <a:solidFill>
+                  <a:schemeClr val="tx1"/>
+                </a:solidFill>
+                <a:latin typeface="Arial" panose="020B0604020202020204" pitchFamily="34" charset="0"/>
+                <a:ea typeface="微软雅黑" panose="020B0503020204020204" pitchFamily="34" charset="-122"/>
+              </a:defRPr>
+            </a:lvl3pPr>
+            <a:lvl4pPr marL="1600200" indent="-228600">
+              <a:defRPr sz="3200">
+                <a:solidFill>
+                  <a:schemeClr val="tx1"/>
+                </a:solidFill>
+                <a:latin typeface="Arial" panose="020B0604020202020204" pitchFamily="34" charset="0"/>
+                <a:ea typeface="微软雅黑" panose="020B0503020204020204" pitchFamily="34" charset="-122"/>
+              </a:defRPr>
+            </a:lvl4pPr>
+            <a:lvl5pPr marL="2057400" indent="-228600">
+              <a:defRPr sz="3200">
+                <a:solidFill>
+                  <a:schemeClr val="tx1"/>
+                </a:solidFill>
+                <a:latin typeface="Arial" panose="020B0604020202020204" pitchFamily="34" charset="0"/>
+                <a:ea typeface="微软雅黑" panose="020B0503020204020204" pitchFamily="34" charset="-122"/>
+              </a:defRPr>
+            </a:lvl5pPr>
+            <a:lvl6pPr marL="2514600" indent="-228600" eaLnBrk="0" fontAlgn="base" hangingPunct="0">
+              <a:spcBef>
+                <a:spcPct val="0"/>
+              </a:spcBef>
+              <a:spcAft>
+                <a:spcPct val="0"/>
+              </a:spcAft>
+              <a:defRPr sz="3200">
+                <a:solidFill>
+                  <a:schemeClr val="tx1"/>
+                </a:solidFill>
+                <a:latin typeface="Arial" panose="020B0604020202020204" pitchFamily="34" charset="0"/>
+                <a:ea typeface="微软雅黑" panose="020B0503020204020204" pitchFamily="34" charset="-122"/>
+              </a:defRPr>
+            </a:lvl6pPr>
+            <a:lvl7pPr marL="2971800" indent="-228600" eaLnBrk="0" fontAlgn="base" hangingPunct="0">
+              <a:spcBef>
+                <a:spcPct val="0"/>
+              </a:spcBef>
+              <a:spcAft>
+                <a:spcPct val="0"/>
+              </a:spcAft>
+              <a:defRPr sz="3200">
+                <a:solidFill>
+                  <a:schemeClr val="tx1"/>
+                </a:solidFill>
+                <a:latin typeface="Arial" panose="020B0604020202020204" pitchFamily="34" charset="0"/>
+                <a:ea typeface="微软雅黑" panose="020B0503020204020204" pitchFamily="34" charset="-122"/>
+              </a:defRPr>
+            </a:lvl7pPr>
+            <a:lvl8pPr marL="3429000" indent="-228600" eaLnBrk="0" fontAlgn="base" hangingPunct="0">
+              <a:spcBef>
+                <a:spcPct val="0"/>
+              </a:spcBef>
+              <a:spcAft>
+                <a:spcPct val="0"/>
+              </a:spcAft>
+              <a:defRPr sz="3200">
+                <a:solidFill>
+                  <a:schemeClr val="tx1"/>
+                </a:solidFill>
+                <a:latin typeface="Arial" panose="020B0604020202020204" pitchFamily="34" charset="0"/>
+                <a:ea typeface="微软雅黑" panose="020B0503020204020204" pitchFamily="34" charset="-122"/>
+              </a:defRPr>
+            </a:lvl8pPr>
+            <a:lvl9pPr marL="3886200" indent="-228600" eaLnBrk="0" fontAlgn="base" hangingPunct="0">
+              <a:spcBef>
+                <a:spcPct val="0"/>
+              </a:spcBef>
+              <a:spcAft>
+                <a:spcPct val="0"/>
+              </a:spcAft>
+              <a:defRPr sz="3200">
+                <a:solidFill>
+                  <a:schemeClr val="tx1"/>
+                </a:solidFill>
+                <a:latin typeface="Arial" panose="020B0604020202020204" pitchFamily="34" charset="0"/>
+                <a:ea typeface="微软雅黑" panose="020B0503020204020204" pitchFamily="34" charset="-122"/>
+              </a:defRPr>
+            </a:lvl9pPr>
+          </a:lstStyle>
+          <a:p>
+            <a:pPr algn="l">
+              <a:lnSpc>
+                <a:spcPct val="150000"/>
+              </a:lnSpc>
+              <a:spcBef>
+                <a:spcPts val="1200"/>
+              </a:spcBef>
+              <a:spcAft>
+                <a:spcPts val="1200"/>
+              </a:spcAft>
+              <a:buClr>
+                <a:srgbClr val="92D050"/>
+              </a:buClr>
+              <a:buFont typeface="Wingdings" panose="05000000000000000000" pitchFamily="2" charset="2"/>
+              <a:buChar char="Ø"/>
+            </a:pPr>
+            <a:r>
+              <a:rPr lang="zh-CN" altLang="en-US" sz="2800" b="1">
+                <a:solidFill>
+                  <a:schemeClr val="tx1"/>
+                </a:solidFill>
+              </a:rPr>
+              <a:t>循环</a:t>
+            </a:r>
+            <a:r>
+              <a:rPr lang="zh-CN" altLang="en-US" sz="2800" b="1">
+                <a:solidFill>
+                  <a:schemeClr val="tx1"/>
+                </a:solidFill>
+                <a:sym typeface="+mn-ea"/>
+              </a:rPr>
+              <a:t>动画</a:t>
+            </a:r>
+            <a:endParaRPr lang="zh-CN" altLang="en-US" sz="2800" b="1">
+              <a:solidFill>
+                <a:schemeClr val="tx1"/>
+              </a:solidFill>
+              <a:sym typeface="+mn-ea"/>
+            </a:endParaRPr>
+          </a:p>
+          <a:p>
+            <a:pPr algn="l">
+              <a:lnSpc>
+                <a:spcPct val="150000"/>
+              </a:lnSpc>
+              <a:spcBef>
+                <a:spcPts val="1200"/>
+              </a:spcBef>
+              <a:spcAft>
+                <a:spcPts val="1200"/>
+              </a:spcAft>
+              <a:buClr>
+                <a:srgbClr val="92D050"/>
+              </a:buClr>
+              <a:buFont typeface="Wingdings" panose="05000000000000000000" pitchFamily="2" charset="2"/>
+              <a:buChar char="Ø"/>
+            </a:pPr>
+            <a:r>
+              <a:rPr lang="zh-CN" altLang="en-US" sz="2800" b="1">
+                <a:solidFill>
+                  <a:schemeClr val="accent3"/>
+                </a:solidFill>
+                <a:sym typeface="+mn-ea"/>
+              </a:rPr>
+              <a:t>帧动画</a:t>
+            </a:r>
+            <a:endParaRPr lang="zh-CN" altLang="en-US" sz="2800" b="1">
+              <a:solidFill>
+                <a:schemeClr val="accent3"/>
+              </a:solidFill>
+              <a:sym typeface="+mn-ea"/>
+            </a:endParaRPr>
+          </a:p>
+          <a:p>
+            <a:pPr algn="l">
+              <a:lnSpc>
+                <a:spcPct val="150000"/>
+              </a:lnSpc>
+              <a:spcBef>
+                <a:spcPts val="1200"/>
+              </a:spcBef>
+              <a:spcAft>
+                <a:spcPts val="1200"/>
+              </a:spcAft>
+              <a:buClr>
+                <a:srgbClr val="92D050"/>
+              </a:buClr>
+              <a:buFont typeface="Wingdings" panose="05000000000000000000" pitchFamily="2" charset="2"/>
+              <a:buChar char="Ø"/>
+            </a:pPr>
+            <a:r>
+              <a:rPr lang="zh-CN" altLang="en-US" sz="2800" b="1">
+                <a:solidFill>
+                  <a:schemeClr val="tx1"/>
+                </a:solidFill>
+                <a:sym typeface="+mn-ea"/>
+              </a:rPr>
+              <a:t>重力与碰撞</a:t>
+            </a:r>
+            <a:endParaRPr lang="zh-CN" altLang="en-US" sz="2800" b="1">
+              <a:solidFill>
+                <a:schemeClr val="tx1"/>
+              </a:solidFill>
+              <a:sym typeface="+mn-ea"/>
+            </a:endParaRPr>
+          </a:p>
+        </p:txBody>
+      </p:sp>
+    </p:spTree>
+  </p:cSld>
+  <p:clrMapOvr>
+    <a:masterClrMapping/>
+  </p:clrMapOvr>
+  <p:timing>
+    <p:tnLst>
+      <p:par>
+        <p:cTn id="1" dur="indefinite" restart="never" nodeType="tmRoot"/>
+      </p:par>
+    </p:tnLst>
+  </p:timing>
+</p:sld>
+</file>
+
+<file path=ppt/slides/slide8.xml><?xml version="1.0" encoding="utf-8"?>
+<p:sld xmlns:a="http://schemas.openxmlformats.org/drawingml/2006/main" xmlns:r="http://schemas.openxmlformats.org/officeDocument/2006/relationships" xmlns:p="http://schemas.openxmlformats.org/presentationml/2006/main">
+  <p:cSld>
+    <p:spTree>
+      <p:nvGrpSpPr>
+        <p:cNvPr id="1" name=""/>
+        <p:cNvGrpSpPr/>
+        <p:nvPr/>
+      </p:nvGrpSpPr>
+      <p:grpSpPr>
+        <a:xfrm>
+          <a:off x="0" y="0"/>
+          <a:ext cx="0" cy="0"/>
+          <a:chOff x="0" y="0"/>
+          <a:chExt cx="0" cy="0"/>
+        </a:xfrm>
+      </p:grpSpPr>
+      <p:sp>
+        <p:nvSpPr>
+          <p:cNvPr id="5122" name="内容占位符 2"/>
+          <p:cNvSpPr>
+            <a:spLocks noGrp="1"/>
+          </p:cNvSpPr>
+          <p:nvPr>
+            <p:ph idx="1"/>
+          </p:nvPr>
+        </p:nvSpPr>
+        <p:spPr>
+          <a:xfrm>
+            <a:off x="896620" y="829945"/>
+            <a:ext cx="10385425" cy="5245100"/>
+          </a:xfrm>
+        </p:spPr>
+        <p:txBody>
+          <a:bodyPr/>
+          <a:lstStyle/>
+          <a:p>
+            <a:pPr>
+              <a:lnSpc>
+                <a:spcPct val="150000"/>
+              </a:lnSpc>
+              <a:spcBef>
+                <a:spcPts val="1000"/>
+              </a:spcBef>
+            </a:pPr>
+            <a:r>
+              <a:rPr lang="zh-CN" altLang="en-US" sz="2800" noProof="1">
+                <a:solidFill>
+                  <a:schemeClr val="tx1"/>
+                </a:solidFill>
+                <a:latin typeface="微软雅黑" panose="020B0503020204020204" pitchFamily="34" charset="-122"/>
+                <a:ea typeface="微软雅黑" panose="020B0503020204020204" pitchFamily="34" charset="-122"/>
+                <a:sym typeface="+mn-ea"/>
+              </a:rPr>
+              <a:t>帧动画基本形式</a:t>
             </a:r>
             <a:br>
               <a:rPr lang="zh-CN" altLang="en-US" sz="2800" noProof="1">
@@ -3998,386 +6249,7 @@
           <a:p>
             <a:r>
               <a:rPr kumimoji="0" lang="zh-CN" altLang="en-US" dirty="0"/>
-              <a:t>循环动画</a:t>
-            </a:r>
-            <a:endParaRPr kumimoji="0" lang="zh-CN" altLang="en-US" dirty="0"/>
-          </a:p>
-        </p:txBody>
-      </p:sp>
-      <p:pic>
-        <p:nvPicPr>
-          <p:cNvPr id="5" name="图片 4" descr="]IOMUSKK`37R`D5Y(9NM956"/>
-          <p:cNvPicPr>
-            <a:picLocks noChangeAspect="1"/>
-          </p:cNvPicPr>
-          <p:nvPr/>
-        </p:nvPicPr>
-        <p:blipFill>
-          <a:blip r:embed="rId1"/>
-          <a:stretch>
-            <a:fillRect/>
-          </a:stretch>
-        </p:blipFill>
-        <p:spPr>
-          <a:xfrm>
-            <a:off x="2045970" y="1549400"/>
-            <a:ext cx="7656195" cy="4525645"/>
-          </a:xfrm>
-          <a:prstGeom prst="rect">
-            <a:avLst/>
-          </a:prstGeom>
-        </p:spPr>
-      </p:pic>
-    </p:spTree>
-  </p:cSld>
-  <p:clrMapOvr>
-    <a:masterClrMapping/>
-  </p:clrMapOvr>
-</p:sld>
-</file>
-
-<file path=ppt/slides/slide6.xml><?xml version="1.0" encoding="utf-8"?>
-<p:sld xmlns:a="http://schemas.openxmlformats.org/drawingml/2006/main" xmlns:r="http://schemas.openxmlformats.org/officeDocument/2006/relationships" xmlns:p="http://schemas.openxmlformats.org/presentationml/2006/main">
-  <p:cSld>
-    <p:spTree>
-      <p:nvGrpSpPr>
-        <p:cNvPr id="1" name=""/>
-        <p:cNvGrpSpPr/>
-        <p:nvPr/>
-      </p:nvGrpSpPr>
-      <p:grpSpPr>
-        <a:xfrm>
-          <a:off x="0" y="0"/>
-          <a:ext cx="0" cy="0"/>
-          <a:chOff x="0" y="0"/>
-          <a:chExt cx="0" cy="0"/>
-        </a:xfrm>
-      </p:grpSpPr>
-      <p:sp>
-        <p:nvSpPr>
-          <p:cNvPr id="5122" name="内容占位符 2"/>
-          <p:cNvSpPr>
-            <a:spLocks noGrp="1"/>
-          </p:cNvSpPr>
-          <p:nvPr>
-            <p:ph idx="1"/>
-          </p:nvPr>
-        </p:nvSpPr>
-        <p:spPr>
-          <a:xfrm>
-            <a:off x="896620" y="829945"/>
-            <a:ext cx="10385425" cy="5245100"/>
-          </a:xfrm>
-        </p:spPr>
-        <p:txBody>
-          <a:bodyPr/>
-          <a:lstStyle/>
-          <a:p>
-            <a:pPr>
-              <a:lnSpc>
-                <a:spcPct val="150000"/>
-              </a:lnSpc>
-              <a:spcBef>
-                <a:spcPts val="1000"/>
-              </a:spcBef>
-            </a:pPr>
-            <a:r>
-              <a:rPr lang="zh-CN" altLang="en-US" sz="2800" noProof="1">
-                <a:solidFill>
-                  <a:schemeClr val="tx1"/>
-                </a:solidFill>
-                <a:latin typeface="微软雅黑" panose="020B0503020204020204" pitchFamily="34" charset="-122"/>
-                <a:ea typeface="微软雅黑" panose="020B0503020204020204" pitchFamily="34" charset="-122"/>
-                <a:sym typeface="+mn-ea"/>
-              </a:rPr>
-              <a:t>循环动画基本形式</a:t>
-            </a:r>
-            <a:br>
-              <a:rPr lang="zh-CN" altLang="en-US" sz="2800" noProof="1">
-                <a:solidFill>
-                  <a:schemeClr val="tx1"/>
-                </a:solidFill>
-                <a:latin typeface="微软雅黑" panose="020B0503020204020204" pitchFamily="34" charset="-122"/>
-                <a:ea typeface="微软雅黑" panose="020B0503020204020204" pitchFamily="34" charset="-122"/>
-                <a:sym typeface="+mn-ea"/>
-              </a:rPr>
-            </a:br>
-            <a:r>
-              <a:rPr lang="en-US" altLang="zh-CN" sz="2400" noProof="1">
-                <a:solidFill>
-                  <a:schemeClr val="accent1">
-                    <a:lumMod val="90000"/>
-                    <a:lumOff val="10000"/>
-                  </a:schemeClr>
-                </a:solidFill>
-                <a:latin typeface="微软雅黑" panose="020B0503020204020204" pitchFamily="34" charset="-122"/>
-                <a:ea typeface="微软雅黑" panose="020B0503020204020204" pitchFamily="34" charset="-122"/>
-                <a:sym typeface="+mn-ea"/>
-              </a:rPr>
-              <a:t>//	</a:t>
-            </a:r>
-            <a:r>
-              <a:rPr lang="zh-CN" altLang="en-US" sz="2400" noProof="1">
-                <a:solidFill>
-                  <a:schemeClr val="accent1">
-                    <a:lumMod val="90000"/>
-                    <a:lumOff val="10000"/>
-                  </a:schemeClr>
-                </a:solidFill>
-                <a:latin typeface="微软雅黑" panose="020B0503020204020204" pitchFamily="34" charset="-122"/>
-                <a:ea typeface="微软雅黑" panose="020B0503020204020204" pitchFamily="34" charset="-122"/>
-                <a:sym typeface="+mn-ea"/>
-              </a:rPr>
-              <a:t>启动动画循环</a:t>
-            </a:r>
-            <a:br>
-              <a:rPr lang="zh-CN" altLang="en-US" sz="2800" noProof="1">
-                <a:solidFill>
-                  <a:schemeClr val="tx1"/>
-                </a:solidFill>
-                <a:latin typeface="微软雅黑" panose="020B0503020204020204" pitchFamily="34" charset="-122"/>
-                <a:ea typeface="微软雅黑" panose="020B0503020204020204" pitchFamily="34" charset="-122"/>
-                <a:sym typeface="+mn-ea"/>
-              </a:rPr>
-            </a:br>
-            <a:r>
-              <a:rPr sz="2400" noProof="1">
-                <a:solidFill>
-                  <a:schemeClr val="tx1"/>
-                </a:solidFill>
-                <a:latin typeface="微软雅黑" panose="020B0503020204020204" pitchFamily="34" charset="-122"/>
-                <a:ea typeface="微软雅黑" panose="020B0503020204020204" pitchFamily="34" charset="-122"/>
-                <a:sym typeface="+mn-ea"/>
-              </a:rPr>
-              <a:t>var anim = function(){</a:t>
-            </a:r>
-            <a:br>
-              <a:rPr sz="2400" noProof="1">
-                <a:solidFill>
-                  <a:schemeClr val="tx1"/>
-                </a:solidFill>
-                <a:latin typeface="微软雅黑" panose="020B0503020204020204" pitchFamily="34" charset="-122"/>
-                <a:ea typeface="微软雅黑" panose="020B0503020204020204" pitchFamily="34" charset="-122"/>
-                <a:sym typeface="+mn-ea"/>
-              </a:rPr>
-            </a:br>
-            <a:r>
-              <a:rPr lang="en-US" sz="2400" noProof="1">
-                <a:solidFill>
-                  <a:schemeClr val="tx1"/>
-                </a:solidFill>
-                <a:latin typeface="微软雅黑" panose="020B0503020204020204" pitchFamily="34" charset="-122"/>
-                <a:ea typeface="微软雅黑" panose="020B0503020204020204" pitchFamily="34" charset="-122"/>
-                <a:sym typeface="+mn-ea"/>
-              </a:rPr>
-              <a:t>	    </a:t>
-            </a:r>
-            <a:r>
-              <a:rPr sz="2400" noProof="1">
-                <a:solidFill>
-                  <a:schemeClr val="tx1"/>
-                </a:solidFill>
-                <a:latin typeface="微软雅黑" panose="020B0503020204020204" pitchFamily="34" charset="-122"/>
-                <a:ea typeface="微软雅黑" panose="020B0503020204020204" pitchFamily="34" charset="-122"/>
-                <a:sym typeface="+mn-ea"/>
-              </a:rPr>
-              <a:t>console.log("xx");</a:t>
-            </a:r>
-            <a:br>
-              <a:rPr sz="2400" noProof="1">
-                <a:solidFill>
-                  <a:schemeClr val="tx1"/>
-                </a:solidFill>
-                <a:latin typeface="微软雅黑" panose="020B0503020204020204" pitchFamily="34" charset="-122"/>
-                <a:ea typeface="微软雅黑" panose="020B0503020204020204" pitchFamily="34" charset="-122"/>
-                <a:sym typeface="+mn-ea"/>
-              </a:rPr>
-            </a:br>
-            <a:r>
-              <a:rPr sz="2400" noProof="1">
-                <a:solidFill>
-                  <a:schemeClr val="tx1"/>
-                </a:solidFill>
-                <a:latin typeface="微软雅黑" panose="020B0503020204020204" pitchFamily="34" charset="-122"/>
-                <a:ea typeface="微软雅黑" panose="020B0503020204020204" pitchFamily="34" charset="-122"/>
-                <a:sym typeface="+mn-ea"/>
-              </a:rPr>
-              <a:t>    animHandle=requestAnimationFrame(anim);</a:t>
-            </a:r>
-            <a:br>
-              <a:rPr sz="2400" noProof="1">
-                <a:solidFill>
-                  <a:schemeClr val="tx1"/>
-                </a:solidFill>
-                <a:latin typeface="微软雅黑" panose="020B0503020204020204" pitchFamily="34" charset="-122"/>
-                <a:ea typeface="微软雅黑" panose="020B0503020204020204" pitchFamily="34" charset="-122"/>
-                <a:sym typeface="+mn-ea"/>
-              </a:rPr>
-            </a:br>
-            <a:r>
-              <a:rPr sz="2400" noProof="1">
-                <a:solidFill>
-                  <a:schemeClr val="tx1"/>
-                </a:solidFill>
-                <a:latin typeface="微软雅黑" panose="020B0503020204020204" pitchFamily="34" charset="-122"/>
-                <a:ea typeface="微软雅黑" panose="020B0503020204020204" pitchFamily="34" charset="-122"/>
-                <a:sym typeface="+mn-ea"/>
-              </a:rPr>
-              <a:t>};</a:t>
-            </a:r>
-            <a:br>
-              <a:rPr sz="2400" noProof="1">
-                <a:solidFill>
-                  <a:schemeClr val="tx1"/>
-                </a:solidFill>
-                <a:latin typeface="微软雅黑" panose="020B0503020204020204" pitchFamily="34" charset="-122"/>
-                <a:ea typeface="微软雅黑" panose="020B0503020204020204" pitchFamily="34" charset="-122"/>
-                <a:sym typeface="+mn-ea"/>
-              </a:rPr>
-            </a:br>
-            <a:r>
-              <a:rPr sz="2400" noProof="1">
-                <a:solidFill>
-                  <a:schemeClr val="tx1"/>
-                </a:solidFill>
-                <a:latin typeface="微软雅黑" panose="020B0503020204020204" pitchFamily="34" charset="-122"/>
-                <a:ea typeface="微软雅黑" panose="020B0503020204020204" pitchFamily="34" charset="-122"/>
-                <a:sym typeface="+mn-ea"/>
-              </a:rPr>
-              <a:t>var animHandle = requestAnimationFrame(anim);</a:t>
-            </a:r>
-            <a:br>
-              <a:rPr sz="2400" noProof="1">
-                <a:solidFill>
-                  <a:schemeClr val="tx1"/>
-                </a:solidFill>
-                <a:latin typeface="微软雅黑" panose="020B0503020204020204" pitchFamily="34" charset="-122"/>
-                <a:ea typeface="微软雅黑" panose="020B0503020204020204" pitchFamily="34" charset="-122"/>
-                <a:sym typeface="+mn-ea"/>
-              </a:rPr>
-            </a:br>
-            <a:r>
-              <a:rPr lang="en-US" altLang="zh-CN" sz="2400" noProof="1">
-                <a:solidFill>
-                  <a:schemeClr val="accent1">
-                    <a:lumMod val="90000"/>
-                    <a:lumOff val="10000"/>
-                  </a:schemeClr>
-                </a:solidFill>
-                <a:latin typeface="微软雅黑" panose="020B0503020204020204" pitchFamily="34" charset="-122"/>
-                <a:ea typeface="微软雅黑" panose="020B0503020204020204" pitchFamily="34" charset="-122"/>
-                <a:sym typeface="+mn-ea"/>
-              </a:rPr>
-              <a:t>// </a:t>
-            </a:r>
-            <a:r>
-              <a:rPr lang="zh-CN" altLang="en-US" sz="2400" noProof="1">
-                <a:solidFill>
-                  <a:schemeClr val="accent1">
-                    <a:lumMod val="90000"/>
-                    <a:lumOff val="10000"/>
-                  </a:schemeClr>
-                </a:solidFill>
-                <a:latin typeface="微软雅黑" panose="020B0503020204020204" pitchFamily="34" charset="-122"/>
-                <a:ea typeface="微软雅黑" panose="020B0503020204020204" pitchFamily="34" charset="-122"/>
-                <a:sym typeface="+mn-ea"/>
-              </a:rPr>
-              <a:t>停止动画循环</a:t>
-            </a:r>
-            <a:br>
-              <a:rPr lang="zh-CN" altLang="en-US" sz="2400" noProof="1">
-                <a:solidFill>
-                  <a:schemeClr val="tx1"/>
-                </a:solidFill>
-                <a:latin typeface="微软雅黑" panose="020B0503020204020204" pitchFamily="34" charset="-122"/>
-                <a:ea typeface="微软雅黑" panose="020B0503020204020204" pitchFamily="34" charset="-122"/>
-                <a:sym typeface="+mn-ea"/>
-              </a:rPr>
-            </a:br>
-            <a:r>
-              <a:rPr lang="zh-CN" altLang="en-US" sz="2400" noProof="1">
-                <a:solidFill>
-                  <a:schemeClr val="tx1"/>
-                </a:solidFill>
-                <a:latin typeface="微软雅黑" panose="020B0503020204020204" pitchFamily="34" charset="-122"/>
-                <a:ea typeface="微软雅黑" panose="020B0503020204020204" pitchFamily="34" charset="-122"/>
-                <a:sym typeface="+mn-ea"/>
-              </a:rPr>
-              <a:t>/</a:t>
-            </a:r>
-            <a:r>
-              <a:rPr lang="en-US" altLang="zh-CN" sz="2400" noProof="1">
-                <a:solidFill>
-                  <a:schemeClr val="tx1"/>
-                </a:solidFill>
-                <a:latin typeface="微软雅黑" panose="020B0503020204020204" pitchFamily="34" charset="-122"/>
-                <a:ea typeface="微软雅黑" panose="020B0503020204020204" pitchFamily="34" charset="-122"/>
-                <a:sym typeface="+mn-ea"/>
-              </a:rPr>
-              <a:t>/ cancelAnimationFrame(animHandle);</a:t>
-            </a:r>
-            <a:endParaRPr lang="en-US" altLang="zh-CN" sz="2800" noProof="1">
-              <a:solidFill>
-                <a:schemeClr val="tx1"/>
-              </a:solidFill>
-              <a:latin typeface="微软雅黑" panose="020B0503020204020204" pitchFamily="34" charset="-122"/>
-              <a:ea typeface="微软雅黑" panose="020B0503020204020204" pitchFamily="34" charset="-122"/>
-            </a:endParaRPr>
-          </a:p>
-          <a:p>
-            <a:pPr>
-              <a:lnSpc>
-                <a:spcPct val="150000"/>
-              </a:lnSpc>
-              <a:spcBef>
-                <a:spcPts val="1000"/>
-              </a:spcBef>
-            </a:pPr>
-            <a:endParaRPr lang="en-US" altLang="zh-CN" sz="2800" noProof="1">
-              <a:solidFill>
-                <a:schemeClr val="tx1"/>
-              </a:solidFill>
-              <a:latin typeface="微软雅黑" panose="020B0503020204020204" pitchFamily="34" charset="-122"/>
-              <a:ea typeface="微软雅黑" panose="020B0503020204020204" pitchFamily="34" charset="-122"/>
-            </a:endParaRPr>
-          </a:p>
-          <a:p>
-            <a:pPr marL="0" indent="0">
-              <a:buFont typeface="Wingdings 2" panose="05020102010507070707" pitchFamily="18" charset="2"/>
-              <a:buNone/>
-            </a:pPr>
-            <a:endParaRPr lang="en-US" altLang="zh-CN" noProof="1">
-              <a:solidFill>
-                <a:schemeClr val="tx1"/>
-              </a:solidFill>
-              <a:latin typeface="微软雅黑" panose="020B0503020204020204" pitchFamily="34" charset="-122"/>
-              <a:ea typeface="微软雅黑" panose="020B0503020204020204" pitchFamily="34" charset="-122"/>
-            </a:endParaRPr>
-          </a:p>
-        </p:txBody>
-      </p:sp>
-      <p:sp>
-        <p:nvSpPr>
-          <p:cNvPr id="2" name="内容占位符 1"/>
-          <p:cNvSpPr>
-            <a:spLocks noGrp="1"/>
-          </p:cNvSpPr>
-          <p:nvPr>
-            <p:ph sz="quarter" idx="11"/>
-          </p:nvPr>
-        </p:nvSpPr>
-        <p:spPr>
-          <a:xfrm>
-            <a:off x="947420" y="236855"/>
-            <a:ext cx="8415655" cy="490220"/>
-          </a:xfrm>
-        </p:spPr>
-        <p:txBody>
-          <a:bodyPr/>
-          <a:p>
-            <a:r>
-              <a:rPr kumimoji="0" lang="zh-CN" altLang="en-US" dirty="0"/>
-              <a:t>循环动画</a:t>
+              <a:t>帧动画</a:t>
             </a:r>
             <a:endParaRPr kumimoji="0" lang="zh-CN" altLang="en-US" dirty="0"/>
           </a:p>
@@ -4416,708 +6288,8 @@
               </a:rPr>
               <a:t>参见实例：</a:t>
             </a:r>
-            <a:endParaRPr lang="zh-CN" sz="2200">
-              <a:solidFill>
-                <a:srgbClr val="FF0000"/>
-              </a:solidFill>
-              <a:latin typeface="+mn-ea"/>
-              <a:ea typeface="+mn-ea"/>
-            </a:endParaRPr>
-          </a:p>
-        </p:txBody>
-      </p:sp>
-    </p:spTree>
-  </p:cSld>
-  <p:clrMapOvr>
-    <a:masterClrMapping/>
-  </p:clrMapOvr>
-</p:sld>
-</file>
-
-<file path=ppt/slides/slide7.xml><?xml version="1.0" encoding="utf-8"?>
-<p:sld xmlns:a="http://schemas.openxmlformats.org/drawingml/2006/main" xmlns:r="http://schemas.openxmlformats.org/officeDocument/2006/relationships" xmlns:p="http://schemas.openxmlformats.org/presentationml/2006/main">
-  <p:cSld>
-    <p:spTree>
-      <p:nvGrpSpPr>
-        <p:cNvPr id="1" name=""/>
-        <p:cNvGrpSpPr/>
-        <p:nvPr/>
-      </p:nvGrpSpPr>
-      <p:grpSpPr>
-        <a:xfrm>
-          <a:off x="0" y="0"/>
-          <a:ext cx="0" cy="0"/>
-          <a:chOff x="0" y="0"/>
-          <a:chExt cx="0" cy="0"/>
-        </a:xfrm>
-      </p:grpSpPr>
-      <p:sp>
-        <p:nvSpPr>
-          <p:cNvPr id="3" name="内容占位符 2"/>
-          <p:cNvSpPr>
-            <a:spLocks noGrp="1"/>
-          </p:cNvSpPr>
-          <p:nvPr/>
-        </p:nvSpPr>
-        <p:spPr>
-          <a:xfrm>
-            <a:off x="947204" y="236943"/>
-            <a:ext cx="8191557" cy="490476"/>
-          </a:xfrm>
-          <a:prstGeom prst="rect">
-            <a:avLst/>
-          </a:prstGeom>
-        </p:spPr>
-        <p:txBody>
-          <a:bodyPr/>
-          <a:lstStyle>
-            <a:lvl1pPr marL="167005" indent="-167005" algn="l" defTabSz="0" rtl="0" eaLnBrk="0" fontAlgn="base" hangingPunct="0">
-              <a:spcBef>
-                <a:spcPct val="0"/>
-              </a:spcBef>
-              <a:spcAft>
-                <a:spcPct val="15000"/>
-              </a:spcAft>
-              <a:buClr>
-                <a:schemeClr val="tx2"/>
-              </a:buClr>
-              <a:buFont typeface="Arial" panose="020B0604020202020204" pitchFamily="34" charset="0"/>
-              <a:buNone/>
-              <a:defRPr sz="3200" b="0">
-                <a:solidFill>
-                  <a:srgbClr val="C00000"/>
-                </a:solidFill>
-                <a:latin typeface="微软雅黑" panose="020B0503020204020204" pitchFamily="34" charset="-122"/>
-                <a:ea typeface="微软雅黑" panose="020B0503020204020204" pitchFamily="34" charset="-122"/>
-                <a:cs typeface="+mn-cs"/>
-              </a:defRPr>
-            </a:lvl1pPr>
-            <a:lvl2pPr marL="398780" indent="-230505" algn="l" defTabSz="0" rtl="0" eaLnBrk="0" fontAlgn="base" hangingPunct="0">
-              <a:spcBef>
-                <a:spcPct val="0"/>
-              </a:spcBef>
-              <a:spcAft>
-                <a:spcPct val="15000"/>
-              </a:spcAft>
-              <a:buClr>
-                <a:schemeClr val="tx2"/>
-              </a:buClr>
-              <a:buFont typeface="Arial" panose="020B0604020202020204" pitchFamily="34" charset="0"/>
-              <a:buChar char="–"/>
-              <a:defRPr sz="2000">
-                <a:solidFill>
-                  <a:schemeClr val="tx1"/>
-                </a:solidFill>
-                <a:latin typeface="微软雅黑" panose="020B0503020204020204" pitchFamily="34" charset="-122"/>
-                <a:ea typeface="微软雅黑" panose="020B0503020204020204" pitchFamily="34" charset="-122"/>
-              </a:defRPr>
-            </a:lvl2pPr>
-            <a:lvl3pPr marL="400050" indent="182880" algn="l" defTabSz="0" rtl="0" eaLnBrk="0" fontAlgn="base" hangingPunct="0">
-              <a:spcBef>
-                <a:spcPct val="0"/>
-              </a:spcBef>
-              <a:spcAft>
-                <a:spcPct val="15000"/>
-              </a:spcAft>
-              <a:buClr>
-                <a:schemeClr val="tx2"/>
-              </a:buClr>
-              <a:buFont typeface="Arial" panose="020B0604020202020204" pitchFamily="34" charset="0"/>
-              <a:buChar char="•"/>
-              <a:defRPr sz="1600">
-                <a:solidFill>
-                  <a:schemeClr val="tx1"/>
-                </a:solidFill>
-                <a:latin typeface="微软雅黑" panose="020B0503020204020204" pitchFamily="34" charset="-122"/>
-                <a:ea typeface="微软雅黑" panose="020B0503020204020204" pitchFamily="34" charset="-122"/>
-              </a:defRPr>
-            </a:lvl3pPr>
-            <a:lvl4pPr marL="825500" indent="-241300" algn="l" defTabSz="0" rtl="0" eaLnBrk="0" fontAlgn="base" hangingPunct="0">
-              <a:spcBef>
-                <a:spcPct val="0"/>
-              </a:spcBef>
-              <a:spcAft>
-                <a:spcPct val="15000"/>
-              </a:spcAft>
-              <a:buClr>
-                <a:schemeClr val="tx2"/>
-              </a:buClr>
-              <a:buFont typeface="Arial" panose="020B0604020202020204" pitchFamily="34" charset="0"/>
-              <a:buChar char="–"/>
-              <a:defRPr sz="1600">
-                <a:solidFill>
-                  <a:schemeClr val="tx1"/>
-                </a:solidFill>
-                <a:latin typeface="微软雅黑" panose="020B0503020204020204" pitchFamily="34" charset="-122"/>
-                <a:ea typeface="微软雅黑" panose="020B0503020204020204" pitchFamily="34" charset="-122"/>
-              </a:defRPr>
-            </a:lvl4pPr>
-            <a:lvl5pPr marL="2057400" indent="-228600" algn="l" defTabSz="0" rtl="0" eaLnBrk="0" fontAlgn="base" hangingPunct="0">
-              <a:spcBef>
-                <a:spcPct val="0"/>
-              </a:spcBef>
-              <a:spcAft>
-                <a:spcPct val="25000"/>
-              </a:spcAft>
-              <a:buClr>
-                <a:schemeClr val="tx2"/>
-              </a:buClr>
-              <a:buFont typeface="Arial" panose="020B0604020202020204" pitchFamily="34" charset="0"/>
-              <a:buChar char="–"/>
-              <a:defRPr sz="2000">
-                <a:solidFill>
-                  <a:schemeClr val="tx1"/>
-                </a:solidFill>
-                <a:latin typeface="+mn-lt"/>
-                <a:ea typeface="微软雅黑" panose="020B0503020204020204" pitchFamily="34" charset="-122"/>
-              </a:defRPr>
-            </a:lvl5pPr>
-            <a:lvl6pPr marL="2514600" indent="-228600" algn="l" defTabSz="0" rtl="0" eaLnBrk="0" fontAlgn="base" hangingPunct="0">
-              <a:spcBef>
-                <a:spcPct val="0"/>
-              </a:spcBef>
-              <a:spcAft>
-                <a:spcPct val="25000"/>
-              </a:spcAft>
-              <a:buClr>
-                <a:schemeClr val="tx2"/>
-              </a:buClr>
-              <a:buFont typeface="Arial" panose="020B0604020202020204" pitchFamily="34" charset="0"/>
-              <a:buChar char="–"/>
-              <a:defRPr>
-                <a:solidFill>
-                  <a:schemeClr val="tx1"/>
-                </a:solidFill>
-                <a:latin typeface="+mn-lt"/>
-              </a:defRPr>
-            </a:lvl6pPr>
-            <a:lvl7pPr marL="2971800" indent="-228600" algn="l" defTabSz="0" rtl="0" eaLnBrk="0" fontAlgn="base" hangingPunct="0">
-              <a:spcBef>
-                <a:spcPct val="0"/>
-              </a:spcBef>
-              <a:spcAft>
-                <a:spcPct val="25000"/>
-              </a:spcAft>
-              <a:buClr>
-                <a:schemeClr val="tx2"/>
-              </a:buClr>
-              <a:buFont typeface="Arial" panose="020B0604020202020204" pitchFamily="34" charset="0"/>
-              <a:buChar char="–"/>
-              <a:defRPr>
-                <a:solidFill>
-                  <a:schemeClr val="tx1"/>
-                </a:solidFill>
-                <a:latin typeface="+mn-lt"/>
-              </a:defRPr>
-            </a:lvl7pPr>
-            <a:lvl8pPr marL="3429000" indent="-228600" algn="l" defTabSz="0" rtl="0" eaLnBrk="0" fontAlgn="base" hangingPunct="0">
-              <a:spcBef>
-                <a:spcPct val="0"/>
-              </a:spcBef>
-              <a:spcAft>
-                <a:spcPct val="25000"/>
-              </a:spcAft>
-              <a:buClr>
-                <a:schemeClr val="tx2"/>
-              </a:buClr>
-              <a:buFont typeface="Arial" panose="020B0604020202020204" pitchFamily="34" charset="0"/>
-              <a:buChar char="–"/>
-              <a:defRPr>
-                <a:solidFill>
-                  <a:schemeClr val="tx1"/>
-                </a:solidFill>
-                <a:latin typeface="+mn-lt"/>
-              </a:defRPr>
-            </a:lvl8pPr>
-            <a:lvl9pPr marL="3886200" indent="-228600" algn="l" defTabSz="0" rtl="0" eaLnBrk="0" fontAlgn="base" hangingPunct="0">
-              <a:spcBef>
-                <a:spcPct val="0"/>
-              </a:spcBef>
-              <a:spcAft>
-                <a:spcPct val="25000"/>
-              </a:spcAft>
-              <a:buClr>
-                <a:schemeClr val="tx2"/>
-              </a:buClr>
-              <a:buFont typeface="Arial" panose="020B0604020202020204" pitchFamily="34" charset="0"/>
-              <a:buChar char="–"/>
-              <a:defRPr>
-                <a:solidFill>
-                  <a:schemeClr val="tx1"/>
-                </a:solidFill>
-                <a:latin typeface="+mn-lt"/>
-              </a:defRPr>
-            </a:lvl9pPr>
-          </a:lstStyle>
-          <a:p>
-            <a:r>
-              <a:rPr lang="zh-CN" dirty="0" smtClean="0"/>
-              <a:t>内容刚要</a:t>
-            </a:r>
-            <a:endParaRPr lang="zh-CN" dirty="0" smtClean="0"/>
-          </a:p>
-        </p:txBody>
-      </p:sp>
-      <p:sp>
-        <p:nvSpPr>
-          <p:cNvPr id="4" name="AutoShape 6"/>
-          <p:cNvSpPr>
-            <a:spLocks noChangeArrowheads="1"/>
-          </p:cNvSpPr>
-          <p:nvPr/>
-        </p:nvSpPr>
-        <p:spPr bwMode="auto">
-          <a:xfrm>
-            <a:off x="2739708" y="1261111"/>
-            <a:ext cx="6711950" cy="4214813"/>
-          </a:xfrm>
-          <a:prstGeom prst="roundRect">
-            <a:avLst>
-              <a:gd name="adj" fmla="val 16667"/>
-            </a:avLst>
-          </a:prstGeom>
-          <a:noFill/>
-          <a:ln w="28575">
-            <a:solidFill>
-              <a:srgbClr val="C0C0C0"/>
-            </a:solidFill>
-            <a:prstDash val="sysDot"/>
-            <a:round/>
-          </a:ln>
-          <a:extLst>
-            <a:ext uri="{909E8E84-426E-40DD-AFC4-6F175D3DCCD1}">
-              <a14:hiddenFill xmlns:a14="http://schemas.microsoft.com/office/drawing/2010/main">
-                <a:solidFill>
-                  <a:srgbClr val="FFFFFF"/>
-                </a:solidFill>
-              </a14:hiddenFill>
-            </a:ext>
-          </a:extLst>
-        </p:spPr>
-        <p:txBody>
-          <a:bodyPr wrap="none" anchor="ctr"/>
-          <a:lstStyle>
-            <a:lvl1pPr marL="457200" indent="-457200">
-              <a:defRPr sz="3200">
-                <a:solidFill>
-                  <a:schemeClr val="tx1"/>
-                </a:solidFill>
-                <a:latin typeface="Arial" panose="020B0604020202020204" pitchFamily="34" charset="0"/>
-                <a:ea typeface="微软雅黑" panose="020B0503020204020204" pitchFamily="34" charset="-122"/>
-              </a:defRPr>
-            </a:lvl1pPr>
-            <a:lvl2pPr marL="742950" indent="-285750">
-              <a:defRPr sz="3200">
-                <a:solidFill>
-                  <a:schemeClr val="tx1"/>
-                </a:solidFill>
-                <a:latin typeface="Arial" panose="020B0604020202020204" pitchFamily="34" charset="0"/>
-                <a:ea typeface="微软雅黑" panose="020B0503020204020204" pitchFamily="34" charset="-122"/>
-              </a:defRPr>
-            </a:lvl2pPr>
-            <a:lvl3pPr marL="1143000" indent="-228600">
-              <a:defRPr sz="3200">
-                <a:solidFill>
-                  <a:schemeClr val="tx1"/>
-                </a:solidFill>
-                <a:latin typeface="Arial" panose="020B0604020202020204" pitchFamily="34" charset="0"/>
-                <a:ea typeface="微软雅黑" panose="020B0503020204020204" pitchFamily="34" charset="-122"/>
-              </a:defRPr>
-            </a:lvl3pPr>
-            <a:lvl4pPr marL="1600200" indent="-228600">
-              <a:defRPr sz="3200">
-                <a:solidFill>
-                  <a:schemeClr val="tx1"/>
-                </a:solidFill>
-                <a:latin typeface="Arial" panose="020B0604020202020204" pitchFamily="34" charset="0"/>
-                <a:ea typeface="微软雅黑" panose="020B0503020204020204" pitchFamily="34" charset="-122"/>
-              </a:defRPr>
-            </a:lvl4pPr>
-            <a:lvl5pPr marL="2057400" indent="-228600">
-              <a:defRPr sz="3200">
-                <a:solidFill>
-                  <a:schemeClr val="tx1"/>
-                </a:solidFill>
-                <a:latin typeface="Arial" panose="020B0604020202020204" pitchFamily="34" charset="0"/>
-                <a:ea typeface="微软雅黑" panose="020B0503020204020204" pitchFamily="34" charset="-122"/>
-              </a:defRPr>
-            </a:lvl5pPr>
-            <a:lvl6pPr marL="2514600" indent="-228600" eaLnBrk="0" fontAlgn="base" hangingPunct="0">
-              <a:spcBef>
-                <a:spcPct val="0"/>
-              </a:spcBef>
-              <a:spcAft>
-                <a:spcPct val="0"/>
-              </a:spcAft>
-              <a:defRPr sz="3200">
-                <a:solidFill>
-                  <a:schemeClr val="tx1"/>
-                </a:solidFill>
-                <a:latin typeface="Arial" panose="020B0604020202020204" pitchFamily="34" charset="0"/>
-                <a:ea typeface="微软雅黑" panose="020B0503020204020204" pitchFamily="34" charset="-122"/>
-              </a:defRPr>
-            </a:lvl6pPr>
-            <a:lvl7pPr marL="2971800" indent="-228600" eaLnBrk="0" fontAlgn="base" hangingPunct="0">
-              <a:spcBef>
-                <a:spcPct val="0"/>
-              </a:spcBef>
-              <a:spcAft>
-                <a:spcPct val="0"/>
-              </a:spcAft>
-              <a:defRPr sz="3200">
-                <a:solidFill>
-                  <a:schemeClr val="tx1"/>
-                </a:solidFill>
-                <a:latin typeface="Arial" panose="020B0604020202020204" pitchFamily="34" charset="0"/>
-                <a:ea typeface="微软雅黑" panose="020B0503020204020204" pitchFamily="34" charset="-122"/>
-              </a:defRPr>
-            </a:lvl7pPr>
-            <a:lvl8pPr marL="3429000" indent="-228600" eaLnBrk="0" fontAlgn="base" hangingPunct="0">
-              <a:spcBef>
-                <a:spcPct val="0"/>
-              </a:spcBef>
-              <a:spcAft>
-                <a:spcPct val="0"/>
-              </a:spcAft>
-              <a:defRPr sz="3200">
-                <a:solidFill>
-                  <a:schemeClr val="tx1"/>
-                </a:solidFill>
-                <a:latin typeface="Arial" panose="020B0604020202020204" pitchFamily="34" charset="0"/>
-                <a:ea typeface="微软雅黑" panose="020B0503020204020204" pitchFamily="34" charset="-122"/>
-              </a:defRPr>
-            </a:lvl8pPr>
-            <a:lvl9pPr marL="3886200" indent="-228600" eaLnBrk="0" fontAlgn="base" hangingPunct="0">
-              <a:spcBef>
-                <a:spcPct val="0"/>
-              </a:spcBef>
-              <a:spcAft>
-                <a:spcPct val="0"/>
-              </a:spcAft>
-              <a:defRPr sz="3200">
-                <a:solidFill>
-                  <a:schemeClr val="tx1"/>
-                </a:solidFill>
-                <a:latin typeface="Arial" panose="020B0604020202020204" pitchFamily="34" charset="0"/>
-                <a:ea typeface="微软雅黑" panose="020B0503020204020204" pitchFamily="34" charset="-122"/>
-              </a:defRPr>
-            </a:lvl9pPr>
-          </a:lstStyle>
-          <a:p>
-            <a:pPr algn="l">
-              <a:lnSpc>
-                <a:spcPct val="150000"/>
-              </a:lnSpc>
-              <a:spcBef>
-                <a:spcPts val="1200"/>
-              </a:spcBef>
-              <a:spcAft>
-                <a:spcPts val="1200"/>
-              </a:spcAft>
-              <a:buClr>
-                <a:srgbClr val="92D050"/>
-              </a:buClr>
-              <a:buFont typeface="Wingdings" panose="05000000000000000000" pitchFamily="2" charset="2"/>
-              <a:buChar char="Ø"/>
-            </a:pPr>
-            <a:r>
-              <a:rPr lang="zh-CN" altLang="en-US" sz="2800" b="1">
-                <a:solidFill>
-                  <a:schemeClr val="tx1"/>
-                </a:solidFill>
-              </a:rPr>
-              <a:t>循环</a:t>
-            </a:r>
-            <a:r>
-              <a:rPr lang="zh-CN" altLang="en-US" sz="2800" b="1">
-                <a:solidFill>
-                  <a:schemeClr val="tx1"/>
-                </a:solidFill>
-                <a:sym typeface="+mn-ea"/>
-              </a:rPr>
-              <a:t>动画</a:t>
-            </a:r>
-            <a:endParaRPr lang="zh-CN" altLang="en-US" sz="2800" b="1">
-              <a:solidFill>
-                <a:schemeClr val="tx1"/>
-              </a:solidFill>
-              <a:sym typeface="+mn-ea"/>
-            </a:endParaRPr>
-          </a:p>
-          <a:p>
-            <a:pPr algn="l">
-              <a:lnSpc>
-                <a:spcPct val="150000"/>
-              </a:lnSpc>
-              <a:spcBef>
-                <a:spcPts val="1200"/>
-              </a:spcBef>
-              <a:spcAft>
-                <a:spcPts val="1200"/>
-              </a:spcAft>
-              <a:buClr>
-                <a:srgbClr val="92D050"/>
-              </a:buClr>
-              <a:buFont typeface="Wingdings" panose="05000000000000000000" pitchFamily="2" charset="2"/>
-              <a:buChar char="Ø"/>
-            </a:pPr>
-            <a:r>
-              <a:rPr lang="zh-CN" altLang="en-US" sz="2800" b="1">
-                <a:solidFill>
-                  <a:schemeClr val="accent3"/>
-                </a:solidFill>
-                <a:sym typeface="+mn-ea"/>
-              </a:rPr>
-              <a:t>帧动画</a:t>
-            </a:r>
-            <a:endParaRPr lang="zh-CN" altLang="en-US" sz="2800" b="1">
-              <a:solidFill>
-                <a:schemeClr val="accent3"/>
-              </a:solidFill>
-              <a:sym typeface="+mn-ea"/>
-            </a:endParaRPr>
-          </a:p>
-          <a:p>
-            <a:pPr algn="l">
-              <a:lnSpc>
-                <a:spcPct val="150000"/>
-              </a:lnSpc>
-              <a:spcBef>
-                <a:spcPts val="1200"/>
-              </a:spcBef>
-              <a:spcAft>
-                <a:spcPts val="1200"/>
-              </a:spcAft>
-              <a:buClr>
-                <a:srgbClr val="92D050"/>
-              </a:buClr>
-              <a:buFont typeface="Wingdings" panose="05000000000000000000" pitchFamily="2" charset="2"/>
-              <a:buChar char="Ø"/>
-            </a:pPr>
-            <a:r>
-              <a:rPr lang="zh-CN" altLang="en-US" sz="2800" b="1">
-                <a:solidFill>
-                  <a:schemeClr val="tx1"/>
-                </a:solidFill>
-                <a:sym typeface="+mn-ea"/>
-              </a:rPr>
-              <a:t>重力与碰撞</a:t>
-            </a:r>
-            <a:endParaRPr lang="zh-CN" altLang="en-US" sz="2800" b="1">
-              <a:solidFill>
-                <a:schemeClr val="tx1"/>
-              </a:solidFill>
-              <a:sym typeface="+mn-ea"/>
-            </a:endParaRPr>
-          </a:p>
-        </p:txBody>
-      </p:sp>
-    </p:spTree>
-  </p:cSld>
-  <p:clrMapOvr>
-    <a:masterClrMapping/>
-  </p:clrMapOvr>
-  <p:timing>
-    <p:tnLst>
-      <p:par>
-        <p:cTn id="1" dur="indefinite" restart="never" nodeType="tmRoot"/>
-      </p:par>
-    </p:tnLst>
-  </p:timing>
-</p:sld>
-</file>
-
-<file path=ppt/slides/slide8.xml><?xml version="1.0" encoding="utf-8"?>
-<p:sld xmlns:a="http://schemas.openxmlformats.org/drawingml/2006/main" xmlns:r="http://schemas.openxmlformats.org/officeDocument/2006/relationships" xmlns:p="http://schemas.openxmlformats.org/presentationml/2006/main">
-  <p:cSld>
-    <p:spTree>
-      <p:nvGrpSpPr>
-        <p:cNvPr id="1" name=""/>
-        <p:cNvGrpSpPr/>
-        <p:nvPr/>
-      </p:nvGrpSpPr>
-      <p:grpSpPr>
-        <a:xfrm>
-          <a:off x="0" y="0"/>
-          <a:ext cx="0" cy="0"/>
-          <a:chOff x="0" y="0"/>
-          <a:chExt cx="0" cy="0"/>
-        </a:xfrm>
-      </p:grpSpPr>
-      <p:sp>
-        <p:nvSpPr>
-          <p:cNvPr id="5122" name="内容占位符 2"/>
-          <p:cNvSpPr>
-            <a:spLocks noGrp="1"/>
-          </p:cNvSpPr>
-          <p:nvPr>
-            <p:ph idx="1"/>
-          </p:nvPr>
-        </p:nvSpPr>
-        <p:spPr>
-          <a:xfrm>
-            <a:off x="896620" y="829945"/>
-            <a:ext cx="10385425" cy="5245100"/>
-          </a:xfrm>
-        </p:spPr>
-        <p:txBody>
-          <a:bodyPr/>
-          <a:lstStyle/>
-          <a:p>
-            <a:pPr>
-              <a:lnSpc>
-                <a:spcPct val="150000"/>
-              </a:lnSpc>
-              <a:spcBef>
-                <a:spcPts val="1000"/>
-              </a:spcBef>
-            </a:pPr>
-            <a:r>
-              <a:rPr lang="zh-CN" altLang="en-US" sz="2800" noProof="1">
-                <a:solidFill>
-                  <a:schemeClr val="tx1"/>
-                </a:solidFill>
-                <a:latin typeface="微软雅黑" panose="020B0503020204020204" pitchFamily="34" charset="-122"/>
-                <a:ea typeface="微软雅黑" panose="020B0503020204020204" pitchFamily="34" charset="-122"/>
-                <a:sym typeface="+mn-ea"/>
-              </a:rPr>
-              <a:t>帧动画基本形式</a:t>
-            </a:r>
-            <a:br>
-              <a:rPr lang="zh-CN" altLang="en-US" sz="2800" noProof="1">
-                <a:solidFill>
-                  <a:schemeClr val="tx1"/>
-                </a:solidFill>
-                <a:latin typeface="微软雅黑" panose="020B0503020204020204" pitchFamily="34" charset="-122"/>
-                <a:ea typeface="微软雅黑" panose="020B0503020204020204" pitchFamily="34" charset="-122"/>
-                <a:sym typeface="+mn-ea"/>
-              </a:rPr>
-            </a:br>
-            <a:endParaRPr lang="en-US" altLang="zh-CN" sz="2400" noProof="1">
-              <a:solidFill>
-                <a:schemeClr val="tx1"/>
-              </a:solidFill>
-              <a:latin typeface="微软雅黑" panose="020B0503020204020204" pitchFamily="34" charset="-122"/>
-              <a:ea typeface="微软雅黑" panose="020B0503020204020204" pitchFamily="34" charset="-122"/>
-              <a:sym typeface="+mn-ea"/>
-            </a:endParaRPr>
-          </a:p>
-          <a:p>
-            <a:pPr>
-              <a:lnSpc>
-                <a:spcPct val="150000"/>
-              </a:lnSpc>
-              <a:spcBef>
-                <a:spcPts val="1000"/>
-              </a:spcBef>
-            </a:pPr>
-            <a:endParaRPr lang="en-US" altLang="zh-CN" sz="2800">
-              <a:solidFill>
-                <a:schemeClr val="tx1"/>
-              </a:solidFill>
-              <a:sym typeface="+mn-ea"/>
-            </a:endParaRPr>
-          </a:p>
-          <a:p>
-            <a:pPr>
-              <a:lnSpc>
-                <a:spcPct val="150000"/>
-              </a:lnSpc>
-              <a:spcBef>
-                <a:spcPts val="1000"/>
-              </a:spcBef>
-            </a:pPr>
-            <a:endParaRPr lang="en-US" altLang="zh-CN" sz="2800" noProof="1">
-              <a:solidFill>
-                <a:schemeClr val="tx1"/>
-              </a:solidFill>
-              <a:latin typeface="微软雅黑" panose="020B0503020204020204" pitchFamily="34" charset="-122"/>
-              <a:ea typeface="微软雅黑" panose="020B0503020204020204" pitchFamily="34" charset="-122"/>
-            </a:endParaRPr>
-          </a:p>
-          <a:p>
-            <a:pPr>
-              <a:lnSpc>
-                <a:spcPct val="150000"/>
-              </a:lnSpc>
-              <a:spcBef>
-                <a:spcPts val="1000"/>
-              </a:spcBef>
-            </a:pPr>
-            <a:endParaRPr lang="en-US" altLang="zh-CN" sz="2800" noProof="1">
-              <a:solidFill>
-                <a:schemeClr val="tx1"/>
-              </a:solidFill>
-              <a:latin typeface="微软雅黑" panose="020B0503020204020204" pitchFamily="34" charset="-122"/>
-              <a:ea typeface="微软雅黑" panose="020B0503020204020204" pitchFamily="34" charset="-122"/>
-            </a:endParaRPr>
-          </a:p>
-          <a:p>
-            <a:pPr marL="0" indent="0">
-              <a:buFont typeface="Wingdings 2" panose="05020102010507070707" pitchFamily="18" charset="2"/>
-              <a:buNone/>
-            </a:pPr>
-            <a:endParaRPr lang="en-US" altLang="zh-CN" noProof="1">
-              <a:solidFill>
-                <a:schemeClr val="tx1"/>
-              </a:solidFill>
-              <a:latin typeface="微软雅黑" panose="020B0503020204020204" pitchFamily="34" charset="-122"/>
-              <a:ea typeface="微软雅黑" panose="020B0503020204020204" pitchFamily="34" charset="-122"/>
-            </a:endParaRPr>
-          </a:p>
-        </p:txBody>
-      </p:sp>
-      <p:sp>
-        <p:nvSpPr>
-          <p:cNvPr id="2" name="内容占位符 1"/>
-          <p:cNvSpPr>
-            <a:spLocks noGrp="1"/>
-          </p:cNvSpPr>
-          <p:nvPr>
-            <p:ph sz="quarter" idx="11"/>
-          </p:nvPr>
-        </p:nvSpPr>
-        <p:spPr>
-          <a:xfrm>
-            <a:off x="947420" y="236855"/>
-            <a:ext cx="8415655" cy="490220"/>
-          </a:xfrm>
-        </p:spPr>
-        <p:txBody>
-          <a:bodyPr/>
-          <a:p>
-            <a:r>
-              <a:rPr kumimoji="0" lang="zh-CN" altLang="en-US" dirty="0"/>
-              <a:t>帧动画</a:t>
-            </a:r>
-            <a:endParaRPr kumimoji="0" lang="zh-CN" altLang="en-US" dirty="0"/>
-          </a:p>
-        </p:txBody>
-      </p:sp>
-      <p:sp>
-        <p:nvSpPr>
-          <p:cNvPr id="16" name="文本框 15"/>
-          <p:cNvSpPr txBox="1"/>
-          <p:nvPr/>
-        </p:nvSpPr>
-        <p:spPr>
-          <a:xfrm>
-            <a:off x="6143625" y="6075045"/>
-            <a:ext cx="5433060" cy="429895"/>
-          </a:xfrm>
-          <a:prstGeom prst="rect">
-            <a:avLst/>
-          </a:prstGeom>
-          <a:noFill/>
-        </p:spPr>
-        <p:txBody>
-          <a:bodyPr wrap="square" rtlCol="0">
-            <a:spAutoFit/>
-          </a:bodyPr>
-          <a:p>
-            <a:pPr algn="l"/>
-            <a:r>
-              <a:rPr lang="zh-CN" sz="2200">
+            <a:r>
+              <a:rPr lang="en-US" altLang="zh-CN" sz="2200">
                 <a:solidFill>
                   <a:srgbClr val="FF0000"/>
                 </a:solidFill>
@@ -5125,7 +6297,7 @@
                 <a:ea typeface="+mn-ea"/>
                 <a:sym typeface="+mn-ea"/>
               </a:rPr>
-              <a:t>参见实例：</a:t>
+              <a:t>LS04_03.html</a:t>
             </a:r>
             <a:endParaRPr lang="zh-CN" sz="2200">
               <a:solidFill>
@@ -5170,6 +6342,212 @@
   <p:clrMapOvr>
     <a:masterClrMapping/>
   </p:clrMapOvr>
+  <p:timing>
+    <p:tnLst>
+      <p:par>
+        <p:cTn id="1" dur="indefinite" restart="never" nodeType="tmRoot">
+          <p:childTnLst>
+            <p:seq concurrent="1" nextAc="seek">
+              <p:cTn id="2" dur="indefinite" nodeType="mainSeq">
+                <p:childTnLst>
+                  <p:par>
+                    <p:cTn id="3" fill="hold">
+                      <p:stCondLst>
+                        <p:cond delay="indefinite"/>
+                      </p:stCondLst>
+                      <p:childTnLst>
+                        <p:par>
+                          <p:cTn id="4" fill="hold">
+                            <p:stCondLst>
+                              <p:cond delay="0"/>
+                            </p:stCondLst>
+                            <p:childTnLst>
+                              <p:par>
+                                <p:cTn id="5" presetID="2" presetClass="entr" presetSubtype="4" fill="hold" nodeType="clickEffect">
+                                  <p:stCondLst>
+                                    <p:cond delay="0"/>
+                                  </p:stCondLst>
+                                  <p:childTnLst>
+                                    <p:set>
+                                      <p:cBhvr>
+                                        <p:cTn id="6" dur="1" fill="hold">
+                                          <p:stCondLst>
+                                            <p:cond delay="0"/>
+                                          </p:stCondLst>
+                                        </p:cTn>
+                                        <p:tgtEl>
+                                          <p:spTgt spid="29699"/>
+                                        </p:tgtEl>
+                                        <p:attrNameLst>
+                                          <p:attrName>style.visibility</p:attrName>
+                                        </p:attrNameLst>
+                                      </p:cBhvr>
+                                      <p:to>
+                                        <p:strVal val="visible"/>
+                                      </p:to>
+                                    </p:set>
+                                    <p:anim calcmode="lin" valueType="num">
+                                      <p:cBhvr additive="base">
+                                        <p:cTn id="7" dur="500" fill="hold"/>
+                                        <p:tgtEl>
+                                          <p:spTgt spid="29699"/>
+                                        </p:tgtEl>
+                                        <p:attrNameLst>
+                                          <p:attrName>ppt_x</p:attrName>
+                                        </p:attrNameLst>
+                                      </p:cBhvr>
+                                      <p:tavLst>
+                                        <p:tav tm="0">
+                                          <p:val>
+                                            <p:strVal val="#ppt_x"/>
+                                          </p:val>
+                                        </p:tav>
+                                        <p:tav tm="100000">
+                                          <p:val>
+                                            <p:strVal val="#ppt_x"/>
+                                          </p:val>
+                                        </p:tav>
+                                      </p:tavLst>
+                                    </p:anim>
+                                    <p:anim calcmode="lin" valueType="num">
+                                      <p:cBhvr additive="base">
+                                        <p:cTn id="8" dur="500" fill="hold"/>
+                                        <p:tgtEl>
+                                          <p:spTgt spid="29699"/>
+                                        </p:tgtEl>
+                                        <p:attrNameLst>
+                                          <p:attrName>ppt_y</p:attrName>
+                                        </p:attrNameLst>
+                                      </p:cBhvr>
+                                      <p:tavLst>
+                                        <p:tav tm="0">
+                                          <p:val>
+                                            <p:strVal val="1+#ppt_h/2"/>
+                                          </p:val>
+                                        </p:tav>
+                                        <p:tav tm="100000">
+                                          <p:val>
+                                            <p:strVal val="#ppt_y"/>
+                                          </p:val>
+                                        </p:tav>
+                                      </p:tavLst>
+                                    </p:anim>
+                                  </p:childTnLst>
+                                </p:cTn>
+                              </p:par>
+                            </p:childTnLst>
+                          </p:cTn>
+                        </p:par>
+                        <p:par>
+                          <p:cTn id="9" fill="hold">
+                            <p:stCondLst>
+                              <p:cond delay="500"/>
+                            </p:stCondLst>
+                            <p:childTnLst>
+                              <p:par>
+                                <p:cTn id="10" presetID="2" presetClass="entr" presetSubtype="4" fill="hold" grpId="0" nodeType="afterEffect">
+                                  <p:stCondLst>
+                                    <p:cond delay="0"/>
+                                  </p:stCondLst>
+                                  <p:childTnLst>
+                                    <p:set>
+                                      <p:cBhvr>
+                                        <p:cTn id="11" dur="1" fill="hold">
+                                          <p:stCondLst>
+                                            <p:cond delay="0"/>
+                                          </p:stCondLst>
+                                        </p:cTn>
+                                        <p:tgtEl>
+                                          <p:spTgt spid="16"/>
+                                        </p:tgtEl>
+                                        <p:attrNameLst>
+                                          <p:attrName>style.visibility</p:attrName>
+                                        </p:attrNameLst>
+                                      </p:cBhvr>
+                                      <p:to>
+                                        <p:strVal val="visible"/>
+                                      </p:to>
+                                    </p:set>
+                                    <p:anim calcmode="lin" valueType="num">
+                                      <p:cBhvr additive="base">
+                                        <p:cTn id="12" dur="500" fill="hold"/>
+                                        <p:tgtEl>
+                                          <p:spTgt spid="16"/>
+                                        </p:tgtEl>
+                                        <p:attrNameLst>
+                                          <p:attrName>ppt_x</p:attrName>
+                                        </p:attrNameLst>
+                                      </p:cBhvr>
+                                      <p:tavLst>
+                                        <p:tav tm="0">
+                                          <p:val>
+                                            <p:strVal val="#ppt_x"/>
+                                          </p:val>
+                                        </p:tav>
+                                        <p:tav tm="100000">
+                                          <p:val>
+                                            <p:strVal val="#ppt_x"/>
+                                          </p:val>
+                                        </p:tav>
+                                      </p:tavLst>
+                                    </p:anim>
+                                    <p:anim calcmode="lin" valueType="num">
+                                      <p:cBhvr additive="base">
+                                        <p:cTn id="13" dur="500" fill="hold"/>
+                                        <p:tgtEl>
+                                          <p:spTgt spid="16"/>
+                                        </p:tgtEl>
+                                        <p:attrNameLst>
+                                          <p:attrName>ppt_y</p:attrName>
+                                        </p:attrNameLst>
+                                      </p:cBhvr>
+                                      <p:tavLst>
+                                        <p:tav tm="0">
+                                          <p:val>
+                                            <p:strVal val="1+#ppt_h/2"/>
+                                          </p:val>
+                                        </p:tav>
+                                        <p:tav tm="100000">
+                                          <p:val>
+                                            <p:strVal val="#ppt_y"/>
+                                          </p:val>
+                                        </p:tav>
+                                      </p:tavLst>
+                                    </p:anim>
+                                  </p:childTnLst>
+                                </p:cTn>
+                              </p:par>
+                            </p:childTnLst>
+                          </p:cTn>
+                        </p:par>
+                      </p:childTnLst>
+                    </p:cTn>
+                  </p:par>
+                </p:childTnLst>
+              </p:cTn>
+              <p:prevCondLst>
+                <p:cond evt="onPrev" delay="0">
+                  <p:tgtEl>
+                    <p:sldTgt/>
+                  </p:tgtEl>
+                </p:cond>
+              </p:prevCondLst>
+              <p:nextCondLst>
+                <p:cond evt="onNext" delay="0">
+                  <p:tgtEl>
+                    <p:sldTgt/>
+                  </p:tgtEl>
+                </p:cond>
+              </p:nextCondLst>
+            </p:seq>
+          </p:childTnLst>
+        </p:cTn>
+      </p:par>
+    </p:tnLst>
+    <p:bldLst>
+      <p:bldP spid="16" grpId="0"/>
+    </p:bldLst>
+  </p:timing>
 </p:sld>
 </file>
 

--- a/课程PPT/（04）H5 Canvas动画.pptx
+++ b/课程PPT/（04）H5 Canvas动画.pptx
@@ -13,7 +13,7 @@
     <p:sldId id="1155" r:id="rId6"/>
     <p:sldId id="1156" r:id="rId7"/>
     <p:sldId id="1157" r:id="rId8"/>
-    <p:sldId id="1159" r:id="rId9"/>
+    <p:sldId id="1182" r:id="rId9"/>
     <p:sldId id="1170" r:id="rId10"/>
     <p:sldId id="1178" r:id="rId11"/>
     <p:sldId id="1171" r:id="rId12"/>
@@ -4028,25 +4028,7 @@
                 </a:solidFill>
                 <a:sym typeface="+mn-ea"/>
               </a:rPr>
-              <a:t>- </a:t>
-            </a:r>
-            <a:r>
-              <a:rPr lang="en-US" altLang="zh-CN" sz="2000">
-                <a:solidFill>
-                  <a:schemeClr val="tx1"/>
-                </a:solidFill>
-                <a:sym typeface="+mn-ea"/>
-              </a:rPr>
-              <a:t>window.</a:t>
-            </a:r>
-            <a:r>
-              <a:rPr lang="en-US" altLang="zh-CN" sz="2000">
-                <a:solidFill>
-                  <a:schemeClr val="tx1"/>
-                </a:solidFill>
-                <a:sym typeface="+mn-ea"/>
-              </a:rPr>
-              <a:t>webkitRequestAnimationFrame</a:t>
+              <a:t>- window.webkitRequestAnimationFrame</a:t>
             </a:r>
             <a:r>
               <a:rPr lang="zh-CN" altLang="en-US" sz="2000">
@@ -4072,25 +4054,7 @@
                 </a:solidFill>
                 <a:sym typeface="+mn-ea"/>
               </a:rPr>
-              <a:t>- </a:t>
-            </a:r>
-            <a:r>
-              <a:rPr lang="en-US" altLang="zh-CN" sz="2000">
-                <a:solidFill>
-                  <a:schemeClr val="tx1"/>
-                </a:solidFill>
-                <a:sym typeface="+mn-ea"/>
-              </a:rPr>
-              <a:t>window.</a:t>
-            </a:r>
-            <a:r>
-              <a:rPr lang="en-US" altLang="zh-CN" sz="2000">
-                <a:solidFill>
-                  <a:schemeClr val="tx1"/>
-                </a:solidFill>
-                <a:sym typeface="+mn-ea"/>
-              </a:rPr>
-              <a:t>mozRequestAnimationFrame</a:t>
+              <a:t>- window.mozRequestAnimationFrame</a:t>
             </a:r>
             <a:r>
               <a:rPr lang="zh-CN" altLang="en-US" sz="2000">
@@ -4116,25 +4080,7 @@
                 </a:solidFill>
                 <a:sym typeface="+mn-ea"/>
               </a:rPr>
-              <a:t>- </a:t>
-            </a:r>
-            <a:r>
-              <a:rPr lang="en-US" altLang="zh-CN" sz="2000">
-                <a:solidFill>
-                  <a:schemeClr val="tx1"/>
-                </a:solidFill>
-                <a:sym typeface="+mn-ea"/>
-              </a:rPr>
-              <a:t>window.</a:t>
-            </a:r>
-            <a:r>
-              <a:rPr lang="en-US" altLang="zh-CN" sz="2000">
-                <a:solidFill>
-                  <a:schemeClr val="tx1"/>
-                </a:solidFill>
-                <a:sym typeface="+mn-ea"/>
-              </a:rPr>
-              <a:t>oRequestAnimationFrame</a:t>
+              <a:t>- window.oRequestAnimationFrame</a:t>
             </a:r>
             <a:r>
               <a:rPr lang="zh-CN" altLang="en-US" sz="2000">
@@ -4160,25 +4106,7 @@
                 </a:solidFill>
                 <a:sym typeface="+mn-ea"/>
               </a:rPr>
-              <a:t>- </a:t>
-            </a:r>
-            <a:r>
-              <a:rPr lang="en-US" altLang="zh-CN" sz="2000">
-                <a:solidFill>
-                  <a:schemeClr val="tx1"/>
-                </a:solidFill>
-                <a:sym typeface="+mn-ea"/>
-              </a:rPr>
-              <a:t>window.</a:t>
-            </a:r>
-            <a:r>
-              <a:rPr lang="en-US" altLang="zh-CN" sz="2000">
-                <a:solidFill>
-                  <a:schemeClr val="tx1"/>
-                </a:solidFill>
-                <a:sym typeface="+mn-ea"/>
-              </a:rPr>
-              <a:t>msRequestAnimationFrame</a:t>
+              <a:t>- window.msRequestAnimationFrame</a:t>
             </a:r>
             <a:r>
               <a:rPr lang="zh-CN" altLang="en-US" sz="2000">
@@ -4720,6 +4648,9 @@
                     <p:cTn id="3" fill="hold">
                       <p:stCondLst>
                         <p:cond delay="indefinite"/>
+                        <p:cond evt="onBegin" delay="0">
+                          <p:tn val="2"/>
+                        </p:cond>
                       </p:stCondLst>
                       <p:childTnLst>
                         <p:par>
@@ -4729,7 +4660,7 @@
                             </p:stCondLst>
                             <p:childTnLst>
                               <p:par>
-                                <p:cTn id="5" presetID="2" presetClass="entr" presetSubtype="4" fill="hold" nodeType="clickEffect">
+                                <p:cTn id="5" presetID="2" presetClass="entr" presetSubtype="4" fill="hold" nodeType="afterEffect">
                                   <p:stCondLst>
                                     <p:cond delay="0"/>
                                   </p:stCondLst>
@@ -5051,6 +4982,9 @@
                     <p:cTn id="3" fill="hold">
                       <p:stCondLst>
                         <p:cond delay="indefinite"/>
+                        <p:cond evt="onBegin" delay="0">
+                          <p:tn val="2"/>
+                        </p:cond>
                       </p:stCondLst>
                       <p:childTnLst>
                         <p:par>
@@ -5060,7 +4994,7 @@
                             </p:stCondLst>
                             <p:childTnLst>
                               <p:par>
-                                <p:cTn id="5" presetID="2" presetClass="entr" presetSubtype="4" fill="hold" nodeType="clickEffect">
+                                <p:cTn id="5" presetID="2" presetClass="entr" presetSubtype="4" fill="hold" nodeType="afterEffect">
                                   <p:stCondLst>
                                     <p:cond delay="0"/>
                                   </p:stCondLst>
@@ -5217,7 +5151,7 @@
                 <a:ea typeface="微软雅黑" panose="020B0503020204020204" pitchFamily="34" charset="-122"/>
                 <a:sym typeface="+mn-ea"/>
               </a:rPr>
-              <a:t>循环动画基本形式</a:t>
+              <a:t>启动动画循环</a:t>
             </a:r>
             <a:br>
               <a:rPr lang="zh-CN" altLang="en-US" sz="2800" noProof="1">
@@ -5230,44 +5164,6 @@
               </a:rPr>
             </a:br>
             <a:r>
-              <a:rPr lang="en-US" altLang="zh-CN" sz="2400" noProof="1">
-                <a:solidFill>
-                  <a:schemeClr val="accent1">
-                    <a:lumMod val="90000"/>
-                    <a:lumOff val="10000"/>
-                  </a:schemeClr>
-                </a:solidFill>
-                <a:latin typeface="微软雅黑" panose="020B0503020204020204" pitchFamily="34" charset="-122"/>
-                <a:ea typeface="微软雅黑" panose="020B0503020204020204" pitchFamily="34" charset="-122"/>
-                <a:sym typeface="+mn-ea"/>
-              </a:rPr>
-              <a:t>//	</a:t>
-            </a:r>
-            <a:r>
-              <a:rPr lang="zh-CN" altLang="en-US" sz="2400" noProof="1">
-                <a:solidFill>
-                  <a:schemeClr val="accent1">
-                    <a:lumMod val="90000"/>
-                    <a:lumOff val="10000"/>
-                  </a:schemeClr>
-                </a:solidFill>
-                <a:latin typeface="微软雅黑" panose="020B0503020204020204" pitchFamily="34" charset="-122"/>
-                <a:ea typeface="微软雅黑" panose="020B0503020204020204" pitchFamily="34" charset="-122"/>
-                <a:sym typeface="+mn-ea"/>
-              </a:rPr>
-              <a:t>启动动画循环</a:t>
-            </a:r>
-            <a:br>
-              <a:rPr lang="zh-CN" altLang="en-US" sz="2800" noProof="1">
-                <a:solidFill>
-                  <a:schemeClr val="tx1"/>
-                </a:solidFill>
-                <a:latin typeface="微软雅黑" panose="020B0503020204020204" pitchFamily="34" charset="-122"/>
-                <a:ea typeface="微软雅黑" panose="020B0503020204020204" pitchFamily="34" charset="-122"/>
-                <a:sym typeface="+mn-ea"/>
-              </a:rPr>
-            </a:br>
-            <a:r>
               <a:rPr sz="2400" noProof="1">
                 <a:solidFill>
                   <a:schemeClr val="tx1"/>
@@ -5289,7 +5185,7 @@
               </a:rPr>
             </a:br>
             <a:r>
-              <a:rPr lang="en-US" sz="2400" noProof="1">
+              <a:rPr sz="2400" noProof="1">
                 <a:solidFill>
                   <a:schemeClr val="tx1"/>
                 </a:solidFill>
@@ -5297,18 +5193,7 @@
                 <a:ea typeface="微软雅黑" panose="020B0503020204020204" pitchFamily="34" charset="-122"/>
                 <a:sym typeface="+mn-ea"/>
               </a:rPr>
-              <a:t>	    </a:t>
-            </a:r>
-            <a:r>
-              <a:rPr sz="2400" noProof="1">
-                <a:solidFill>
-                  <a:schemeClr val="tx1"/>
-                </a:solidFill>
-                <a:latin typeface="微软雅黑" panose="020B0503020204020204" pitchFamily="34" charset="-122"/>
-                <a:ea typeface="微软雅黑" panose="020B0503020204020204" pitchFamily="34" charset="-122"/>
-                <a:sym typeface="+mn-ea"/>
-              </a:rPr>
-              <a:t>console.log("xx");</a:t>
+              <a:t>    animHandle=requestAnimationFrame(anim);</a:t>
             </a:r>
             <a:br>
               <a:rPr sz="2400" noProof="1">
@@ -5329,7 +5214,7 @@
                 <a:ea typeface="微软雅黑" panose="020B0503020204020204" pitchFamily="34" charset="-122"/>
                 <a:sym typeface="+mn-ea"/>
               </a:rPr>
-              <a:t>    animHandle=requestAnimationFrame(anim);</a:t>
+              <a:t>};</a:t>
             </a:r>
             <a:br>
               <a:rPr sz="2400" noProof="1">
@@ -5350,60 +5235,30 @@
                 <a:ea typeface="微软雅黑" panose="020B0503020204020204" pitchFamily="34" charset="-122"/>
                 <a:sym typeface="+mn-ea"/>
               </a:rPr>
-              <a:t>};</a:t>
-            </a:r>
-            <a:br>
-              <a:rPr sz="2400" noProof="1">
-                <a:solidFill>
-                  <a:schemeClr val="tx1"/>
-                </a:solidFill>
-                <a:latin typeface="微软雅黑" panose="020B0503020204020204" pitchFamily="34" charset="-122"/>
-                <a:ea typeface="微软雅黑" panose="020B0503020204020204" pitchFamily="34" charset="-122"/>
-                <a:sym typeface="+mn-ea"/>
-              </a:rPr>
-            </a:br>
-            <a:r>
-              <a:rPr sz="2400" noProof="1">
-                <a:solidFill>
-                  <a:schemeClr val="tx1"/>
-                </a:solidFill>
-                <a:latin typeface="微软雅黑" panose="020B0503020204020204" pitchFamily="34" charset="-122"/>
-                <a:ea typeface="微软雅黑" panose="020B0503020204020204" pitchFamily="34" charset="-122"/>
-                <a:sym typeface="+mn-ea"/>
-              </a:rPr>
               <a:t>var animHandle = requestAnimationFrame(anim);</a:t>
             </a:r>
-            <a:br>
-              <a:rPr sz="2400" noProof="1">
-                <a:solidFill>
-                  <a:schemeClr val="tx1"/>
-                </a:solidFill>
-                <a:latin typeface="微软雅黑" panose="020B0503020204020204" pitchFamily="34" charset="-122"/>
-                <a:ea typeface="微软雅黑" panose="020B0503020204020204" pitchFamily="34" charset="-122"/>
-                <a:sym typeface="+mn-ea"/>
-              </a:rPr>
-            </a:br>
-            <a:r>
-              <a:rPr lang="en-US" altLang="zh-CN" sz="2400" noProof="1">
-                <a:solidFill>
-                  <a:schemeClr val="accent1">
-                    <a:lumMod val="90000"/>
-                    <a:lumOff val="10000"/>
-                  </a:schemeClr>
-                </a:solidFill>
-                <a:latin typeface="微软雅黑" panose="020B0503020204020204" pitchFamily="34" charset="-122"/>
-                <a:ea typeface="微软雅黑" panose="020B0503020204020204" pitchFamily="34" charset="-122"/>
-                <a:sym typeface="+mn-ea"/>
-              </a:rPr>
-              <a:t>// </a:t>
-            </a:r>
-            <a:r>
-              <a:rPr lang="zh-CN" altLang="en-US" sz="2400" noProof="1">
-                <a:solidFill>
-                  <a:schemeClr val="accent1">
-                    <a:lumMod val="90000"/>
-                    <a:lumOff val="10000"/>
-                  </a:schemeClr>
+            <a:endParaRPr sz="2400" noProof="1">
+              <a:solidFill>
+                <a:schemeClr val="tx1"/>
+              </a:solidFill>
+              <a:latin typeface="微软雅黑" panose="020B0503020204020204" pitchFamily="34" charset="-122"/>
+              <a:ea typeface="微软雅黑" panose="020B0503020204020204" pitchFamily="34" charset="-122"/>
+              <a:sym typeface="+mn-ea"/>
+            </a:endParaRPr>
+          </a:p>
+          <a:p>
+            <a:pPr>
+              <a:lnSpc>
+                <a:spcPct val="150000"/>
+              </a:lnSpc>
+              <a:spcBef>
+                <a:spcPts val="1000"/>
+              </a:spcBef>
+            </a:pPr>
+            <a:r>
+              <a:rPr lang="zh-CN" altLang="en-US" sz="2800" noProof="1">
+                <a:solidFill>
+                  <a:schemeClr val="tx1"/>
                 </a:solidFill>
                 <a:latin typeface="微软雅黑" panose="020B0503020204020204" pitchFamily="34" charset="-122"/>
                 <a:ea typeface="微软雅黑" panose="020B0503020204020204" pitchFamily="34" charset="-122"/>
@@ -5422,7 +5277,7 @@
               </a:rPr>
             </a:br>
             <a:r>
-              <a:rPr lang="zh-CN" altLang="en-US" sz="2400" noProof="1">
+              <a:rPr lang="en-US" altLang="zh-CN" sz="2400" noProof="1">
                 <a:solidFill>
                   <a:schemeClr val="tx1"/>
                 </a:solidFill>
@@ -5430,18 +5285,7 @@
                 <a:ea typeface="微软雅黑" panose="020B0503020204020204" pitchFamily="34" charset="-122"/>
                 <a:sym typeface="+mn-ea"/>
               </a:rPr>
-              <a:t>/</a:t>
-            </a:r>
-            <a:r>
-              <a:rPr lang="en-US" altLang="zh-CN" sz="2400" noProof="1">
-                <a:solidFill>
-                  <a:schemeClr val="tx1"/>
-                </a:solidFill>
-                <a:latin typeface="微软雅黑" panose="020B0503020204020204" pitchFamily="34" charset="-122"/>
-                <a:ea typeface="微软雅黑" panose="020B0503020204020204" pitchFamily="34" charset="-122"/>
-                <a:sym typeface="+mn-ea"/>
-              </a:rPr>
-              <a:t>/ cancelAnimationFrame(animHandle);</a:t>
+              <a:t>cancelAnimationFrame(animHandle);</a:t>
             </a:r>
             <a:endParaRPr lang="en-US" altLang="zh-CN" sz="2800" noProof="1">
               <a:solidFill>
@@ -5592,6 +5436,336 @@
   <p:clrMapOvr>
     <a:masterClrMapping/>
   </p:clrMapOvr>
+  <p:timing>
+    <p:tnLst>
+      <p:par>
+        <p:cTn id="1" dur="indefinite" restart="never" nodeType="tmRoot">
+          <p:childTnLst>
+            <p:seq concurrent="1" nextAc="seek">
+              <p:cTn id="2" dur="indefinite" nodeType="mainSeq">
+                <p:childTnLst>
+                  <p:par>
+                    <p:cTn id="3" fill="hold">
+                      <p:stCondLst>
+                        <p:cond delay="indefinite"/>
+                      </p:stCondLst>
+                      <p:childTnLst>
+                        <p:par>
+                          <p:cTn id="4" fill="hold">
+                            <p:stCondLst>
+                              <p:cond delay="0"/>
+                            </p:stCondLst>
+                            <p:childTnLst>
+                              <p:par>
+                                <p:cTn id="5" presetID="2" presetClass="entr" presetSubtype="4" fill="hold" nodeType="clickEffect">
+                                  <p:stCondLst>
+                                    <p:cond delay="0"/>
+                                  </p:stCondLst>
+                                  <p:childTnLst>
+                                    <p:set>
+                                      <p:cBhvr>
+                                        <p:cTn id="6" dur="1" fill="hold">
+                                          <p:stCondLst>
+                                            <p:cond delay="0"/>
+                                          </p:stCondLst>
+                                        </p:cTn>
+                                        <p:tgtEl>
+                                          <p:spTgt spid="5122">
+                                            <p:txEl>
+                                              <p:pRg st="0" end="0"/>
+                                            </p:txEl>
+                                          </p:spTgt>
+                                        </p:tgtEl>
+                                        <p:attrNameLst>
+                                          <p:attrName>style.visibility</p:attrName>
+                                        </p:attrNameLst>
+                                      </p:cBhvr>
+                                      <p:to>
+                                        <p:strVal val="visible"/>
+                                      </p:to>
+                                    </p:set>
+                                    <p:anim calcmode="lin" valueType="num">
+                                      <p:cBhvr additive="base">
+                                        <p:cTn id="7" dur="500" fill="hold"/>
+                                        <p:tgtEl>
+                                          <p:spTgt spid="5122">
+                                            <p:txEl>
+                                              <p:pRg st="0" end="0"/>
+                                            </p:txEl>
+                                          </p:spTgt>
+                                        </p:tgtEl>
+                                        <p:attrNameLst>
+                                          <p:attrName>ppt_x</p:attrName>
+                                        </p:attrNameLst>
+                                      </p:cBhvr>
+                                      <p:tavLst>
+                                        <p:tav tm="0">
+                                          <p:val>
+                                            <p:strVal val="#ppt_x"/>
+                                          </p:val>
+                                        </p:tav>
+                                        <p:tav tm="100000">
+                                          <p:val>
+                                            <p:strVal val="#ppt_x"/>
+                                          </p:val>
+                                        </p:tav>
+                                      </p:tavLst>
+                                    </p:anim>
+                                    <p:anim calcmode="lin" valueType="num">
+                                      <p:cBhvr additive="base">
+                                        <p:cTn id="8" dur="500" fill="hold"/>
+                                        <p:tgtEl>
+                                          <p:spTgt spid="5122">
+                                            <p:txEl>
+                                              <p:pRg st="0" end="0"/>
+                                            </p:txEl>
+                                          </p:spTgt>
+                                        </p:tgtEl>
+                                        <p:attrNameLst>
+                                          <p:attrName>ppt_y</p:attrName>
+                                        </p:attrNameLst>
+                                      </p:cBhvr>
+                                      <p:tavLst>
+                                        <p:tav tm="0">
+                                          <p:val>
+                                            <p:strVal val="1+#ppt_h/2"/>
+                                          </p:val>
+                                        </p:tav>
+                                        <p:tav tm="100000">
+                                          <p:val>
+                                            <p:strVal val="#ppt_y"/>
+                                          </p:val>
+                                        </p:tav>
+                                      </p:tavLst>
+                                    </p:anim>
+                                  </p:childTnLst>
+                                </p:cTn>
+                              </p:par>
+                            </p:childTnLst>
+                          </p:cTn>
+                        </p:par>
+                      </p:childTnLst>
+                    </p:cTn>
+                  </p:par>
+                  <p:par>
+                    <p:cTn id="9" fill="hold">
+                      <p:stCondLst>
+                        <p:cond delay="indefinite"/>
+                      </p:stCondLst>
+                      <p:childTnLst>
+                        <p:par>
+                          <p:cTn id="10" fill="hold">
+                            <p:stCondLst>
+                              <p:cond delay="0"/>
+                            </p:stCondLst>
+                            <p:childTnLst>
+                              <p:par>
+                                <p:cTn id="11" presetID="2" presetClass="entr" presetSubtype="4" fill="hold" nodeType="clickEffect">
+                                  <p:stCondLst>
+                                    <p:cond delay="0"/>
+                                  </p:stCondLst>
+                                  <p:childTnLst>
+                                    <p:set>
+                                      <p:cBhvr>
+                                        <p:cTn id="12" dur="1" fill="hold">
+                                          <p:stCondLst>
+                                            <p:cond delay="0"/>
+                                          </p:stCondLst>
+                                        </p:cTn>
+                                        <p:tgtEl>
+                                          <p:spTgt spid="5122">
+                                            <p:txEl>
+                                              <p:pRg st="1" end="1"/>
+                                            </p:txEl>
+                                          </p:spTgt>
+                                        </p:tgtEl>
+                                        <p:attrNameLst>
+                                          <p:attrName>style.visibility</p:attrName>
+                                        </p:attrNameLst>
+                                      </p:cBhvr>
+                                      <p:to>
+                                        <p:strVal val="visible"/>
+                                      </p:to>
+                                    </p:set>
+                                    <p:anim calcmode="lin" valueType="num">
+                                      <p:cBhvr additive="base">
+                                        <p:cTn id="13" dur="500" fill="hold"/>
+                                        <p:tgtEl>
+                                          <p:spTgt spid="5122">
+                                            <p:txEl>
+                                              <p:pRg st="1" end="1"/>
+                                            </p:txEl>
+                                          </p:spTgt>
+                                        </p:tgtEl>
+                                        <p:attrNameLst>
+                                          <p:attrName>ppt_x</p:attrName>
+                                        </p:attrNameLst>
+                                      </p:cBhvr>
+                                      <p:tavLst>
+                                        <p:tav tm="0">
+                                          <p:val>
+                                            <p:strVal val="#ppt_x"/>
+                                          </p:val>
+                                        </p:tav>
+                                        <p:tav tm="100000">
+                                          <p:val>
+                                            <p:strVal val="#ppt_x"/>
+                                          </p:val>
+                                        </p:tav>
+                                      </p:tavLst>
+                                    </p:anim>
+                                    <p:anim calcmode="lin" valueType="num">
+                                      <p:cBhvr additive="base">
+                                        <p:cTn id="14" dur="500" fill="hold"/>
+                                        <p:tgtEl>
+                                          <p:spTgt spid="5122">
+                                            <p:txEl>
+                                              <p:pRg st="1" end="1"/>
+                                            </p:txEl>
+                                          </p:spTgt>
+                                        </p:tgtEl>
+                                        <p:attrNameLst>
+                                          <p:attrName>ppt_y</p:attrName>
+                                        </p:attrNameLst>
+                                      </p:cBhvr>
+                                      <p:tavLst>
+                                        <p:tav tm="0">
+                                          <p:val>
+                                            <p:strVal val="1+#ppt_h/2"/>
+                                          </p:val>
+                                        </p:tav>
+                                        <p:tav tm="100000">
+                                          <p:val>
+                                            <p:strVal val="#ppt_y"/>
+                                          </p:val>
+                                        </p:tav>
+                                      </p:tavLst>
+                                    </p:anim>
+                                  </p:childTnLst>
+                                </p:cTn>
+                              </p:par>
+                            </p:childTnLst>
+                          </p:cTn>
+                        </p:par>
+                      </p:childTnLst>
+                    </p:cTn>
+                  </p:par>
+                  <p:par>
+                    <p:cTn id="15" fill="hold">
+                      <p:stCondLst>
+                        <p:cond delay="indefinite"/>
+                      </p:stCondLst>
+                      <p:childTnLst>
+                        <p:par>
+                          <p:cTn id="16" fill="hold">
+                            <p:stCondLst>
+                              <p:cond delay="0"/>
+                            </p:stCondLst>
+                            <p:childTnLst>
+                              <p:par>
+                                <p:cTn id="17" presetID="2" presetClass="entr" presetSubtype="4" fill="hold" grpId="0" nodeType="clickEffect">
+                                  <p:stCondLst>
+                                    <p:cond delay="0"/>
+                                  </p:stCondLst>
+                                  <p:childTnLst>
+                                    <p:set>
+                                      <p:cBhvr>
+                                        <p:cTn id="18" dur="1" fill="hold">
+                                          <p:stCondLst>
+                                            <p:cond delay="0"/>
+                                          </p:stCondLst>
+                                        </p:cTn>
+                                        <p:tgtEl>
+                                          <p:spTgt spid="16"/>
+                                        </p:tgtEl>
+                                        <p:attrNameLst>
+                                          <p:attrName>style.visibility</p:attrName>
+                                        </p:attrNameLst>
+                                      </p:cBhvr>
+                                      <p:to>
+                                        <p:strVal val="visible"/>
+                                      </p:to>
+                                    </p:set>
+                                    <p:anim calcmode="lin" valueType="num">
+                                      <p:cBhvr additive="base">
+                                        <p:cTn id="19" dur="500" fill="hold"/>
+                                        <p:tgtEl>
+                                          <p:spTgt spid="16"/>
+                                        </p:tgtEl>
+                                        <p:attrNameLst>
+                                          <p:attrName>ppt_x</p:attrName>
+                                        </p:attrNameLst>
+                                      </p:cBhvr>
+                                      <p:tavLst>
+                                        <p:tav tm="0">
+                                          <p:val>
+                                            <p:strVal val="#ppt_x"/>
+                                          </p:val>
+                                        </p:tav>
+                                        <p:tav tm="100000">
+                                          <p:val>
+                                            <p:strVal val="#ppt_x"/>
+                                          </p:val>
+                                        </p:tav>
+                                      </p:tavLst>
+                                    </p:anim>
+                                    <p:anim calcmode="lin" valueType="num">
+                                      <p:cBhvr additive="base">
+                                        <p:cTn id="20" dur="500" fill="hold"/>
+                                        <p:tgtEl>
+                                          <p:spTgt spid="16"/>
+                                        </p:tgtEl>
+                                        <p:attrNameLst>
+                                          <p:attrName>ppt_y</p:attrName>
+                                        </p:attrNameLst>
+                                      </p:cBhvr>
+                                      <p:tavLst>
+                                        <p:tav tm="0">
+                                          <p:val>
+                                            <p:strVal val="1+#ppt_h/2"/>
+                                          </p:val>
+                                        </p:tav>
+                                        <p:tav tm="100000">
+                                          <p:val>
+                                            <p:strVal val="#ppt_y"/>
+                                          </p:val>
+                                        </p:tav>
+                                      </p:tavLst>
+                                    </p:anim>
+                                  </p:childTnLst>
+                                </p:cTn>
+                              </p:par>
+                            </p:childTnLst>
+                          </p:cTn>
+                        </p:par>
+                      </p:childTnLst>
+                    </p:cTn>
+                  </p:par>
+                </p:childTnLst>
+              </p:cTn>
+              <p:prevCondLst>
+                <p:cond evt="onPrev" delay="0">
+                  <p:tgtEl>
+                    <p:sldTgt/>
+                  </p:tgtEl>
+                </p:cond>
+              </p:prevCondLst>
+              <p:nextCondLst>
+                <p:cond evt="onNext" delay="0">
+                  <p:tgtEl>
+                    <p:sldTgt/>
+                  </p:tgtEl>
+                </p:cond>
+              </p:nextCondLst>
+            </p:seq>
+          </p:childTnLst>
+        </p:cTn>
+      </p:par>
+    </p:tnLst>
+    <p:bldLst>
+      <p:bldP spid="16" grpId="0"/>
+    </p:bldLst>
+  </p:timing>
 </p:sld>
 </file>
 
@@ -6354,6 +6528,9 @@
                     <p:cTn id="3" fill="hold">
                       <p:stCondLst>
                         <p:cond delay="indefinite"/>
+                        <p:cond evt="onBegin" delay="0">
+                          <p:tn val="2"/>
+                        </p:cond>
                       </p:stCondLst>
                       <p:childTnLst>
                         <p:par>
@@ -6363,7 +6540,7 @@
                             </p:stCondLst>
                             <p:childTnLst>
                               <p:par>
-                                <p:cTn id="5" presetID="2" presetClass="entr" presetSubtype="4" fill="hold" nodeType="clickEffect">
+                                <p:cTn id="5" presetID="2" presetClass="entr" presetSubtype="4" fill="hold" nodeType="afterEffect">
                                   <p:stCondLst>
                                     <p:cond delay="0"/>
                                   </p:stCondLst>

--- a/课程PPT/（04）H5 Canvas动画.pptx
+++ b/课程PPT/（04）H5 Canvas动画.pptx
@@ -5193,7 +5193,7 @@
                 <a:ea typeface="微软雅黑" panose="020B0503020204020204" pitchFamily="34" charset="-122"/>
                 <a:sym typeface="+mn-ea"/>
               </a:rPr>
-              <a:t>    animHandle=requestAnimationFrame(anim);</a:t>
+              <a:t>    requestAnimationFrame(anim);</a:t>
             </a:r>
             <a:br>
               <a:rPr sz="2400" noProof="1">
